--- a/githubについて.pptx
+++ b/githubについて.pptx
@@ -5,7 +5,7 @@
     <p:sldMasterId id="2147483660" r:id="rId1"/>
   </p:sldMasterIdLst>
   <p:notesMasterIdLst>
-    <p:notesMasterId r:id="rId28"/>
+    <p:notesMasterId r:id="rId22"/>
   </p:notesMasterIdLst>
   <p:sldIdLst>
     <p:sldId id="256" r:id="rId2"/>
@@ -17,23 +17,17 @@
     <p:sldId id="265" r:id="rId8"/>
     <p:sldId id="266" r:id="rId9"/>
     <p:sldId id="267" r:id="rId10"/>
-    <p:sldId id="268" r:id="rId11"/>
-    <p:sldId id="270" r:id="rId12"/>
-    <p:sldId id="271" r:id="rId13"/>
-    <p:sldId id="272" r:id="rId14"/>
-    <p:sldId id="274" r:id="rId15"/>
-    <p:sldId id="273" r:id="rId16"/>
-    <p:sldId id="367" r:id="rId17"/>
-    <p:sldId id="278" r:id="rId18"/>
-    <p:sldId id="275" r:id="rId19"/>
-    <p:sldId id="277" r:id="rId20"/>
-    <p:sldId id="358" r:id="rId21"/>
-    <p:sldId id="360" r:id="rId22"/>
-    <p:sldId id="361" r:id="rId23"/>
-    <p:sldId id="363" r:id="rId24"/>
-    <p:sldId id="364" r:id="rId25"/>
-    <p:sldId id="365" r:id="rId26"/>
-    <p:sldId id="366" r:id="rId27"/>
+    <p:sldId id="270" r:id="rId11"/>
+    <p:sldId id="271" r:id="rId12"/>
+    <p:sldId id="272" r:id="rId13"/>
+    <p:sldId id="367" r:id="rId14"/>
+    <p:sldId id="358" r:id="rId15"/>
+    <p:sldId id="360" r:id="rId16"/>
+    <p:sldId id="361" r:id="rId17"/>
+    <p:sldId id="363" r:id="rId18"/>
+    <p:sldId id="364" r:id="rId19"/>
+    <p:sldId id="365" r:id="rId20"/>
+    <p:sldId id="366" r:id="rId21"/>
   </p:sldIdLst>
   <p:sldSz cx="12192000" cy="6858000"/>
   <p:notesSz cx="6858000" cy="9144000"/>
@@ -586,7 +580,7 @@
           <a:p>
             <a:fld id="{41436B96-20CB-4457-A9A8-4BAF8B6D0582}" type="slidenum">
               <a:rPr kumimoji="1" lang="ja-JP" altLang="en-US" smtClean="0"/>
-              <a:t>12</a:t>
+              <a:t>11</a:t>
             </a:fld>
             <a:endParaRPr kumimoji="1" lang="ja-JP" altLang="en-US"/>
           </a:p>
@@ -606,227 +600,6 @@
 </file>
 
 <file path=ppt/notesSlides/notesSlide2.xml><?xml version="1.0" encoding="utf-8"?>
-<p:notes xmlns:a="http://schemas.openxmlformats.org/drawingml/2006/main" xmlns:r="http://schemas.openxmlformats.org/officeDocument/2006/relationships" xmlns:p="http://schemas.openxmlformats.org/presentationml/2006/main">
-  <p:cSld>
-    <p:spTree>
-      <p:nvGrpSpPr>
-        <p:cNvPr id="1" name=""/>
-        <p:cNvGrpSpPr/>
-        <p:nvPr/>
-      </p:nvGrpSpPr>
-      <p:grpSpPr>
-        <a:xfrm>
-          <a:off x="0" y="0"/>
-          <a:ext cx="0" cy="0"/>
-          <a:chOff x="0" y="0"/>
-          <a:chExt cx="0" cy="0"/>
-        </a:xfrm>
-      </p:grpSpPr>
-      <p:sp>
-        <p:nvSpPr>
-          <p:cNvPr id="2" name="スライド イメージ プレースホルダー 1"/>
-          <p:cNvSpPr>
-            <a:spLocks noGrp="1" noRot="1" noChangeAspect="1"/>
-          </p:cNvSpPr>
-          <p:nvPr>
-            <p:ph type="sldImg"/>
-          </p:nvPr>
-        </p:nvSpPr>
-        <p:spPr/>
-      </p:sp>
-      <p:sp>
-        <p:nvSpPr>
-          <p:cNvPr id="3" name="ノート プレースホルダー 2"/>
-          <p:cNvSpPr>
-            <a:spLocks noGrp="1"/>
-          </p:cNvSpPr>
-          <p:nvPr>
-            <p:ph type="body" idx="1"/>
-          </p:nvPr>
-        </p:nvSpPr>
-        <p:spPr/>
-        <p:txBody>
-          <a:bodyPr/>
-          <a:lstStyle/>
-          <a:p>
-            <a:pPr marL="0" indent="0">
-              <a:buFont typeface="Arial" panose="020B0604020202020204" pitchFamily="34" charset="0"/>
-              <a:buNone/>
-            </a:pPr>
-            <a:r>
-              <a:rPr lang="ja-JP" altLang="en-US" sz="1200" dirty="0"/>
-              <a:t>・例えば、あなたがファイル１を開いて作業したいのにファイル２を開いてい</a:t>
-            </a:r>
-            <a:endParaRPr lang="en-US" altLang="ja-JP" sz="1200" dirty="0"/>
-          </a:p>
-          <a:p>
-            <a:pPr marL="0" indent="0">
-              <a:buFont typeface="Arial" panose="020B0604020202020204" pitchFamily="34" charset="0"/>
-              <a:buNone/>
-            </a:pPr>
-            <a:r>
-              <a:rPr lang="ja-JP" altLang="en-US" sz="1200" dirty="0"/>
-              <a:t>　ては作業できませんよね？これは</a:t>
-            </a:r>
-            <a:r>
-              <a:rPr lang="en-US" altLang="ja-JP" sz="1200" dirty="0"/>
-              <a:t>Git Bash</a:t>
-            </a:r>
-            <a:r>
-              <a:rPr lang="ja-JP" altLang="en-US" sz="1200" dirty="0"/>
-              <a:t>も同じでどのファイルを見て作業してほしいのかを指定するこれがフォーカスの指定です</a:t>
-            </a:r>
-            <a:endParaRPr lang="en-US" altLang="ja-JP" sz="1200" dirty="0"/>
-          </a:p>
-          <a:p>
-            <a:pPr marL="0" indent="0">
-              <a:buFont typeface="Arial" panose="020B0604020202020204" pitchFamily="34" charset="0"/>
-              <a:buNone/>
-            </a:pPr>
-            <a:endParaRPr lang="en-US" altLang="ja-JP" sz="1200" dirty="0"/>
-          </a:p>
-          <a:p>
-            <a:pPr marL="0" indent="0">
-              <a:buFont typeface="Arial" panose="020B0604020202020204" pitchFamily="34" charset="0"/>
-              <a:buNone/>
-            </a:pPr>
-            <a:r>
-              <a:rPr lang="ja-JP" altLang="en-US" sz="1200" dirty="0"/>
-              <a:t>●もし、デスクトップにフォーカスをしたいときは</a:t>
-            </a:r>
-            <a:r>
-              <a:rPr lang="en-US" altLang="ja-JP" sz="1200" dirty="0"/>
-              <a:t>cd </a:t>
-            </a:r>
-            <a:r>
-              <a:rPr lang="en-US" altLang="ja-JP" sz="1200" dirty="0" err="1"/>
-              <a:t>Desctop</a:t>
-            </a:r>
-            <a:r>
-              <a:rPr lang="ja-JP" altLang="en-US" sz="1200" dirty="0"/>
-              <a:t>と入力し、</a:t>
-            </a:r>
-            <a:endParaRPr lang="en-US" altLang="ja-JP" sz="1200" dirty="0"/>
-          </a:p>
-          <a:p>
-            <a:pPr marL="0" indent="0">
-              <a:buFont typeface="Arial" panose="020B0604020202020204" pitchFamily="34" charset="0"/>
-              <a:buNone/>
-            </a:pPr>
-            <a:r>
-              <a:rPr lang="ja-JP" altLang="en-US" sz="1200" dirty="0"/>
-              <a:t>●デスクトップの中の</a:t>
-            </a:r>
-            <a:r>
-              <a:rPr lang="en-US" altLang="ja-JP" sz="1200" dirty="0"/>
-              <a:t>Folder1</a:t>
-            </a:r>
-            <a:r>
-              <a:rPr lang="ja-JP" altLang="en-US" sz="1200" dirty="0"/>
-              <a:t>にフォーカスしたいときは</a:t>
-            </a:r>
-            <a:r>
-              <a:rPr lang="en-US" altLang="ja-JP" sz="1200" dirty="0"/>
-              <a:t>cd </a:t>
-            </a:r>
-            <a:r>
-              <a:rPr lang="en-US" altLang="ja-JP" sz="1200" dirty="0" err="1"/>
-              <a:t>Desctop</a:t>
-            </a:r>
-            <a:r>
-              <a:rPr lang="en-US" altLang="ja-JP" sz="1200" dirty="0"/>
-              <a:t>/file1</a:t>
-            </a:r>
-          </a:p>
-          <a:p>
-            <a:pPr marL="0" indent="0">
-              <a:buFont typeface="Arial" panose="020B0604020202020204" pitchFamily="34" charset="0"/>
-              <a:buNone/>
-            </a:pPr>
-            <a:r>
-              <a:rPr lang="ja-JP" altLang="en-US" sz="1200" dirty="0"/>
-              <a:t>●そしてファイルの中にフィルがあるようなときにフォーカスを当てたいときは</a:t>
-            </a:r>
-            <a:endParaRPr lang="en-US" altLang="ja-JP" sz="1200" dirty="0"/>
-          </a:p>
-          <a:p>
-            <a:pPr marL="0" marR="0" lvl="0" indent="0" algn="l" defTabSz="914400" rtl="0" eaLnBrk="1" fontAlgn="auto" latinLnBrk="0" hangingPunct="1">
-              <a:lnSpc>
-                <a:spcPct val="100000"/>
-              </a:lnSpc>
-              <a:spcBef>
-                <a:spcPts val="0"/>
-              </a:spcBef>
-              <a:spcAft>
-                <a:spcPts val="0"/>
-              </a:spcAft>
-              <a:buClrTx/>
-              <a:buSzTx/>
-              <a:buFont typeface="Arial" panose="020B0604020202020204" pitchFamily="34" charset="0"/>
-              <a:buNone/>
-              <a:tabLst/>
-              <a:defRPr/>
-            </a:pPr>
-            <a:r>
-              <a:rPr lang="en-US" altLang="ja-JP" sz="1200" dirty="0"/>
-              <a:t>cd </a:t>
-            </a:r>
-            <a:r>
-              <a:rPr lang="en-US" altLang="ja-JP" sz="1200" dirty="0" err="1"/>
-              <a:t>Desctop</a:t>
-            </a:r>
-            <a:r>
-              <a:rPr lang="en-US" altLang="ja-JP" sz="1200" dirty="0"/>
-              <a:t>/Folder2/Folder3</a:t>
-            </a:r>
-            <a:r>
-              <a:rPr lang="ja-JP" altLang="en-US" sz="1200" dirty="0"/>
-              <a:t>のように指定します</a:t>
-            </a:r>
-            <a:endParaRPr lang="en-US" altLang="ja-JP" sz="1200" dirty="0"/>
-          </a:p>
-          <a:p>
-            <a:endParaRPr kumimoji="1" lang="ja-JP" altLang="en-US" dirty="0"/>
-          </a:p>
-        </p:txBody>
-      </p:sp>
-      <p:sp>
-        <p:nvSpPr>
-          <p:cNvPr id="4" name="スライド番号プレースホルダー 3"/>
-          <p:cNvSpPr>
-            <a:spLocks noGrp="1"/>
-          </p:cNvSpPr>
-          <p:nvPr>
-            <p:ph type="sldNum" sz="quarter" idx="5"/>
-          </p:nvPr>
-        </p:nvSpPr>
-        <p:spPr/>
-        <p:txBody>
-          <a:bodyPr/>
-          <a:lstStyle/>
-          <a:p>
-            <a:fld id="{41436B96-20CB-4457-A9A8-4BAF8B6D0582}" type="slidenum">
-              <a:rPr kumimoji="1" lang="ja-JP" altLang="en-US" smtClean="0"/>
-              <a:t>19</a:t>
-            </a:fld>
-            <a:endParaRPr kumimoji="1" lang="ja-JP" altLang="en-US"/>
-          </a:p>
-        </p:txBody>
-      </p:sp>
-    </p:spTree>
-    <p:extLst>
-      <p:ext uri="{BB962C8B-B14F-4D97-AF65-F5344CB8AC3E}">
-        <p14:creationId xmlns:p14="http://schemas.microsoft.com/office/powerpoint/2010/main" val="1702682198"/>
-      </p:ext>
-    </p:extLst>
-  </p:cSld>
-  <p:clrMapOvr>
-    <a:masterClrMapping/>
-  </p:clrMapOvr>
-</p:notes>
-</file>
-
-<file path=ppt/notesSlides/notesSlide3.xml><?xml version="1.0" encoding="utf-8"?>
 <p:notes xmlns:a="http://schemas.openxmlformats.org/drawingml/2006/main" xmlns:r="http://schemas.openxmlformats.org/officeDocument/2006/relationships" xmlns:p="http://schemas.openxmlformats.org/presentationml/2006/main">
   <p:cSld>
     <p:spTree>
@@ -912,7 +685,7 @@
           <a:p>
             <a:fld id="{62919CAC-265D-488C-97C6-0292DBACD7D9}" type="slidenum">
               <a:rPr kumimoji="1" lang="ja-JP" altLang="en-US" smtClean="0"/>
-              <a:t>20</a:t>
+              <a:t>14</a:t>
             </a:fld>
             <a:endParaRPr kumimoji="1" lang="ja-JP" altLang="en-US"/>
           </a:p>
@@ -931,7 +704,7 @@
 </p:notes>
 </file>
 
-<file path=ppt/notesSlides/notesSlide4.xml><?xml version="1.0" encoding="utf-8"?>
+<file path=ppt/notesSlides/notesSlide3.xml><?xml version="1.0" encoding="utf-8"?>
 <p:notes xmlns:a="http://schemas.openxmlformats.org/drawingml/2006/main" xmlns:r="http://schemas.openxmlformats.org/officeDocument/2006/relationships" xmlns:p="http://schemas.openxmlformats.org/presentationml/2006/main">
   <p:cSld>
     <p:spTree>
@@ -1024,7 +797,7 @@
           <a:p>
             <a:fld id="{62919CAC-265D-488C-97C6-0292DBACD7D9}" type="slidenum">
               <a:rPr kumimoji="1" lang="ja-JP" altLang="en-US" smtClean="0"/>
-              <a:t>21</a:t>
+              <a:t>15</a:t>
             </a:fld>
             <a:endParaRPr kumimoji="1" lang="ja-JP" altLang="en-US"/>
           </a:p>
@@ -1043,7 +816,7 @@
 </p:notes>
 </file>
 
-<file path=ppt/notesSlides/notesSlide5.xml><?xml version="1.0" encoding="utf-8"?>
+<file path=ppt/notesSlides/notesSlide4.xml><?xml version="1.0" encoding="utf-8"?>
 <p:notes xmlns:a="http://schemas.openxmlformats.org/drawingml/2006/main" xmlns:r="http://schemas.openxmlformats.org/officeDocument/2006/relationships" xmlns:p="http://schemas.openxmlformats.org/presentationml/2006/main">
   <p:cSld>
     <p:spTree>
@@ -1199,7 +972,7 @@
           <a:p>
             <a:fld id="{62919CAC-265D-488C-97C6-0292DBACD7D9}" type="slidenum">
               <a:rPr kumimoji="1" lang="ja-JP" altLang="en-US" smtClean="0"/>
-              <a:t>22</a:t>
+              <a:t>16</a:t>
             </a:fld>
             <a:endParaRPr kumimoji="1" lang="ja-JP" altLang="en-US"/>
           </a:p>
@@ -1218,7 +991,7 @@
 </p:notes>
 </file>
 
-<file path=ppt/notesSlides/notesSlide6.xml><?xml version="1.0" encoding="utf-8"?>
+<file path=ppt/notesSlides/notesSlide5.xml><?xml version="1.0" encoding="utf-8"?>
 <p:notes xmlns:a="http://schemas.openxmlformats.org/drawingml/2006/main" xmlns:r="http://schemas.openxmlformats.org/officeDocument/2006/relationships" xmlns:p="http://schemas.openxmlformats.org/presentationml/2006/main">
   <p:cSld>
     <p:spTree>
@@ -1312,7 +1085,7 @@
           <a:p>
             <a:fld id="{62919CAC-265D-488C-97C6-0292DBACD7D9}" type="slidenum">
               <a:rPr kumimoji="1" lang="ja-JP" altLang="en-US" smtClean="0"/>
-              <a:t>23</a:t>
+              <a:t>17</a:t>
             </a:fld>
             <a:endParaRPr kumimoji="1" lang="ja-JP" altLang="en-US"/>
           </a:p>
@@ -1331,7 +1104,7 @@
 </p:notes>
 </file>
 
-<file path=ppt/notesSlides/notesSlide7.xml><?xml version="1.0" encoding="utf-8"?>
+<file path=ppt/notesSlides/notesSlide6.xml><?xml version="1.0" encoding="utf-8"?>
 <p:notes xmlns:a="http://schemas.openxmlformats.org/drawingml/2006/main" xmlns:r="http://schemas.openxmlformats.org/officeDocument/2006/relationships" xmlns:p="http://schemas.openxmlformats.org/presentationml/2006/main">
   <p:cSld>
     <p:spTree>
@@ -1446,7 +1219,7 @@
           <a:p>
             <a:fld id="{41436B96-20CB-4457-A9A8-4BAF8B6D0582}" type="slidenum">
               <a:rPr kumimoji="1" lang="ja-JP" altLang="en-US" smtClean="0"/>
-              <a:t>24</a:t>
+              <a:t>18</a:t>
             </a:fld>
             <a:endParaRPr kumimoji="1" lang="ja-JP" altLang="en-US"/>
           </a:p>
@@ -1465,7 +1238,7 @@
 </p:notes>
 </file>
 
-<file path=ppt/notesSlides/notesSlide8.xml><?xml version="1.0" encoding="utf-8"?>
+<file path=ppt/notesSlides/notesSlide7.xml><?xml version="1.0" encoding="utf-8"?>
 <p:notes xmlns:a="http://schemas.openxmlformats.org/drawingml/2006/main" xmlns:r="http://schemas.openxmlformats.org/officeDocument/2006/relationships" xmlns:p="http://schemas.openxmlformats.org/presentationml/2006/main">
   <p:cSld>
     <p:spTree>
@@ -1581,7 +1354,7 @@
           <a:p>
             <a:fld id="{62919CAC-265D-488C-97C6-0292DBACD7D9}" type="slidenum">
               <a:rPr kumimoji="1" lang="ja-JP" altLang="en-US" smtClean="0"/>
-              <a:t>25</a:t>
+              <a:t>19</a:t>
             </a:fld>
             <a:endParaRPr kumimoji="1" lang="ja-JP" altLang="en-US"/>
           </a:p>
@@ -1600,7 +1373,7 @@
 </p:notes>
 </file>
 
-<file path=ppt/notesSlides/notesSlide9.xml><?xml version="1.0" encoding="utf-8"?>
+<file path=ppt/notesSlides/notesSlide8.xml><?xml version="1.0" encoding="utf-8"?>
 <p:notes xmlns:a="http://schemas.openxmlformats.org/drawingml/2006/main" xmlns:r="http://schemas.openxmlformats.org/officeDocument/2006/relationships" xmlns:p="http://schemas.openxmlformats.org/presentationml/2006/main">
   <p:cSld>
     <p:spTree>
@@ -1712,7 +1485,7 @@
           <a:p>
             <a:fld id="{62919CAC-265D-488C-97C6-0292DBACD7D9}" type="slidenum">
               <a:rPr kumimoji="1" lang="ja-JP" altLang="en-US" smtClean="0"/>
-              <a:t>26</a:t>
+              <a:t>20</a:t>
             </a:fld>
             <a:endParaRPr kumimoji="1" lang="ja-JP" altLang="en-US"/>
           </a:p>
@@ -8780,124 +8553,6 @@
 <file path=ppt/slides/slide10.xml><?xml version="1.0" encoding="utf-8"?>
 <p:sld xmlns:a="http://schemas.openxmlformats.org/drawingml/2006/main" xmlns:r="http://schemas.openxmlformats.org/officeDocument/2006/relationships" xmlns:p="http://schemas.openxmlformats.org/presentationml/2006/main">
   <p:cSld>
-    <p:spTree>
-      <p:nvGrpSpPr>
-        <p:cNvPr id="1" name=""/>
-        <p:cNvGrpSpPr/>
-        <p:nvPr/>
-      </p:nvGrpSpPr>
-      <p:grpSpPr>
-        <a:xfrm>
-          <a:off x="0" y="0"/>
-          <a:ext cx="0" cy="0"/>
-          <a:chOff x="0" y="0"/>
-          <a:chExt cx="0" cy="0"/>
-        </a:xfrm>
-      </p:grpSpPr>
-      <p:sp>
-        <p:nvSpPr>
-          <p:cNvPr id="2" name="タイトル 1">
-            <a:extLst>
-              <a:ext uri="{FF2B5EF4-FFF2-40B4-BE49-F238E27FC236}">
-                <a16:creationId xmlns:a16="http://schemas.microsoft.com/office/drawing/2014/main" id="{3724670E-79B7-2737-373A-870D2EEE3ED4}"/>
-              </a:ext>
-            </a:extLst>
-          </p:cNvPr>
-          <p:cNvSpPr>
-            <a:spLocks noGrp="1"/>
-          </p:cNvSpPr>
-          <p:nvPr>
-            <p:ph type="title"/>
-          </p:nvPr>
-        </p:nvSpPr>
-        <p:spPr/>
-        <p:txBody>
-          <a:bodyPr/>
-          <a:lstStyle/>
-          <a:p>
-            <a:r>
-              <a:rPr lang="en-US" altLang="ja-JP" sz="5400" cap="none" dirty="0"/>
-              <a:t>GitHub</a:t>
-            </a:r>
-            <a:r>
-              <a:rPr lang="ja-JP" altLang="en-US" sz="5400" cap="none" dirty="0"/>
-              <a:t>を使ってみよう！！</a:t>
-            </a:r>
-            <a:endParaRPr kumimoji="1" lang="ja-JP" altLang="en-US" dirty="0"/>
-          </a:p>
-        </p:txBody>
-      </p:sp>
-      <p:sp>
-        <p:nvSpPr>
-          <p:cNvPr id="4" name="タイトル 1">
-            <a:extLst>
-              <a:ext uri="{FF2B5EF4-FFF2-40B4-BE49-F238E27FC236}">
-                <a16:creationId xmlns:a16="http://schemas.microsoft.com/office/drawing/2014/main" id="{5BB1E89F-4FFE-0EF9-9B1E-C9FACD4CD510}"/>
-              </a:ext>
-            </a:extLst>
-          </p:cNvPr>
-          <p:cNvSpPr txBox="1">
-            <a:spLocks/>
-          </p:cNvSpPr>
-          <p:nvPr/>
-        </p:nvSpPr>
-        <p:spPr>
-          <a:xfrm>
-            <a:off x="1251678" y="1354050"/>
-            <a:ext cx="3260361" cy="520467"/>
-          </a:xfrm>
-          <a:prstGeom prst="rect">
-            <a:avLst/>
-          </a:prstGeom>
-        </p:spPr>
-        <p:txBody>
-          <a:bodyPr vert="horz" lIns="91440" tIns="45720" rIns="91440" bIns="45720" rtlCol="0" anchor="t">
-            <a:normAutofit/>
-          </a:bodyPr>
-          <a:lstStyle>
-            <a:lvl1pPr algn="l" defTabSz="914400" rtl="0" eaLnBrk="1" latinLnBrk="0" hangingPunct="1">
-              <a:lnSpc>
-                <a:spcPct val="90000"/>
-              </a:lnSpc>
-              <a:spcBef>
-                <a:spcPct val="0"/>
-              </a:spcBef>
-              <a:buNone/>
-              <a:defRPr kumimoji="1" sz="5100" kern="1200" cap="all" spc="200" baseline="0">
-                <a:solidFill>
-                  <a:schemeClr val="tx2"/>
-                </a:solidFill>
-                <a:latin typeface="+mj-lt"/>
-                <a:ea typeface="+mj-ea"/>
-                <a:cs typeface="+mj-cs"/>
-              </a:defRPr>
-            </a:lvl1pPr>
-          </a:lstStyle>
-          <a:p>
-            <a:r>
-              <a:rPr lang="ja-JP" altLang="en-US" sz="2800" cap="none" dirty="0"/>
-              <a:t>・アカウント作成</a:t>
-            </a:r>
-            <a:endParaRPr lang="ja-JP" altLang="en-US" sz="2800" dirty="0"/>
-          </a:p>
-        </p:txBody>
-      </p:sp>
-    </p:spTree>
-    <p:extLst>
-      <p:ext uri="{BB962C8B-B14F-4D97-AF65-F5344CB8AC3E}">
-        <p14:creationId xmlns:p14="http://schemas.microsoft.com/office/powerpoint/2010/main" val="694574937"/>
-      </p:ext>
-    </p:extLst>
-  </p:cSld>
-  <p:clrMapOvr>
-    <a:masterClrMapping/>
-  </p:clrMapOvr>
-</p:sld>
-</file>
-
-<file path=ppt/slides/slide11.xml><?xml version="1.0" encoding="utf-8"?>
-<p:sld xmlns:a="http://schemas.openxmlformats.org/drawingml/2006/main" xmlns:r="http://schemas.openxmlformats.org/officeDocument/2006/relationships" xmlns:p="http://schemas.openxmlformats.org/presentationml/2006/main">
-  <p:cSld>
     <p:bg>
       <p:bgPr>
         <a:solidFill>
@@ -11262,7 +10917,7 @@
 </p:sld>
 </file>
 
-<file path=ppt/slides/slide12.xml><?xml version="1.0" encoding="utf-8"?>
+<file path=ppt/slides/slide11.xml><?xml version="1.0" encoding="utf-8"?>
 <p:sld xmlns:a="http://schemas.openxmlformats.org/drawingml/2006/main" xmlns:r="http://schemas.openxmlformats.org/officeDocument/2006/relationships" xmlns:p="http://schemas.openxmlformats.org/presentationml/2006/main">
   <p:cSld>
     <p:spTree>
@@ -11672,7 +11327,7 @@
 </p:sld>
 </file>
 
-<file path=ppt/slides/slide13.xml><?xml version="1.0" encoding="utf-8"?>
+<file path=ppt/slides/slide12.xml><?xml version="1.0" encoding="utf-8"?>
 <p:sld xmlns:a="http://schemas.openxmlformats.org/drawingml/2006/main" xmlns:r="http://schemas.openxmlformats.org/officeDocument/2006/relationships" xmlns:p="http://schemas.openxmlformats.org/presentationml/2006/main" show="0">
   <p:cSld>
     <p:spTree>
@@ -12487,7 +12142,7 @@
 </p:sld>
 </file>
 
-<file path=ppt/slides/slide14.xml><?xml version="1.0" encoding="utf-8"?>
+<file path=ppt/slides/slide13.xml><?xml version="1.0" encoding="utf-8"?>
 <p:sld xmlns:a="http://schemas.openxmlformats.org/drawingml/2006/main" xmlns:r="http://schemas.openxmlformats.org/officeDocument/2006/relationships" xmlns:p="http://schemas.openxmlformats.org/presentationml/2006/main">
   <p:cSld>
     <p:bg>
@@ -12590,8 +12245,8 @@
         </p:nvSpPr>
         <p:spPr>
           <a:xfrm>
-            <a:off x="119921" y="864911"/>
-            <a:ext cx="11952156" cy="3467282"/>
+            <a:off x="-788758" y="2143588"/>
+            <a:ext cx="13769516" cy="2570824"/>
           </a:xfrm>
         </p:spPr>
         <p:txBody>
@@ -12601,21 +12256,21 @@
           <a:lstStyle/>
           <a:p>
             <a:r>
-              <a:rPr lang="en-US" altLang="ja-JP" sz="8000" cap="none" dirty="0"/>
-              <a:t>Git Bash</a:t>
+              <a:rPr lang="en-US" altLang="ja-JP" sz="7200" cap="none" dirty="0"/>
+              <a:t>Git</a:t>
             </a:r>
             <a:r>
-              <a:rPr lang="ja-JP" altLang="en-US" sz="8000" cap="none" dirty="0"/>
-              <a:t>を</a:t>
+              <a:rPr lang="ja-JP" altLang="en-US" sz="7200" cap="none" dirty="0"/>
+              <a:t>の用語を</a:t>
             </a:r>
             <a:br>
-              <a:rPr lang="en-US" altLang="ja-JP" sz="8000" cap="none" dirty="0"/>
+              <a:rPr lang="en-US" altLang="ja-JP" sz="7200" cap="none" dirty="0"/>
             </a:br>
             <a:r>
-              <a:rPr lang="ja-JP" altLang="en-US" sz="8000" cap="none" dirty="0"/>
-              <a:t>使ってみよう！</a:t>
+              <a:rPr lang="ja-JP" altLang="en-US" sz="7200" cap="none" dirty="0"/>
+              <a:t>なんとなく理解してみよう</a:t>
             </a:r>
-            <a:endParaRPr kumimoji="1" lang="ja-JP" altLang="en-US" sz="8000" cap="none" dirty="0"/>
+            <a:endParaRPr kumimoji="1" lang="ja-JP" altLang="en-US" sz="7200" cap="none" dirty="0"/>
           </a:p>
         </p:txBody>
       </p:sp>
@@ -14752,7 +14407,7 @@
     </p:spTree>
     <p:extLst>
       <p:ext uri="{BB962C8B-B14F-4D97-AF65-F5344CB8AC3E}">
-        <p14:creationId xmlns:p14="http://schemas.microsoft.com/office/powerpoint/2010/main" val="3387513693"/>
+        <p14:creationId xmlns:p14="http://schemas.microsoft.com/office/powerpoint/2010/main" val="2013437130"/>
       </p:ext>
     </p:extLst>
   </p:cSld>
@@ -14854,6185 +14509,7 @@
 </p:sld>
 </file>
 
-<file path=ppt/slides/slide15.xml><?xml version="1.0" encoding="utf-8"?>
-<p:sld xmlns:a="http://schemas.openxmlformats.org/drawingml/2006/main" xmlns:r="http://schemas.openxmlformats.org/officeDocument/2006/relationships" xmlns:p="http://schemas.openxmlformats.org/presentationml/2006/main">
-  <p:cSld>
-    <p:spTree>
-      <p:nvGrpSpPr>
-        <p:cNvPr id="1" name=""/>
-        <p:cNvGrpSpPr/>
-        <p:nvPr/>
-      </p:nvGrpSpPr>
-      <p:grpSpPr>
-        <a:xfrm>
-          <a:off x="0" y="0"/>
-          <a:ext cx="0" cy="0"/>
-          <a:chOff x="0" y="0"/>
-          <a:chExt cx="0" cy="0"/>
-        </a:xfrm>
-      </p:grpSpPr>
-      <p:grpSp>
-        <p:nvGrpSpPr>
-          <p:cNvPr id="4" name="グループ化 3">
-            <a:extLst>
-              <a:ext uri="{FF2B5EF4-FFF2-40B4-BE49-F238E27FC236}">
-                <a16:creationId xmlns:a16="http://schemas.microsoft.com/office/drawing/2014/main" id="{2B5414F4-961E-F8D4-FA42-34D613034548}"/>
-              </a:ext>
-            </a:extLst>
-          </p:cNvPr>
-          <p:cNvGrpSpPr/>
-          <p:nvPr/>
-        </p:nvGrpSpPr>
-        <p:grpSpPr>
-          <a:xfrm>
-            <a:off x="-156089" y="-1"/>
-            <a:ext cx="12348089" cy="634258"/>
-            <a:chOff x="-156089" y="-1"/>
-            <a:chExt cx="12348089" cy="634258"/>
-          </a:xfrm>
-        </p:grpSpPr>
-        <p:sp>
-          <p:nvSpPr>
-            <p:cNvPr id="5" name="正方形/長方形 4">
-              <a:extLst>
-                <a:ext uri="{FF2B5EF4-FFF2-40B4-BE49-F238E27FC236}">
-                  <a16:creationId xmlns:a16="http://schemas.microsoft.com/office/drawing/2014/main" id="{7E8B3632-54A3-E7DF-0CEB-F0F51E36AD0C}"/>
-                </a:ext>
-              </a:extLst>
-            </p:cNvPr>
-            <p:cNvSpPr/>
-            <p:nvPr/>
-          </p:nvSpPr>
-          <p:spPr>
-            <a:xfrm>
-              <a:off x="0" y="-1"/>
-              <a:ext cx="12192000" cy="505841"/>
-            </a:xfrm>
-            <a:prstGeom prst="rect">
-              <a:avLst/>
-            </a:prstGeom>
-            <a:ln>
-              <a:solidFill>
-                <a:schemeClr val="tx2">
-                  <a:lumMod val="90000"/>
-                  <a:lumOff val="10000"/>
-                </a:schemeClr>
-              </a:solidFill>
-            </a:ln>
-          </p:spPr>
-          <p:style>
-            <a:lnRef idx="2">
-              <a:schemeClr val="dk1">
-                <a:shade val="50000"/>
-              </a:schemeClr>
-            </a:lnRef>
-            <a:fillRef idx="1">
-              <a:schemeClr val="dk1"/>
-            </a:fillRef>
-            <a:effectRef idx="0">
-              <a:schemeClr val="dk1"/>
-            </a:effectRef>
-            <a:fontRef idx="minor">
-              <a:schemeClr val="lt1"/>
-            </a:fontRef>
-          </p:style>
-          <p:txBody>
-            <a:bodyPr rtlCol="0" anchor="ctr"/>
-            <a:lstStyle/>
-            <a:p>
-              <a:pPr algn="ctr"/>
-              <a:endParaRPr kumimoji="1" lang="ja-JP" altLang="en-US" dirty="0"/>
-            </a:p>
-          </p:txBody>
-        </p:sp>
-        <p:sp>
-          <p:nvSpPr>
-            <p:cNvPr id="6" name="タイトル 1">
-              <a:extLst>
-                <a:ext uri="{FF2B5EF4-FFF2-40B4-BE49-F238E27FC236}">
-                  <a16:creationId xmlns:a16="http://schemas.microsoft.com/office/drawing/2014/main" id="{0FCCE766-13B2-7876-143D-B7197ADF21F7}"/>
-                </a:ext>
-              </a:extLst>
-            </p:cNvPr>
-            <p:cNvSpPr txBox="1">
-              <a:spLocks/>
-            </p:cNvSpPr>
-            <p:nvPr/>
-          </p:nvSpPr>
-          <p:spPr>
-            <a:xfrm>
-              <a:off x="-156089" y="36280"/>
-              <a:ext cx="8610772" cy="597977"/>
-            </a:xfrm>
-            <a:prstGeom prst="rect">
-              <a:avLst/>
-            </a:prstGeom>
-          </p:spPr>
-          <p:txBody>
-            <a:bodyPr vert="horz" lIns="91440" tIns="45720" rIns="91440" bIns="45720" rtlCol="0" anchor="t">
-              <a:normAutofit/>
-            </a:bodyPr>
-            <a:lstStyle>
-              <a:lvl1pPr algn="l" defTabSz="914400" rtl="0" eaLnBrk="1" latinLnBrk="0" hangingPunct="1">
-                <a:lnSpc>
-                  <a:spcPct val="90000"/>
-                </a:lnSpc>
-                <a:spcBef>
-                  <a:spcPct val="0"/>
-                </a:spcBef>
-                <a:buNone/>
-                <a:defRPr kumimoji="1" sz="5100" kern="1200" cap="all" spc="200" baseline="0">
-                  <a:solidFill>
-                    <a:schemeClr val="tx2"/>
-                  </a:solidFill>
-                  <a:latin typeface="+mj-lt"/>
-                  <a:ea typeface="+mj-ea"/>
-                  <a:cs typeface="+mj-cs"/>
-                </a:defRPr>
-              </a:lvl1pPr>
-            </a:lstStyle>
-            <a:p>
-              <a:r>
-                <a:rPr lang="ja-JP" altLang="en-US" sz="2800" cap="none" dirty="0">
-                  <a:solidFill>
-                    <a:schemeClr val="bg1"/>
-                  </a:solidFill>
-                </a:rPr>
-                <a:t>・</a:t>
-              </a:r>
-              <a:r>
-                <a:rPr lang="en-US" altLang="ja-JP" sz="2800" cap="none" dirty="0">
-                  <a:solidFill>
-                    <a:schemeClr val="bg1"/>
-                  </a:solidFill>
-                </a:rPr>
-                <a:t>Git Bash</a:t>
-              </a:r>
-              <a:r>
-                <a:rPr lang="ja-JP" altLang="en-US" sz="2800" cap="none" dirty="0">
-                  <a:solidFill>
-                    <a:schemeClr val="bg1"/>
-                  </a:solidFill>
-                </a:rPr>
-                <a:t>を起動する</a:t>
-              </a:r>
-              <a:endParaRPr lang="ja-JP" altLang="en-US" sz="2800" dirty="0">
-                <a:solidFill>
-                  <a:schemeClr val="bg1"/>
-                </a:solidFill>
-              </a:endParaRPr>
-            </a:p>
-          </p:txBody>
-        </p:sp>
-      </p:grpSp>
-      <p:pic>
-        <p:nvPicPr>
-          <p:cNvPr id="12" name="図 11" descr="グラフィカル ユーザー インターフェイス, テキスト, アプリケーション&#10;&#10;自動的に生成された説明">
-            <a:extLst>
-              <a:ext uri="{FF2B5EF4-FFF2-40B4-BE49-F238E27FC236}">
-                <a16:creationId xmlns:a16="http://schemas.microsoft.com/office/drawing/2014/main" id="{1440C3FB-7273-0B3E-A1CA-8CC6DE70B236}"/>
-              </a:ext>
-            </a:extLst>
-          </p:cNvPr>
-          <p:cNvPicPr>
-            <a:picLocks noChangeAspect="1"/>
-          </p:cNvPicPr>
-          <p:nvPr/>
-        </p:nvPicPr>
-        <p:blipFill>
-          <a:blip r:embed="rId2">
-            <a:extLst>
-              <a:ext uri="{28A0092B-C50C-407E-A947-70E740481C1C}">
-                <a14:useLocalDpi xmlns:a14="http://schemas.microsoft.com/office/drawing/2010/main" val="0"/>
-              </a:ext>
-            </a:extLst>
-          </a:blip>
-          <a:stretch>
-            <a:fillRect/>
-          </a:stretch>
-        </p:blipFill>
-        <p:spPr>
-          <a:xfrm>
-            <a:off x="5775909" y="884421"/>
-            <a:ext cx="5976380" cy="5608603"/>
-          </a:xfrm>
-          <a:prstGeom prst="rect">
-            <a:avLst/>
-          </a:prstGeom>
-        </p:spPr>
-      </p:pic>
-      <p:grpSp>
-        <p:nvGrpSpPr>
-          <p:cNvPr id="14" name="グループ化 13">
-            <a:extLst>
-              <a:ext uri="{FF2B5EF4-FFF2-40B4-BE49-F238E27FC236}">
-                <a16:creationId xmlns:a16="http://schemas.microsoft.com/office/drawing/2014/main" id="{5E52BD06-6DB6-39BA-B4EF-DBF452833BDF}"/>
-              </a:ext>
-            </a:extLst>
-          </p:cNvPr>
-          <p:cNvGrpSpPr/>
-          <p:nvPr/>
-        </p:nvGrpSpPr>
-        <p:grpSpPr>
-          <a:xfrm>
-            <a:off x="1116033" y="884421"/>
-            <a:ext cx="4356446" cy="1696233"/>
-            <a:chOff x="1004340" y="1565473"/>
-            <a:chExt cx="4134778" cy="1609924"/>
-          </a:xfrm>
-        </p:grpSpPr>
-        <p:pic>
-          <p:nvPicPr>
-            <p:cNvPr id="10" name="図 9" descr="グラフィカル ユーザー インターフェイス, アプリケーション">
-              <a:extLst>
-                <a:ext uri="{FF2B5EF4-FFF2-40B4-BE49-F238E27FC236}">
-                  <a16:creationId xmlns:a16="http://schemas.microsoft.com/office/drawing/2014/main" id="{2E5CDC37-7FB1-CAE4-9E09-E7057897DEDD}"/>
-                </a:ext>
-              </a:extLst>
-            </p:cNvPr>
-            <p:cNvPicPr>
-              <a:picLocks noChangeAspect="1"/>
-            </p:cNvPicPr>
-            <p:nvPr/>
-          </p:nvPicPr>
-          <p:blipFill>
-            <a:blip r:embed="rId3">
-              <a:extLst>
-                <a:ext uri="{28A0092B-C50C-407E-A947-70E740481C1C}">
-                  <a14:useLocalDpi xmlns:a14="http://schemas.microsoft.com/office/drawing/2010/main" val="0"/>
-                </a:ext>
-              </a:extLst>
-            </a:blip>
-            <a:stretch>
-              <a:fillRect/>
-            </a:stretch>
-          </p:blipFill>
-          <p:spPr>
-            <a:xfrm>
-              <a:off x="1004340" y="1565473"/>
-              <a:ext cx="4134778" cy="1609924"/>
-            </a:xfrm>
-            <a:prstGeom prst="rect">
-              <a:avLst/>
-            </a:prstGeom>
-          </p:spPr>
-        </p:pic>
-        <p:sp>
-          <p:nvSpPr>
-            <p:cNvPr id="13" name="正方形/長方形 12">
-              <a:extLst>
-                <a:ext uri="{FF2B5EF4-FFF2-40B4-BE49-F238E27FC236}">
-                  <a16:creationId xmlns:a16="http://schemas.microsoft.com/office/drawing/2014/main" id="{FBAD85D2-11BC-4150-360F-C6672B9BA6C1}"/>
-                </a:ext>
-              </a:extLst>
-            </p:cNvPr>
-            <p:cNvSpPr/>
-            <p:nvPr/>
-          </p:nvSpPr>
-          <p:spPr>
-            <a:xfrm>
-              <a:off x="2008682" y="2728210"/>
-              <a:ext cx="2023672" cy="434714"/>
-            </a:xfrm>
-            <a:prstGeom prst="rect">
-              <a:avLst/>
-            </a:prstGeom>
-            <a:noFill/>
-            <a:ln w="38100">
-              <a:solidFill>
-                <a:srgbClr val="FF0000"/>
-              </a:solidFill>
-            </a:ln>
-          </p:spPr>
-          <p:style>
-            <a:lnRef idx="2">
-              <a:schemeClr val="accent1">
-                <a:shade val="50000"/>
-              </a:schemeClr>
-            </a:lnRef>
-            <a:fillRef idx="1">
-              <a:schemeClr val="accent1"/>
-            </a:fillRef>
-            <a:effectRef idx="0">
-              <a:schemeClr val="accent1"/>
-            </a:effectRef>
-            <a:fontRef idx="minor">
-              <a:schemeClr val="lt1"/>
-            </a:fontRef>
-          </p:style>
-          <p:txBody>
-            <a:bodyPr rtlCol="0" anchor="ctr"/>
-            <a:lstStyle/>
-            <a:p>
-              <a:pPr algn="ctr"/>
-              <a:endParaRPr kumimoji="1" lang="ja-JP" altLang="en-US"/>
-            </a:p>
-          </p:txBody>
-        </p:sp>
-      </p:grpSp>
-      <p:sp>
-        <p:nvSpPr>
-          <p:cNvPr id="15" name="テキスト ボックス 14">
-            <a:extLst>
-              <a:ext uri="{FF2B5EF4-FFF2-40B4-BE49-F238E27FC236}">
-                <a16:creationId xmlns:a16="http://schemas.microsoft.com/office/drawing/2014/main" id="{3B3C19FB-A0D6-9A0D-1D38-2E549D1E9EAF}"/>
-              </a:ext>
-            </a:extLst>
-          </p:cNvPr>
-          <p:cNvSpPr txBox="1"/>
-          <p:nvPr/>
-        </p:nvSpPr>
-        <p:spPr>
-          <a:xfrm>
-            <a:off x="2006123" y="2656537"/>
-            <a:ext cx="3162925" cy="461665"/>
-          </a:xfrm>
-          <a:prstGeom prst="rect">
-            <a:avLst/>
-          </a:prstGeom>
-          <a:noFill/>
-        </p:spPr>
-        <p:txBody>
-          <a:bodyPr wrap="square" rtlCol="0">
-            <a:spAutoFit/>
-          </a:bodyPr>
-          <a:lstStyle/>
-          <a:p>
-            <a:r>
-              <a:rPr kumimoji="1" lang="ja-JP" altLang="en-US" sz="2400" dirty="0">
-                <a:solidFill>
-                  <a:srgbClr val="FF0000"/>
-                </a:solidFill>
-              </a:rPr>
-              <a:t>①「</a:t>
-            </a:r>
-            <a:r>
-              <a:rPr kumimoji="1" lang="en-US" altLang="ja-JP" sz="2400" dirty="0" err="1">
-                <a:solidFill>
-                  <a:srgbClr val="FF0000"/>
-                </a:solidFill>
-              </a:rPr>
-              <a:t>gitbash</a:t>
-            </a:r>
-            <a:r>
-              <a:rPr kumimoji="1" lang="ja-JP" altLang="en-US" sz="2400" dirty="0">
-                <a:solidFill>
-                  <a:srgbClr val="FF0000"/>
-                </a:solidFill>
-              </a:rPr>
-              <a:t>」と入力</a:t>
-            </a:r>
-          </a:p>
-        </p:txBody>
-      </p:sp>
-      <p:sp>
-        <p:nvSpPr>
-          <p:cNvPr id="18" name="正方形/長方形 17">
-            <a:extLst>
-              <a:ext uri="{FF2B5EF4-FFF2-40B4-BE49-F238E27FC236}">
-                <a16:creationId xmlns:a16="http://schemas.microsoft.com/office/drawing/2014/main" id="{387A274C-6775-8CD6-5B3E-B193E433C01C}"/>
-              </a:ext>
-            </a:extLst>
-          </p:cNvPr>
-          <p:cNvSpPr/>
-          <p:nvPr/>
-        </p:nvSpPr>
-        <p:spPr>
-          <a:xfrm>
-            <a:off x="9308891" y="1514825"/>
-            <a:ext cx="1424066" cy="1247462"/>
-          </a:xfrm>
-          <a:prstGeom prst="rect">
-            <a:avLst/>
-          </a:prstGeom>
-          <a:noFill/>
-          <a:ln w="38100">
-            <a:solidFill>
-              <a:srgbClr val="FF0000"/>
-            </a:solidFill>
-          </a:ln>
-        </p:spPr>
-        <p:style>
-          <a:lnRef idx="2">
-            <a:schemeClr val="accent1">
-              <a:shade val="50000"/>
-            </a:schemeClr>
-          </a:lnRef>
-          <a:fillRef idx="1">
-            <a:schemeClr val="accent1"/>
-          </a:fillRef>
-          <a:effectRef idx="0">
-            <a:schemeClr val="accent1"/>
-          </a:effectRef>
-          <a:fontRef idx="minor">
-            <a:schemeClr val="lt1"/>
-          </a:fontRef>
-        </p:style>
-        <p:txBody>
-          <a:bodyPr rtlCol="0" anchor="ctr"/>
-          <a:lstStyle/>
-          <a:p>
-            <a:pPr algn="ctr"/>
-            <a:endParaRPr kumimoji="1" lang="ja-JP" altLang="en-US"/>
-          </a:p>
-        </p:txBody>
-      </p:sp>
-      <p:sp>
-        <p:nvSpPr>
-          <p:cNvPr id="19" name="テキスト ボックス 18">
-            <a:extLst>
-              <a:ext uri="{FF2B5EF4-FFF2-40B4-BE49-F238E27FC236}">
-                <a16:creationId xmlns:a16="http://schemas.microsoft.com/office/drawing/2014/main" id="{96A10634-BE2D-94E3-FB1A-3B9CE4A9A3F0}"/>
-              </a:ext>
-            </a:extLst>
-          </p:cNvPr>
-          <p:cNvSpPr txBox="1"/>
-          <p:nvPr/>
-        </p:nvSpPr>
-        <p:spPr>
-          <a:xfrm>
-            <a:off x="9263921" y="2812419"/>
-            <a:ext cx="3162925" cy="461665"/>
-          </a:xfrm>
-          <a:prstGeom prst="rect">
-            <a:avLst/>
-          </a:prstGeom>
-          <a:noFill/>
-        </p:spPr>
-        <p:txBody>
-          <a:bodyPr wrap="square" rtlCol="0">
-            <a:spAutoFit/>
-          </a:bodyPr>
-          <a:lstStyle/>
-          <a:p>
-            <a:r>
-              <a:rPr kumimoji="1" lang="ja-JP" altLang="en-US" sz="2400" dirty="0">
-                <a:solidFill>
-                  <a:srgbClr val="FF0000"/>
-                </a:solidFill>
-              </a:rPr>
-              <a:t>②アプリを開く</a:t>
-            </a:r>
-          </a:p>
-        </p:txBody>
-      </p:sp>
-      <p:pic>
-        <p:nvPicPr>
-          <p:cNvPr id="2" name="図 1" descr="テキスト が含まれている画像&#10;&#10;自動的に生成された説明">
-            <a:extLst>
-              <a:ext uri="{FF2B5EF4-FFF2-40B4-BE49-F238E27FC236}">
-                <a16:creationId xmlns:a16="http://schemas.microsoft.com/office/drawing/2014/main" id="{DA86EDC7-AF49-939C-C6E2-D2AEF3E2D070}"/>
-              </a:ext>
-            </a:extLst>
-          </p:cNvPr>
-          <p:cNvPicPr>
-            <a:picLocks noChangeAspect="1"/>
-          </p:cNvPicPr>
-          <p:nvPr/>
-        </p:nvPicPr>
-        <p:blipFill>
-          <a:blip r:embed="rId4">
-            <a:extLst>
-              <a:ext uri="{28A0092B-C50C-407E-A947-70E740481C1C}">
-                <a14:useLocalDpi xmlns:a14="http://schemas.microsoft.com/office/drawing/2010/main" val="0"/>
-              </a:ext>
-            </a:extLst>
-          </a:blip>
-          <a:stretch>
-            <a:fillRect/>
-          </a:stretch>
-        </p:blipFill>
-        <p:spPr>
-          <a:xfrm>
-            <a:off x="1225306" y="4463492"/>
-            <a:ext cx="4450608" cy="1714739"/>
-          </a:xfrm>
-          <a:prstGeom prst="rect">
-            <a:avLst/>
-          </a:prstGeom>
-        </p:spPr>
-      </p:pic>
-      <p:sp>
-        <p:nvSpPr>
-          <p:cNvPr id="3" name="正方形/長方形 2">
-            <a:extLst>
-              <a:ext uri="{FF2B5EF4-FFF2-40B4-BE49-F238E27FC236}">
-                <a16:creationId xmlns:a16="http://schemas.microsoft.com/office/drawing/2014/main" id="{1C923EF0-4A93-A7F2-B819-828188770F8B}"/>
-              </a:ext>
-            </a:extLst>
-          </p:cNvPr>
-          <p:cNvSpPr/>
-          <p:nvPr/>
-        </p:nvSpPr>
-        <p:spPr>
-          <a:xfrm>
-            <a:off x="1064300" y="4322318"/>
-            <a:ext cx="4831529" cy="2033512"/>
-          </a:xfrm>
-          <a:prstGeom prst="rect">
-            <a:avLst/>
-          </a:prstGeom>
-          <a:noFill/>
-          <a:ln w="76200">
-            <a:solidFill>
-              <a:srgbClr val="FF0000"/>
-            </a:solidFill>
-          </a:ln>
-        </p:spPr>
-        <p:style>
-          <a:lnRef idx="2">
-            <a:schemeClr val="accent1">
-              <a:shade val="50000"/>
-            </a:schemeClr>
-          </a:lnRef>
-          <a:fillRef idx="1">
-            <a:schemeClr val="accent1"/>
-          </a:fillRef>
-          <a:effectRef idx="0">
-            <a:schemeClr val="accent1"/>
-          </a:effectRef>
-          <a:fontRef idx="minor">
-            <a:schemeClr val="lt1"/>
-          </a:fontRef>
-        </p:style>
-        <p:txBody>
-          <a:bodyPr rtlCol="0" anchor="ctr"/>
-          <a:lstStyle/>
-          <a:p>
-            <a:pPr algn="ctr"/>
-            <a:endParaRPr kumimoji="1" lang="ja-JP" altLang="en-US"/>
-          </a:p>
-        </p:txBody>
-      </p:sp>
-      <p:sp>
-        <p:nvSpPr>
-          <p:cNvPr id="7" name="テキスト ボックス 6">
-            <a:extLst>
-              <a:ext uri="{FF2B5EF4-FFF2-40B4-BE49-F238E27FC236}">
-                <a16:creationId xmlns:a16="http://schemas.microsoft.com/office/drawing/2014/main" id="{9393AE26-CF12-DECE-6007-DA1974AAA955}"/>
-              </a:ext>
-            </a:extLst>
-          </p:cNvPr>
-          <p:cNvSpPr txBox="1"/>
-          <p:nvPr/>
-        </p:nvSpPr>
-        <p:spPr>
-          <a:xfrm>
-            <a:off x="1838642" y="6396335"/>
-            <a:ext cx="5311666" cy="461665"/>
-          </a:xfrm>
-          <a:prstGeom prst="rect">
-            <a:avLst/>
-          </a:prstGeom>
-          <a:noFill/>
-        </p:spPr>
-        <p:txBody>
-          <a:bodyPr wrap="square" rtlCol="0">
-            <a:spAutoFit/>
-          </a:bodyPr>
-          <a:lstStyle/>
-          <a:p>
-            <a:r>
-              <a:rPr kumimoji="1" lang="ja-JP" altLang="en-US" sz="2400" dirty="0">
-                <a:solidFill>
-                  <a:srgbClr val="FF0000"/>
-                </a:solidFill>
-              </a:rPr>
-              <a:t>③上のような画面が出てくる</a:t>
-            </a:r>
-          </a:p>
-        </p:txBody>
-      </p:sp>
-    </p:spTree>
-    <p:extLst>
-      <p:ext uri="{BB962C8B-B14F-4D97-AF65-F5344CB8AC3E}">
-        <p14:creationId xmlns:p14="http://schemas.microsoft.com/office/powerpoint/2010/main" val="1478409985"/>
-      </p:ext>
-    </p:extLst>
-  </p:cSld>
-  <p:clrMapOvr>
-    <a:masterClrMapping/>
-  </p:clrMapOvr>
-</p:sld>
-</file>
-
-<file path=ppt/slides/slide16.xml><?xml version="1.0" encoding="utf-8"?>
-<p:sld xmlns:a="http://schemas.openxmlformats.org/drawingml/2006/main" xmlns:r="http://schemas.openxmlformats.org/officeDocument/2006/relationships" xmlns:p="http://schemas.openxmlformats.org/presentationml/2006/main">
-  <p:cSld>
-    <p:bg>
-      <p:bgPr>
-        <a:solidFill>
-          <a:schemeClr val="bg2"/>
-        </a:solidFill>
-        <a:effectLst/>
-      </p:bgPr>
-    </p:bg>
-    <p:spTree>
-      <p:nvGrpSpPr>
-        <p:cNvPr id="1" name=""/>
-        <p:cNvGrpSpPr/>
-        <p:nvPr/>
-      </p:nvGrpSpPr>
-      <p:grpSpPr>
-        <a:xfrm>
-          <a:off x="0" y="0"/>
-          <a:ext cx="0" cy="0"/>
-          <a:chOff x="0" y="0"/>
-          <a:chExt cx="0" cy="0"/>
-        </a:xfrm>
-      </p:grpSpPr>
-      <p:sp useBgFill="1">
-        <p:nvSpPr>
-          <p:cNvPr id="7" name="Rectangle 6">
-            <a:extLst>
-              <a:ext uri="{FF2B5EF4-FFF2-40B4-BE49-F238E27FC236}">
-                <a16:creationId xmlns:a16="http://schemas.microsoft.com/office/drawing/2014/main" id="{AB4FFECA-0832-4FE3-B587-054A0F2D8054}"/>
-              </a:ext>
-              <a:ext uri="{C183D7F6-B498-43B3-948B-1728B52AA6E4}">
-                <adec:decorative xmlns:adec="http://schemas.microsoft.com/office/drawing/2017/decorative" val="1"/>
-              </a:ext>
-            </a:extLst>
-          </p:cNvPr>
-          <p:cNvSpPr>
-            <a:spLocks noGrp="1" noRot="1" noChangeAspect="1" noMove="1" noResize="1" noEditPoints="1" noAdjustHandles="1" noChangeArrowheads="1" noChangeShapeType="1" noTextEdit="1"/>
-          </p:cNvSpPr>
-          <p:nvPr>
-            <p:extLst>
-              <p:ext uri="{386F3935-93C4-4BCD-93E2-E3B085C9AB24}">
-                <p16:designElem xmlns:p16="http://schemas.microsoft.com/office/powerpoint/2015/main" val="1"/>
-              </p:ext>
-            </p:extLst>
-          </p:nvPr>
-        </p:nvSpPr>
-        <p:spPr bwMode="ltGray">
-          <a:xfrm>
-            <a:off x="0" y="0"/>
-            <a:ext cx="12191999" cy="6858000"/>
-          </a:xfrm>
-          <a:prstGeom prst="rect">
-            <a:avLst/>
-          </a:prstGeom>
-          <a:ln>
-            <a:noFill/>
-          </a:ln>
-        </p:spPr>
-        <p:style>
-          <a:lnRef idx="2">
-            <a:schemeClr val="accent1">
-              <a:shade val="50000"/>
-            </a:schemeClr>
-          </a:lnRef>
-          <a:fillRef idx="1">
-            <a:schemeClr val="accent1"/>
-          </a:fillRef>
-          <a:effectRef idx="0">
-            <a:schemeClr val="accent1"/>
-          </a:effectRef>
-          <a:fontRef idx="minor">
-            <a:schemeClr val="lt1"/>
-          </a:fontRef>
-        </p:style>
-        <p:txBody>
-          <a:bodyPr rtlCol="0" anchor="ctr"/>
-          <a:lstStyle/>
-          <a:p>
-            <a:pPr algn="ctr"/>
-            <a:endParaRPr lang="en-US"/>
-          </a:p>
-        </p:txBody>
-      </p:sp>
-      <p:sp>
-        <p:nvSpPr>
-          <p:cNvPr id="2" name="タイトル 1">
-            <a:extLst>
-              <a:ext uri="{FF2B5EF4-FFF2-40B4-BE49-F238E27FC236}">
-                <a16:creationId xmlns:a16="http://schemas.microsoft.com/office/drawing/2014/main" id="{31401C37-230C-EBA7-15D1-4AB8D9F693A8}"/>
-              </a:ext>
-            </a:extLst>
-          </p:cNvPr>
-          <p:cNvSpPr>
-            <a:spLocks noGrp="1"/>
-          </p:cNvSpPr>
-          <p:nvPr>
-            <p:ph type="ctrTitle"/>
-          </p:nvPr>
-        </p:nvSpPr>
-        <p:spPr>
-          <a:xfrm>
-            <a:off x="341394" y="2156550"/>
-            <a:ext cx="11509210" cy="2544900"/>
-          </a:xfrm>
-        </p:spPr>
-        <p:txBody>
-          <a:bodyPr anchor="b">
-            <a:normAutofit/>
-          </a:bodyPr>
-          <a:lstStyle/>
-          <a:p>
-            <a:r>
-              <a:rPr lang="ja-JP" altLang="en-US" sz="8000" cap="none" dirty="0"/>
-              <a:t>ローカルリポジトリを作ってみよう</a:t>
-            </a:r>
-            <a:endParaRPr kumimoji="1" lang="ja-JP" altLang="en-US" sz="8000" cap="none" dirty="0"/>
-          </a:p>
-        </p:txBody>
-      </p:sp>
-      <p:sp>
-        <p:nvSpPr>
-          <p:cNvPr id="9" name="Freeform: Shape 8">
-            <a:extLst>
-              <a:ext uri="{FF2B5EF4-FFF2-40B4-BE49-F238E27FC236}">
-                <a16:creationId xmlns:a16="http://schemas.microsoft.com/office/drawing/2014/main" id="{C65858E6-5C0F-4AAE-A1AC-29BA07FFEE5C}"/>
-              </a:ext>
-              <a:ext uri="{C183D7F6-B498-43B3-948B-1728B52AA6E4}">
-                <adec:decorative xmlns:adec="http://schemas.microsoft.com/office/drawing/2017/decorative" val="1"/>
-              </a:ext>
-            </a:extLst>
-          </p:cNvPr>
-          <p:cNvSpPr>
-            <a:spLocks noGrp="1" noRot="1" noChangeAspect="1" noMove="1" noResize="1" noEditPoints="1" noAdjustHandles="1" noChangeArrowheads="1" noChangeShapeType="1" noTextEdit="1"/>
-          </p:cNvSpPr>
-          <p:nvPr>
-            <p:extLst>
-              <p:ext uri="{386F3935-93C4-4BCD-93E2-E3B085C9AB24}">
-                <p16:designElem xmlns:p16="http://schemas.microsoft.com/office/powerpoint/2015/main" val="1"/>
-              </p:ext>
-            </p:extLst>
-          </p:nvPr>
-        </p:nvSpPr>
-        <p:spPr>
-          <a:xfrm>
-            <a:off x="0" y="5070707"/>
-            <a:ext cx="12192000" cy="1787292"/>
-          </a:xfrm>
-          <a:custGeom>
-            <a:avLst/>
-            <a:gdLst>
-              <a:gd name="connsiteX0" fmla="*/ 619389 w 12192000"/>
-              <a:gd name="connsiteY0" fmla="*/ 0 h 1787292"/>
-              <a:gd name="connsiteX1" fmla="*/ 687652 w 12192000"/>
-              <a:gd name="connsiteY1" fmla="*/ 3175 h 1787292"/>
-              <a:gd name="connsiteX2" fmla="*/ 747977 w 12192000"/>
-              <a:gd name="connsiteY2" fmla="*/ 9525 h 1787292"/>
-              <a:gd name="connsiteX3" fmla="*/ 800364 w 12192000"/>
-              <a:gd name="connsiteY3" fmla="*/ 20637 h 1787292"/>
-              <a:gd name="connsiteX4" fmla="*/ 846402 w 12192000"/>
-              <a:gd name="connsiteY4" fmla="*/ 36512 h 1787292"/>
-              <a:gd name="connsiteX5" fmla="*/ 887677 w 12192000"/>
-              <a:gd name="connsiteY5" fmla="*/ 52387 h 1787292"/>
-              <a:gd name="connsiteX6" fmla="*/ 924189 w 12192000"/>
-              <a:gd name="connsiteY6" fmla="*/ 68262 h 1787292"/>
-              <a:gd name="connsiteX7" fmla="*/ 962289 w 12192000"/>
-              <a:gd name="connsiteY7" fmla="*/ 87312 h 1787292"/>
-              <a:gd name="connsiteX8" fmla="*/ 1000389 w 12192000"/>
-              <a:gd name="connsiteY8" fmla="*/ 106362 h 1787292"/>
-              <a:gd name="connsiteX9" fmla="*/ 1036902 w 12192000"/>
-              <a:gd name="connsiteY9" fmla="*/ 125412 h 1787292"/>
-              <a:gd name="connsiteX10" fmla="*/ 1078177 w 12192000"/>
-              <a:gd name="connsiteY10" fmla="*/ 141287 h 1787292"/>
-              <a:gd name="connsiteX11" fmla="*/ 1124214 w 12192000"/>
-              <a:gd name="connsiteY11" fmla="*/ 155575 h 1787292"/>
-              <a:gd name="connsiteX12" fmla="*/ 1176602 w 12192000"/>
-              <a:gd name="connsiteY12" fmla="*/ 166687 h 1787292"/>
-              <a:gd name="connsiteX13" fmla="*/ 1236927 w 12192000"/>
-              <a:gd name="connsiteY13" fmla="*/ 174625 h 1787292"/>
-              <a:gd name="connsiteX14" fmla="*/ 1305189 w 12192000"/>
-              <a:gd name="connsiteY14" fmla="*/ 176212 h 1787292"/>
-              <a:gd name="connsiteX15" fmla="*/ 1373452 w 12192000"/>
-              <a:gd name="connsiteY15" fmla="*/ 174625 h 1787292"/>
-              <a:gd name="connsiteX16" fmla="*/ 1433777 w 12192000"/>
-              <a:gd name="connsiteY16" fmla="*/ 166687 h 1787292"/>
-              <a:gd name="connsiteX17" fmla="*/ 1486164 w 12192000"/>
-              <a:gd name="connsiteY17" fmla="*/ 155575 h 1787292"/>
-              <a:gd name="connsiteX18" fmla="*/ 1532202 w 12192000"/>
-              <a:gd name="connsiteY18" fmla="*/ 141287 h 1787292"/>
-              <a:gd name="connsiteX19" fmla="*/ 1573477 w 12192000"/>
-              <a:gd name="connsiteY19" fmla="*/ 125412 h 1787292"/>
-              <a:gd name="connsiteX20" fmla="*/ 1609989 w 12192000"/>
-              <a:gd name="connsiteY20" fmla="*/ 106362 h 1787292"/>
-              <a:gd name="connsiteX21" fmla="*/ 1648089 w 12192000"/>
-              <a:gd name="connsiteY21" fmla="*/ 87312 h 1787292"/>
-              <a:gd name="connsiteX22" fmla="*/ 1686189 w 12192000"/>
-              <a:gd name="connsiteY22" fmla="*/ 68262 h 1787292"/>
-              <a:gd name="connsiteX23" fmla="*/ 1722702 w 12192000"/>
-              <a:gd name="connsiteY23" fmla="*/ 52387 h 1787292"/>
-              <a:gd name="connsiteX24" fmla="*/ 1763977 w 12192000"/>
-              <a:gd name="connsiteY24" fmla="*/ 36512 h 1787292"/>
-              <a:gd name="connsiteX25" fmla="*/ 1810014 w 12192000"/>
-              <a:gd name="connsiteY25" fmla="*/ 20637 h 1787292"/>
-              <a:gd name="connsiteX26" fmla="*/ 1862402 w 12192000"/>
-              <a:gd name="connsiteY26" fmla="*/ 9525 h 1787292"/>
-              <a:gd name="connsiteX27" fmla="*/ 1922727 w 12192000"/>
-              <a:gd name="connsiteY27" fmla="*/ 3175 h 1787292"/>
-              <a:gd name="connsiteX28" fmla="*/ 1990989 w 12192000"/>
-              <a:gd name="connsiteY28" fmla="*/ 0 h 1787292"/>
-              <a:gd name="connsiteX29" fmla="*/ 2059252 w 12192000"/>
-              <a:gd name="connsiteY29" fmla="*/ 3175 h 1787292"/>
-              <a:gd name="connsiteX30" fmla="*/ 2119577 w 12192000"/>
-              <a:gd name="connsiteY30" fmla="*/ 9525 h 1787292"/>
-              <a:gd name="connsiteX31" fmla="*/ 2171964 w 12192000"/>
-              <a:gd name="connsiteY31" fmla="*/ 20637 h 1787292"/>
-              <a:gd name="connsiteX32" fmla="*/ 2218002 w 12192000"/>
-              <a:gd name="connsiteY32" fmla="*/ 36512 h 1787292"/>
-              <a:gd name="connsiteX33" fmla="*/ 2259277 w 12192000"/>
-              <a:gd name="connsiteY33" fmla="*/ 52387 h 1787292"/>
-              <a:gd name="connsiteX34" fmla="*/ 2295789 w 12192000"/>
-              <a:gd name="connsiteY34" fmla="*/ 68262 h 1787292"/>
-              <a:gd name="connsiteX35" fmla="*/ 2333889 w 12192000"/>
-              <a:gd name="connsiteY35" fmla="*/ 87312 h 1787292"/>
-              <a:gd name="connsiteX36" fmla="*/ 2371989 w 12192000"/>
-              <a:gd name="connsiteY36" fmla="*/ 106362 h 1787292"/>
-              <a:gd name="connsiteX37" fmla="*/ 2408502 w 12192000"/>
-              <a:gd name="connsiteY37" fmla="*/ 125412 h 1787292"/>
-              <a:gd name="connsiteX38" fmla="*/ 2449777 w 12192000"/>
-              <a:gd name="connsiteY38" fmla="*/ 141287 h 1787292"/>
-              <a:gd name="connsiteX39" fmla="*/ 2495814 w 12192000"/>
-              <a:gd name="connsiteY39" fmla="*/ 155575 h 1787292"/>
-              <a:gd name="connsiteX40" fmla="*/ 2548202 w 12192000"/>
-              <a:gd name="connsiteY40" fmla="*/ 166687 h 1787292"/>
-              <a:gd name="connsiteX41" fmla="*/ 2608527 w 12192000"/>
-              <a:gd name="connsiteY41" fmla="*/ 174625 h 1787292"/>
-              <a:gd name="connsiteX42" fmla="*/ 2676789 w 12192000"/>
-              <a:gd name="connsiteY42" fmla="*/ 176212 h 1787292"/>
-              <a:gd name="connsiteX43" fmla="*/ 2745052 w 12192000"/>
-              <a:gd name="connsiteY43" fmla="*/ 174625 h 1787292"/>
-              <a:gd name="connsiteX44" fmla="*/ 2805377 w 12192000"/>
-              <a:gd name="connsiteY44" fmla="*/ 166687 h 1787292"/>
-              <a:gd name="connsiteX45" fmla="*/ 2857764 w 12192000"/>
-              <a:gd name="connsiteY45" fmla="*/ 155575 h 1787292"/>
-              <a:gd name="connsiteX46" fmla="*/ 2903802 w 12192000"/>
-              <a:gd name="connsiteY46" fmla="*/ 141287 h 1787292"/>
-              <a:gd name="connsiteX47" fmla="*/ 2945077 w 12192000"/>
-              <a:gd name="connsiteY47" fmla="*/ 125412 h 1787292"/>
-              <a:gd name="connsiteX48" fmla="*/ 2981589 w 12192000"/>
-              <a:gd name="connsiteY48" fmla="*/ 106362 h 1787292"/>
-              <a:gd name="connsiteX49" fmla="*/ 3019689 w 12192000"/>
-              <a:gd name="connsiteY49" fmla="*/ 87312 h 1787292"/>
-              <a:gd name="connsiteX50" fmla="*/ 3057789 w 12192000"/>
-              <a:gd name="connsiteY50" fmla="*/ 68262 h 1787292"/>
-              <a:gd name="connsiteX51" fmla="*/ 3094302 w 12192000"/>
-              <a:gd name="connsiteY51" fmla="*/ 52387 h 1787292"/>
-              <a:gd name="connsiteX52" fmla="*/ 3135577 w 12192000"/>
-              <a:gd name="connsiteY52" fmla="*/ 36512 h 1787292"/>
-              <a:gd name="connsiteX53" fmla="*/ 3181614 w 12192000"/>
-              <a:gd name="connsiteY53" fmla="*/ 20637 h 1787292"/>
-              <a:gd name="connsiteX54" fmla="*/ 3234002 w 12192000"/>
-              <a:gd name="connsiteY54" fmla="*/ 9525 h 1787292"/>
-              <a:gd name="connsiteX55" fmla="*/ 3294327 w 12192000"/>
-              <a:gd name="connsiteY55" fmla="*/ 3175 h 1787292"/>
-              <a:gd name="connsiteX56" fmla="*/ 3361002 w 12192000"/>
-              <a:gd name="connsiteY56" fmla="*/ 0 h 1787292"/>
-              <a:gd name="connsiteX57" fmla="*/ 3430852 w 12192000"/>
-              <a:gd name="connsiteY57" fmla="*/ 3175 h 1787292"/>
-              <a:gd name="connsiteX58" fmla="*/ 3491177 w 12192000"/>
-              <a:gd name="connsiteY58" fmla="*/ 9525 h 1787292"/>
-              <a:gd name="connsiteX59" fmla="*/ 3543564 w 12192000"/>
-              <a:gd name="connsiteY59" fmla="*/ 20637 h 1787292"/>
-              <a:gd name="connsiteX60" fmla="*/ 3589602 w 12192000"/>
-              <a:gd name="connsiteY60" fmla="*/ 36512 h 1787292"/>
-              <a:gd name="connsiteX61" fmla="*/ 3630877 w 12192000"/>
-              <a:gd name="connsiteY61" fmla="*/ 52387 h 1787292"/>
-              <a:gd name="connsiteX62" fmla="*/ 3667389 w 12192000"/>
-              <a:gd name="connsiteY62" fmla="*/ 68262 h 1787292"/>
-              <a:gd name="connsiteX63" fmla="*/ 3705489 w 12192000"/>
-              <a:gd name="connsiteY63" fmla="*/ 87312 h 1787292"/>
-              <a:gd name="connsiteX64" fmla="*/ 3743589 w 12192000"/>
-              <a:gd name="connsiteY64" fmla="*/ 106362 h 1787292"/>
-              <a:gd name="connsiteX65" fmla="*/ 3780102 w 12192000"/>
-              <a:gd name="connsiteY65" fmla="*/ 125412 h 1787292"/>
-              <a:gd name="connsiteX66" fmla="*/ 3821377 w 12192000"/>
-              <a:gd name="connsiteY66" fmla="*/ 141287 h 1787292"/>
-              <a:gd name="connsiteX67" fmla="*/ 3867414 w 12192000"/>
-              <a:gd name="connsiteY67" fmla="*/ 155575 h 1787292"/>
-              <a:gd name="connsiteX68" fmla="*/ 3919802 w 12192000"/>
-              <a:gd name="connsiteY68" fmla="*/ 166687 h 1787292"/>
-              <a:gd name="connsiteX69" fmla="*/ 3980127 w 12192000"/>
-              <a:gd name="connsiteY69" fmla="*/ 174625 h 1787292"/>
-              <a:gd name="connsiteX70" fmla="*/ 4048389 w 12192000"/>
-              <a:gd name="connsiteY70" fmla="*/ 176212 h 1787292"/>
-              <a:gd name="connsiteX71" fmla="*/ 4116652 w 12192000"/>
-              <a:gd name="connsiteY71" fmla="*/ 174625 h 1787292"/>
-              <a:gd name="connsiteX72" fmla="*/ 4176977 w 12192000"/>
-              <a:gd name="connsiteY72" fmla="*/ 166687 h 1787292"/>
-              <a:gd name="connsiteX73" fmla="*/ 4229364 w 12192000"/>
-              <a:gd name="connsiteY73" fmla="*/ 155575 h 1787292"/>
-              <a:gd name="connsiteX74" fmla="*/ 4275402 w 12192000"/>
-              <a:gd name="connsiteY74" fmla="*/ 141287 h 1787292"/>
-              <a:gd name="connsiteX75" fmla="*/ 4316677 w 12192000"/>
-              <a:gd name="connsiteY75" fmla="*/ 125412 h 1787292"/>
-              <a:gd name="connsiteX76" fmla="*/ 4353189 w 12192000"/>
-              <a:gd name="connsiteY76" fmla="*/ 106362 h 1787292"/>
-              <a:gd name="connsiteX77" fmla="*/ 4429389 w 12192000"/>
-              <a:gd name="connsiteY77" fmla="*/ 68262 h 1787292"/>
-              <a:gd name="connsiteX78" fmla="*/ 4465902 w 12192000"/>
-              <a:gd name="connsiteY78" fmla="*/ 52387 h 1787292"/>
-              <a:gd name="connsiteX79" fmla="*/ 4507177 w 12192000"/>
-              <a:gd name="connsiteY79" fmla="*/ 36512 h 1787292"/>
-              <a:gd name="connsiteX80" fmla="*/ 4553214 w 12192000"/>
-              <a:gd name="connsiteY80" fmla="*/ 20637 h 1787292"/>
-              <a:gd name="connsiteX81" fmla="*/ 4605602 w 12192000"/>
-              <a:gd name="connsiteY81" fmla="*/ 9525 h 1787292"/>
-              <a:gd name="connsiteX82" fmla="*/ 4665928 w 12192000"/>
-              <a:gd name="connsiteY82" fmla="*/ 3175 h 1787292"/>
-              <a:gd name="connsiteX83" fmla="*/ 4734189 w 12192000"/>
-              <a:gd name="connsiteY83" fmla="*/ 0 h 1787292"/>
-              <a:gd name="connsiteX84" fmla="*/ 4802453 w 12192000"/>
-              <a:gd name="connsiteY84" fmla="*/ 3175 h 1787292"/>
-              <a:gd name="connsiteX85" fmla="*/ 4862777 w 12192000"/>
-              <a:gd name="connsiteY85" fmla="*/ 9525 h 1787292"/>
-              <a:gd name="connsiteX86" fmla="*/ 4915165 w 12192000"/>
-              <a:gd name="connsiteY86" fmla="*/ 20637 h 1787292"/>
-              <a:gd name="connsiteX87" fmla="*/ 4961201 w 12192000"/>
-              <a:gd name="connsiteY87" fmla="*/ 36512 h 1787292"/>
-              <a:gd name="connsiteX88" fmla="*/ 5002476 w 12192000"/>
-              <a:gd name="connsiteY88" fmla="*/ 52387 h 1787292"/>
-              <a:gd name="connsiteX89" fmla="*/ 5038989 w 12192000"/>
-              <a:gd name="connsiteY89" fmla="*/ 68262 h 1787292"/>
-              <a:gd name="connsiteX90" fmla="*/ 5077089 w 12192000"/>
-              <a:gd name="connsiteY90" fmla="*/ 87312 h 1787292"/>
-              <a:gd name="connsiteX91" fmla="*/ 5115189 w 12192000"/>
-              <a:gd name="connsiteY91" fmla="*/ 106362 h 1787292"/>
-              <a:gd name="connsiteX92" fmla="*/ 5151701 w 12192000"/>
-              <a:gd name="connsiteY92" fmla="*/ 125412 h 1787292"/>
-              <a:gd name="connsiteX93" fmla="*/ 5192976 w 12192000"/>
-              <a:gd name="connsiteY93" fmla="*/ 141287 h 1787292"/>
-              <a:gd name="connsiteX94" fmla="*/ 5239014 w 12192000"/>
-              <a:gd name="connsiteY94" fmla="*/ 155575 h 1787292"/>
-              <a:gd name="connsiteX95" fmla="*/ 5291401 w 12192000"/>
-              <a:gd name="connsiteY95" fmla="*/ 166687 h 1787292"/>
-              <a:gd name="connsiteX96" fmla="*/ 5351727 w 12192000"/>
-              <a:gd name="connsiteY96" fmla="*/ 174625 h 1787292"/>
-              <a:gd name="connsiteX97" fmla="*/ 5410199 w 12192000"/>
-              <a:gd name="connsiteY97" fmla="*/ 175985 h 1787292"/>
-              <a:gd name="connsiteX98" fmla="*/ 5468671 w 12192000"/>
-              <a:gd name="connsiteY98" fmla="*/ 174625 h 1787292"/>
-              <a:gd name="connsiteX99" fmla="*/ 5528996 w 12192000"/>
-              <a:gd name="connsiteY99" fmla="*/ 166687 h 1787292"/>
-              <a:gd name="connsiteX100" fmla="*/ 5581383 w 12192000"/>
-              <a:gd name="connsiteY100" fmla="*/ 155575 h 1787292"/>
-              <a:gd name="connsiteX101" fmla="*/ 5627421 w 12192000"/>
-              <a:gd name="connsiteY101" fmla="*/ 141287 h 1787292"/>
-              <a:gd name="connsiteX102" fmla="*/ 5668696 w 12192000"/>
-              <a:gd name="connsiteY102" fmla="*/ 125412 h 1787292"/>
-              <a:gd name="connsiteX103" fmla="*/ 5705209 w 12192000"/>
-              <a:gd name="connsiteY103" fmla="*/ 106362 h 1787292"/>
-              <a:gd name="connsiteX104" fmla="*/ 5743308 w 12192000"/>
-              <a:gd name="connsiteY104" fmla="*/ 87312 h 1787292"/>
-              <a:gd name="connsiteX105" fmla="*/ 5781408 w 12192000"/>
-              <a:gd name="connsiteY105" fmla="*/ 68262 h 1787292"/>
-              <a:gd name="connsiteX106" fmla="*/ 5817921 w 12192000"/>
-              <a:gd name="connsiteY106" fmla="*/ 52387 h 1787292"/>
-              <a:gd name="connsiteX107" fmla="*/ 5859196 w 12192000"/>
-              <a:gd name="connsiteY107" fmla="*/ 36512 h 1787292"/>
-              <a:gd name="connsiteX108" fmla="*/ 5905234 w 12192000"/>
-              <a:gd name="connsiteY108" fmla="*/ 20637 h 1787292"/>
-              <a:gd name="connsiteX109" fmla="*/ 5957621 w 12192000"/>
-              <a:gd name="connsiteY109" fmla="*/ 9525 h 1787292"/>
-              <a:gd name="connsiteX110" fmla="*/ 6017947 w 12192000"/>
-              <a:gd name="connsiteY110" fmla="*/ 3175 h 1787292"/>
-              <a:gd name="connsiteX111" fmla="*/ 6086208 w 12192000"/>
-              <a:gd name="connsiteY111" fmla="*/ 0 h 1787292"/>
-              <a:gd name="connsiteX112" fmla="*/ 6095999 w 12192000"/>
-              <a:gd name="connsiteY112" fmla="*/ 455 h 1787292"/>
-              <a:gd name="connsiteX113" fmla="*/ 6105789 w 12192000"/>
-              <a:gd name="connsiteY113" fmla="*/ 0 h 1787292"/>
-              <a:gd name="connsiteX114" fmla="*/ 6174052 w 12192000"/>
-              <a:gd name="connsiteY114" fmla="*/ 3175 h 1787292"/>
-              <a:gd name="connsiteX115" fmla="*/ 6234377 w 12192000"/>
-              <a:gd name="connsiteY115" fmla="*/ 9525 h 1787292"/>
-              <a:gd name="connsiteX116" fmla="*/ 6286764 w 12192000"/>
-              <a:gd name="connsiteY116" fmla="*/ 20637 h 1787292"/>
-              <a:gd name="connsiteX117" fmla="*/ 6332802 w 12192000"/>
-              <a:gd name="connsiteY117" fmla="*/ 36512 h 1787292"/>
-              <a:gd name="connsiteX118" fmla="*/ 6374077 w 12192000"/>
-              <a:gd name="connsiteY118" fmla="*/ 52387 h 1787292"/>
-              <a:gd name="connsiteX119" fmla="*/ 6410589 w 12192000"/>
-              <a:gd name="connsiteY119" fmla="*/ 68262 h 1787292"/>
-              <a:gd name="connsiteX120" fmla="*/ 6448689 w 12192000"/>
-              <a:gd name="connsiteY120" fmla="*/ 87312 h 1787292"/>
-              <a:gd name="connsiteX121" fmla="*/ 6486789 w 12192000"/>
-              <a:gd name="connsiteY121" fmla="*/ 106362 h 1787292"/>
-              <a:gd name="connsiteX122" fmla="*/ 6523302 w 12192000"/>
-              <a:gd name="connsiteY122" fmla="*/ 125412 h 1787292"/>
-              <a:gd name="connsiteX123" fmla="*/ 6564577 w 12192000"/>
-              <a:gd name="connsiteY123" fmla="*/ 141287 h 1787292"/>
-              <a:gd name="connsiteX124" fmla="*/ 6610614 w 12192000"/>
-              <a:gd name="connsiteY124" fmla="*/ 155575 h 1787292"/>
-              <a:gd name="connsiteX125" fmla="*/ 6663002 w 12192000"/>
-              <a:gd name="connsiteY125" fmla="*/ 166687 h 1787292"/>
-              <a:gd name="connsiteX126" fmla="*/ 6723327 w 12192000"/>
-              <a:gd name="connsiteY126" fmla="*/ 174625 h 1787292"/>
-              <a:gd name="connsiteX127" fmla="*/ 6781799 w 12192000"/>
-              <a:gd name="connsiteY127" fmla="*/ 175985 h 1787292"/>
-              <a:gd name="connsiteX128" fmla="*/ 6840271 w 12192000"/>
-              <a:gd name="connsiteY128" fmla="*/ 174625 h 1787292"/>
-              <a:gd name="connsiteX129" fmla="*/ 6900596 w 12192000"/>
-              <a:gd name="connsiteY129" fmla="*/ 166687 h 1787292"/>
-              <a:gd name="connsiteX130" fmla="*/ 6952983 w 12192000"/>
-              <a:gd name="connsiteY130" fmla="*/ 155575 h 1787292"/>
-              <a:gd name="connsiteX131" fmla="*/ 6999021 w 12192000"/>
-              <a:gd name="connsiteY131" fmla="*/ 141287 h 1787292"/>
-              <a:gd name="connsiteX132" fmla="*/ 7040296 w 12192000"/>
-              <a:gd name="connsiteY132" fmla="*/ 125412 h 1787292"/>
-              <a:gd name="connsiteX133" fmla="*/ 7076808 w 12192000"/>
-              <a:gd name="connsiteY133" fmla="*/ 106362 h 1787292"/>
-              <a:gd name="connsiteX134" fmla="*/ 7114908 w 12192000"/>
-              <a:gd name="connsiteY134" fmla="*/ 87312 h 1787292"/>
-              <a:gd name="connsiteX135" fmla="*/ 7153008 w 12192000"/>
-              <a:gd name="connsiteY135" fmla="*/ 68262 h 1787292"/>
-              <a:gd name="connsiteX136" fmla="*/ 7189521 w 12192000"/>
-              <a:gd name="connsiteY136" fmla="*/ 52387 h 1787292"/>
-              <a:gd name="connsiteX137" fmla="*/ 7230796 w 12192000"/>
-              <a:gd name="connsiteY137" fmla="*/ 36512 h 1787292"/>
-              <a:gd name="connsiteX138" fmla="*/ 7276833 w 12192000"/>
-              <a:gd name="connsiteY138" fmla="*/ 20637 h 1787292"/>
-              <a:gd name="connsiteX139" fmla="*/ 7329221 w 12192000"/>
-              <a:gd name="connsiteY139" fmla="*/ 9525 h 1787292"/>
-              <a:gd name="connsiteX140" fmla="*/ 7389546 w 12192000"/>
-              <a:gd name="connsiteY140" fmla="*/ 3175 h 1787292"/>
-              <a:gd name="connsiteX141" fmla="*/ 7457808 w 12192000"/>
-              <a:gd name="connsiteY141" fmla="*/ 0 h 1787292"/>
-              <a:gd name="connsiteX142" fmla="*/ 7526071 w 12192000"/>
-              <a:gd name="connsiteY142" fmla="*/ 3175 h 1787292"/>
-              <a:gd name="connsiteX143" fmla="*/ 7586396 w 12192000"/>
-              <a:gd name="connsiteY143" fmla="*/ 9525 h 1787292"/>
-              <a:gd name="connsiteX144" fmla="*/ 7638783 w 12192000"/>
-              <a:gd name="connsiteY144" fmla="*/ 20637 h 1787292"/>
-              <a:gd name="connsiteX145" fmla="*/ 7684821 w 12192000"/>
-              <a:gd name="connsiteY145" fmla="*/ 36512 h 1787292"/>
-              <a:gd name="connsiteX146" fmla="*/ 7726096 w 12192000"/>
-              <a:gd name="connsiteY146" fmla="*/ 52387 h 1787292"/>
-              <a:gd name="connsiteX147" fmla="*/ 7762608 w 12192000"/>
-              <a:gd name="connsiteY147" fmla="*/ 68262 h 1787292"/>
-              <a:gd name="connsiteX148" fmla="*/ 7800708 w 12192000"/>
-              <a:gd name="connsiteY148" fmla="*/ 87312 h 1787292"/>
-              <a:gd name="connsiteX149" fmla="*/ 7838808 w 12192000"/>
-              <a:gd name="connsiteY149" fmla="*/ 106362 h 1787292"/>
-              <a:gd name="connsiteX150" fmla="*/ 7875321 w 12192000"/>
-              <a:gd name="connsiteY150" fmla="*/ 125412 h 1787292"/>
-              <a:gd name="connsiteX151" fmla="*/ 7916596 w 12192000"/>
-              <a:gd name="connsiteY151" fmla="*/ 141287 h 1787292"/>
-              <a:gd name="connsiteX152" fmla="*/ 7962633 w 12192000"/>
-              <a:gd name="connsiteY152" fmla="*/ 155575 h 1787292"/>
-              <a:gd name="connsiteX153" fmla="*/ 8015021 w 12192000"/>
-              <a:gd name="connsiteY153" fmla="*/ 166687 h 1787292"/>
-              <a:gd name="connsiteX154" fmla="*/ 8075346 w 12192000"/>
-              <a:gd name="connsiteY154" fmla="*/ 174625 h 1787292"/>
-              <a:gd name="connsiteX155" fmla="*/ 8143608 w 12192000"/>
-              <a:gd name="connsiteY155" fmla="*/ 176212 h 1787292"/>
-              <a:gd name="connsiteX156" fmla="*/ 8211871 w 12192000"/>
-              <a:gd name="connsiteY156" fmla="*/ 174625 h 1787292"/>
-              <a:gd name="connsiteX157" fmla="*/ 8272196 w 12192000"/>
-              <a:gd name="connsiteY157" fmla="*/ 166687 h 1787292"/>
-              <a:gd name="connsiteX158" fmla="*/ 8324583 w 12192000"/>
-              <a:gd name="connsiteY158" fmla="*/ 155575 h 1787292"/>
-              <a:gd name="connsiteX159" fmla="*/ 8370621 w 12192000"/>
-              <a:gd name="connsiteY159" fmla="*/ 141287 h 1787292"/>
-              <a:gd name="connsiteX160" fmla="*/ 8411896 w 12192000"/>
-              <a:gd name="connsiteY160" fmla="*/ 125412 h 1787292"/>
-              <a:gd name="connsiteX161" fmla="*/ 8448408 w 12192000"/>
-              <a:gd name="connsiteY161" fmla="*/ 106362 h 1787292"/>
-              <a:gd name="connsiteX162" fmla="*/ 8486508 w 12192000"/>
-              <a:gd name="connsiteY162" fmla="*/ 87312 h 1787292"/>
-              <a:gd name="connsiteX163" fmla="*/ 8524608 w 12192000"/>
-              <a:gd name="connsiteY163" fmla="*/ 68262 h 1787292"/>
-              <a:gd name="connsiteX164" fmla="*/ 8561120 w 12192000"/>
-              <a:gd name="connsiteY164" fmla="*/ 52387 h 1787292"/>
-              <a:gd name="connsiteX165" fmla="*/ 8602396 w 12192000"/>
-              <a:gd name="connsiteY165" fmla="*/ 36512 h 1787292"/>
-              <a:gd name="connsiteX166" fmla="*/ 8648432 w 12192000"/>
-              <a:gd name="connsiteY166" fmla="*/ 20637 h 1787292"/>
-              <a:gd name="connsiteX167" fmla="*/ 8700820 w 12192000"/>
-              <a:gd name="connsiteY167" fmla="*/ 9525 h 1787292"/>
-              <a:gd name="connsiteX168" fmla="*/ 8761146 w 12192000"/>
-              <a:gd name="connsiteY168" fmla="*/ 3175 h 1787292"/>
-              <a:gd name="connsiteX169" fmla="*/ 8827820 w 12192000"/>
-              <a:gd name="connsiteY169" fmla="*/ 0 h 1787292"/>
-              <a:gd name="connsiteX170" fmla="*/ 8897670 w 12192000"/>
-              <a:gd name="connsiteY170" fmla="*/ 3175 h 1787292"/>
-              <a:gd name="connsiteX171" fmla="*/ 8957996 w 12192000"/>
-              <a:gd name="connsiteY171" fmla="*/ 9525 h 1787292"/>
-              <a:gd name="connsiteX172" fmla="*/ 9010382 w 12192000"/>
-              <a:gd name="connsiteY172" fmla="*/ 20637 h 1787292"/>
-              <a:gd name="connsiteX173" fmla="*/ 9056420 w 12192000"/>
-              <a:gd name="connsiteY173" fmla="*/ 36512 h 1787292"/>
-              <a:gd name="connsiteX174" fmla="*/ 9097696 w 12192000"/>
-              <a:gd name="connsiteY174" fmla="*/ 52387 h 1787292"/>
-              <a:gd name="connsiteX175" fmla="*/ 9134208 w 12192000"/>
-              <a:gd name="connsiteY175" fmla="*/ 68262 h 1787292"/>
-              <a:gd name="connsiteX176" fmla="*/ 9172308 w 12192000"/>
-              <a:gd name="connsiteY176" fmla="*/ 87312 h 1787292"/>
-              <a:gd name="connsiteX177" fmla="*/ 9210408 w 12192000"/>
-              <a:gd name="connsiteY177" fmla="*/ 106362 h 1787292"/>
-              <a:gd name="connsiteX178" fmla="*/ 9246920 w 12192000"/>
-              <a:gd name="connsiteY178" fmla="*/ 125412 h 1787292"/>
-              <a:gd name="connsiteX179" fmla="*/ 9288196 w 12192000"/>
-              <a:gd name="connsiteY179" fmla="*/ 141287 h 1787292"/>
-              <a:gd name="connsiteX180" fmla="*/ 9334232 w 12192000"/>
-              <a:gd name="connsiteY180" fmla="*/ 155575 h 1787292"/>
-              <a:gd name="connsiteX181" fmla="*/ 9386620 w 12192000"/>
-              <a:gd name="connsiteY181" fmla="*/ 166687 h 1787292"/>
-              <a:gd name="connsiteX182" fmla="*/ 9446946 w 12192000"/>
-              <a:gd name="connsiteY182" fmla="*/ 174625 h 1787292"/>
-              <a:gd name="connsiteX183" fmla="*/ 9515208 w 12192000"/>
-              <a:gd name="connsiteY183" fmla="*/ 176212 h 1787292"/>
-              <a:gd name="connsiteX184" fmla="*/ 9583470 w 12192000"/>
-              <a:gd name="connsiteY184" fmla="*/ 174625 h 1787292"/>
-              <a:gd name="connsiteX185" fmla="*/ 9643796 w 12192000"/>
-              <a:gd name="connsiteY185" fmla="*/ 166687 h 1787292"/>
-              <a:gd name="connsiteX186" fmla="*/ 9696182 w 12192000"/>
-              <a:gd name="connsiteY186" fmla="*/ 155575 h 1787292"/>
-              <a:gd name="connsiteX187" fmla="*/ 9742220 w 12192000"/>
-              <a:gd name="connsiteY187" fmla="*/ 141287 h 1787292"/>
-              <a:gd name="connsiteX188" fmla="*/ 9783496 w 12192000"/>
-              <a:gd name="connsiteY188" fmla="*/ 125412 h 1787292"/>
-              <a:gd name="connsiteX189" fmla="*/ 9820008 w 12192000"/>
-              <a:gd name="connsiteY189" fmla="*/ 106362 h 1787292"/>
-              <a:gd name="connsiteX190" fmla="*/ 9896208 w 12192000"/>
-              <a:gd name="connsiteY190" fmla="*/ 68262 h 1787292"/>
-              <a:gd name="connsiteX191" fmla="*/ 9932720 w 12192000"/>
-              <a:gd name="connsiteY191" fmla="*/ 52387 h 1787292"/>
-              <a:gd name="connsiteX192" fmla="*/ 9973996 w 12192000"/>
-              <a:gd name="connsiteY192" fmla="*/ 36512 h 1787292"/>
-              <a:gd name="connsiteX193" fmla="*/ 10020032 w 12192000"/>
-              <a:gd name="connsiteY193" fmla="*/ 20637 h 1787292"/>
-              <a:gd name="connsiteX194" fmla="*/ 10072420 w 12192000"/>
-              <a:gd name="connsiteY194" fmla="*/ 9525 h 1787292"/>
-              <a:gd name="connsiteX195" fmla="*/ 10132746 w 12192000"/>
-              <a:gd name="connsiteY195" fmla="*/ 3175 h 1787292"/>
-              <a:gd name="connsiteX196" fmla="*/ 10201008 w 12192000"/>
-              <a:gd name="connsiteY196" fmla="*/ 0 h 1787292"/>
-              <a:gd name="connsiteX197" fmla="*/ 10269270 w 12192000"/>
-              <a:gd name="connsiteY197" fmla="*/ 3175 h 1787292"/>
-              <a:gd name="connsiteX198" fmla="*/ 10329596 w 12192000"/>
-              <a:gd name="connsiteY198" fmla="*/ 9525 h 1787292"/>
-              <a:gd name="connsiteX199" fmla="*/ 10381982 w 12192000"/>
-              <a:gd name="connsiteY199" fmla="*/ 20637 h 1787292"/>
-              <a:gd name="connsiteX200" fmla="*/ 10428020 w 12192000"/>
-              <a:gd name="connsiteY200" fmla="*/ 36512 h 1787292"/>
-              <a:gd name="connsiteX201" fmla="*/ 10469296 w 12192000"/>
-              <a:gd name="connsiteY201" fmla="*/ 52387 h 1787292"/>
-              <a:gd name="connsiteX202" fmla="*/ 10505808 w 12192000"/>
-              <a:gd name="connsiteY202" fmla="*/ 68262 h 1787292"/>
-              <a:gd name="connsiteX203" fmla="*/ 10543908 w 12192000"/>
-              <a:gd name="connsiteY203" fmla="*/ 87312 h 1787292"/>
-              <a:gd name="connsiteX204" fmla="*/ 10582008 w 12192000"/>
-              <a:gd name="connsiteY204" fmla="*/ 106362 h 1787292"/>
-              <a:gd name="connsiteX205" fmla="*/ 10618520 w 12192000"/>
-              <a:gd name="connsiteY205" fmla="*/ 125412 h 1787292"/>
-              <a:gd name="connsiteX206" fmla="*/ 10659796 w 12192000"/>
-              <a:gd name="connsiteY206" fmla="*/ 141287 h 1787292"/>
-              <a:gd name="connsiteX207" fmla="*/ 10705832 w 12192000"/>
-              <a:gd name="connsiteY207" fmla="*/ 155575 h 1787292"/>
-              <a:gd name="connsiteX208" fmla="*/ 10758220 w 12192000"/>
-              <a:gd name="connsiteY208" fmla="*/ 166687 h 1787292"/>
-              <a:gd name="connsiteX209" fmla="*/ 10818546 w 12192000"/>
-              <a:gd name="connsiteY209" fmla="*/ 174625 h 1787292"/>
-              <a:gd name="connsiteX210" fmla="*/ 10886808 w 12192000"/>
-              <a:gd name="connsiteY210" fmla="*/ 176212 h 1787292"/>
-              <a:gd name="connsiteX211" fmla="*/ 10955070 w 12192000"/>
-              <a:gd name="connsiteY211" fmla="*/ 174625 h 1787292"/>
-              <a:gd name="connsiteX212" fmla="*/ 11015396 w 12192000"/>
-              <a:gd name="connsiteY212" fmla="*/ 166687 h 1787292"/>
-              <a:gd name="connsiteX213" fmla="*/ 11067782 w 12192000"/>
-              <a:gd name="connsiteY213" fmla="*/ 155575 h 1787292"/>
-              <a:gd name="connsiteX214" fmla="*/ 11113820 w 12192000"/>
-              <a:gd name="connsiteY214" fmla="*/ 141287 h 1787292"/>
-              <a:gd name="connsiteX215" fmla="*/ 11155096 w 12192000"/>
-              <a:gd name="connsiteY215" fmla="*/ 125412 h 1787292"/>
-              <a:gd name="connsiteX216" fmla="*/ 11191608 w 12192000"/>
-              <a:gd name="connsiteY216" fmla="*/ 106362 h 1787292"/>
-              <a:gd name="connsiteX217" fmla="*/ 11229708 w 12192000"/>
-              <a:gd name="connsiteY217" fmla="*/ 87312 h 1787292"/>
-              <a:gd name="connsiteX218" fmla="*/ 11267808 w 12192000"/>
-              <a:gd name="connsiteY218" fmla="*/ 68262 h 1787292"/>
-              <a:gd name="connsiteX219" fmla="*/ 11304320 w 12192000"/>
-              <a:gd name="connsiteY219" fmla="*/ 52387 h 1787292"/>
-              <a:gd name="connsiteX220" fmla="*/ 11345596 w 12192000"/>
-              <a:gd name="connsiteY220" fmla="*/ 36512 h 1787292"/>
-              <a:gd name="connsiteX221" fmla="*/ 11391632 w 12192000"/>
-              <a:gd name="connsiteY221" fmla="*/ 20637 h 1787292"/>
-              <a:gd name="connsiteX222" fmla="*/ 11444020 w 12192000"/>
-              <a:gd name="connsiteY222" fmla="*/ 9525 h 1787292"/>
-              <a:gd name="connsiteX223" fmla="*/ 11504346 w 12192000"/>
-              <a:gd name="connsiteY223" fmla="*/ 3175 h 1787292"/>
-              <a:gd name="connsiteX224" fmla="*/ 11572608 w 12192000"/>
-              <a:gd name="connsiteY224" fmla="*/ 0 h 1787292"/>
-              <a:gd name="connsiteX225" fmla="*/ 11640870 w 12192000"/>
-              <a:gd name="connsiteY225" fmla="*/ 3175 h 1787292"/>
-              <a:gd name="connsiteX226" fmla="*/ 11701196 w 12192000"/>
-              <a:gd name="connsiteY226" fmla="*/ 9525 h 1787292"/>
-              <a:gd name="connsiteX227" fmla="*/ 11753582 w 12192000"/>
-              <a:gd name="connsiteY227" fmla="*/ 20637 h 1787292"/>
-              <a:gd name="connsiteX228" fmla="*/ 11799620 w 12192000"/>
-              <a:gd name="connsiteY228" fmla="*/ 36512 h 1787292"/>
-              <a:gd name="connsiteX229" fmla="*/ 11840896 w 12192000"/>
-              <a:gd name="connsiteY229" fmla="*/ 52387 h 1787292"/>
-              <a:gd name="connsiteX230" fmla="*/ 11877408 w 12192000"/>
-              <a:gd name="connsiteY230" fmla="*/ 68262 h 1787292"/>
-              <a:gd name="connsiteX231" fmla="*/ 11915508 w 12192000"/>
-              <a:gd name="connsiteY231" fmla="*/ 87312 h 1787292"/>
-              <a:gd name="connsiteX232" fmla="*/ 11953608 w 12192000"/>
-              <a:gd name="connsiteY232" fmla="*/ 106362 h 1787292"/>
-              <a:gd name="connsiteX233" fmla="*/ 11990120 w 12192000"/>
-              <a:gd name="connsiteY233" fmla="*/ 125412 h 1787292"/>
-              <a:gd name="connsiteX234" fmla="*/ 12031396 w 12192000"/>
-              <a:gd name="connsiteY234" fmla="*/ 141287 h 1787292"/>
-              <a:gd name="connsiteX235" fmla="*/ 12077432 w 12192000"/>
-              <a:gd name="connsiteY235" fmla="*/ 155575 h 1787292"/>
-              <a:gd name="connsiteX236" fmla="*/ 12129820 w 12192000"/>
-              <a:gd name="connsiteY236" fmla="*/ 166688 h 1787292"/>
-              <a:gd name="connsiteX237" fmla="*/ 12190146 w 12192000"/>
-              <a:gd name="connsiteY237" fmla="*/ 174625 h 1787292"/>
-              <a:gd name="connsiteX238" fmla="*/ 12192000 w 12192000"/>
-              <a:gd name="connsiteY238" fmla="*/ 174668 h 1787292"/>
-              <a:gd name="connsiteX239" fmla="*/ 12192000 w 12192000"/>
-              <a:gd name="connsiteY239" fmla="*/ 885826 h 1787292"/>
-              <a:gd name="connsiteX240" fmla="*/ 12192000 w 12192000"/>
-              <a:gd name="connsiteY240" fmla="*/ 1787292 h 1787292"/>
-              <a:gd name="connsiteX241" fmla="*/ 0 w 12192000"/>
-              <a:gd name="connsiteY241" fmla="*/ 1787292 h 1787292"/>
-              <a:gd name="connsiteX242" fmla="*/ 0 w 12192000"/>
-              <a:gd name="connsiteY242" fmla="*/ 885826 h 1787292"/>
-              <a:gd name="connsiteX243" fmla="*/ 0 w 12192000"/>
-              <a:gd name="connsiteY243" fmla="*/ 174668 h 1787292"/>
-              <a:gd name="connsiteX244" fmla="*/ 1852 w 12192000"/>
-              <a:gd name="connsiteY244" fmla="*/ 174625 h 1787292"/>
-              <a:gd name="connsiteX245" fmla="*/ 62177 w 12192000"/>
-              <a:gd name="connsiteY245" fmla="*/ 166687 h 1787292"/>
-              <a:gd name="connsiteX246" fmla="*/ 114564 w 12192000"/>
-              <a:gd name="connsiteY246" fmla="*/ 155575 h 1787292"/>
-              <a:gd name="connsiteX247" fmla="*/ 160602 w 12192000"/>
-              <a:gd name="connsiteY247" fmla="*/ 141287 h 1787292"/>
-              <a:gd name="connsiteX248" fmla="*/ 201877 w 12192000"/>
-              <a:gd name="connsiteY248" fmla="*/ 125412 h 1787292"/>
-              <a:gd name="connsiteX249" fmla="*/ 238389 w 12192000"/>
-              <a:gd name="connsiteY249" fmla="*/ 106362 h 1787292"/>
-              <a:gd name="connsiteX250" fmla="*/ 276489 w 12192000"/>
-              <a:gd name="connsiteY250" fmla="*/ 87312 h 1787292"/>
-              <a:gd name="connsiteX251" fmla="*/ 314589 w 12192000"/>
-              <a:gd name="connsiteY251" fmla="*/ 68262 h 1787292"/>
-              <a:gd name="connsiteX252" fmla="*/ 351102 w 12192000"/>
-              <a:gd name="connsiteY252" fmla="*/ 52387 h 1787292"/>
-              <a:gd name="connsiteX253" fmla="*/ 392377 w 12192000"/>
-              <a:gd name="connsiteY253" fmla="*/ 36512 h 1787292"/>
-              <a:gd name="connsiteX254" fmla="*/ 438414 w 12192000"/>
-              <a:gd name="connsiteY254" fmla="*/ 20637 h 1787292"/>
-              <a:gd name="connsiteX255" fmla="*/ 490802 w 12192000"/>
-              <a:gd name="connsiteY255" fmla="*/ 9525 h 1787292"/>
-              <a:gd name="connsiteX256" fmla="*/ 551127 w 12192000"/>
-              <a:gd name="connsiteY256" fmla="*/ 3175 h 1787292"/>
-            </a:gdLst>
-            <a:ahLst/>
-            <a:cxnLst>
-              <a:cxn ang="0">
-                <a:pos x="connsiteX0" y="connsiteY0"/>
-              </a:cxn>
-              <a:cxn ang="0">
-                <a:pos x="connsiteX1" y="connsiteY1"/>
-              </a:cxn>
-              <a:cxn ang="0">
-                <a:pos x="connsiteX2" y="connsiteY2"/>
-              </a:cxn>
-              <a:cxn ang="0">
-                <a:pos x="connsiteX3" y="connsiteY3"/>
-              </a:cxn>
-              <a:cxn ang="0">
-                <a:pos x="connsiteX4" y="connsiteY4"/>
-              </a:cxn>
-              <a:cxn ang="0">
-                <a:pos x="connsiteX5" y="connsiteY5"/>
-              </a:cxn>
-              <a:cxn ang="0">
-                <a:pos x="connsiteX6" y="connsiteY6"/>
-              </a:cxn>
-              <a:cxn ang="0">
-                <a:pos x="connsiteX7" y="connsiteY7"/>
-              </a:cxn>
-              <a:cxn ang="0">
-                <a:pos x="connsiteX8" y="connsiteY8"/>
-              </a:cxn>
-              <a:cxn ang="0">
-                <a:pos x="connsiteX9" y="connsiteY9"/>
-              </a:cxn>
-              <a:cxn ang="0">
-                <a:pos x="connsiteX10" y="connsiteY10"/>
-              </a:cxn>
-              <a:cxn ang="0">
-                <a:pos x="connsiteX11" y="connsiteY11"/>
-              </a:cxn>
-              <a:cxn ang="0">
-                <a:pos x="connsiteX12" y="connsiteY12"/>
-              </a:cxn>
-              <a:cxn ang="0">
-                <a:pos x="connsiteX13" y="connsiteY13"/>
-              </a:cxn>
-              <a:cxn ang="0">
-                <a:pos x="connsiteX14" y="connsiteY14"/>
-              </a:cxn>
-              <a:cxn ang="0">
-                <a:pos x="connsiteX15" y="connsiteY15"/>
-              </a:cxn>
-              <a:cxn ang="0">
-                <a:pos x="connsiteX16" y="connsiteY16"/>
-              </a:cxn>
-              <a:cxn ang="0">
-                <a:pos x="connsiteX17" y="connsiteY17"/>
-              </a:cxn>
-              <a:cxn ang="0">
-                <a:pos x="connsiteX18" y="connsiteY18"/>
-              </a:cxn>
-              <a:cxn ang="0">
-                <a:pos x="connsiteX19" y="connsiteY19"/>
-              </a:cxn>
-              <a:cxn ang="0">
-                <a:pos x="connsiteX20" y="connsiteY20"/>
-              </a:cxn>
-              <a:cxn ang="0">
-                <a:pos x="connsiteX21" y="connsiteY21"/>
-              </a:cxn>
-              <a:cxn ang="0">
-                <a:pos x="connsiteX22" y="connsiteY22"/>
-              </a:cxn>
-              <a:cxn ang="0">
-                <a:pos x="connsiteX23" y="connsiteY23"/>
-              </a:cxn>
-              <a:cxn ang="0">
-                <a:pos x="connsiteX24" y="connsiteY24"/>
-              </a:cxn>
-              <a:cxn ang="0">
-                <a:pos x="connsiteX25" y="connsiteY25"/>
-              </a:cxn>
-              <a:cxn ang="0">
-                <a:pos x="connsiteX26" y="connsiteY26"/>
-              </a:cxn>
-              <a:cxn ang="0">
-                <a:pos x="connsiteX27" y="connsiteY27"/>
-              </a:cxn>
-              <a:cxn ang="0">
-                <a:pos x="connsiteX28" y="connsiteY28"/>
-              </a:cxn>
-              <a:cxn ang="0">
-                <a:pos x="connsiteX29" y="connsiteY29"/>
-              </a:cxn>
-              <a:cxn ang="0">
-                <a:pos x="connsiteX30" y="connsiteY30"/>
-              </a:cxn>
-              <a:cxn ang="0">
-                <a:pos x="connsiteX31" y="connsiteY31"/>
-              </a:cxn>
-              <a:cxn ang="0">
-                <a:pos x="connsiteX32" y="connsiteY32"/>
-              </a:cxn>
-              <a:cxn ang="0">
-                <a:pos x="connsiteX33" y="connsiteY33"/>
-              </a:cxn>
-              <a:cxn ang="0">
-                <a:pos x="connsiteX34" y="connsiteY34"/>
-              </a:cxn>
-              <a:cxn ang="0">
-                <a:pos x="connsiteX35" y="connsiteY35"/>
-              </a:cxn>
-              <a:cxn ang="0">
-                <a:pos x="connsiteX36" y="connsiteY36"/>
-              </a:cxn>
-              <a:cxn ang="0">
-                <a:pos x="connsiteX37" y="connsiteY37"/>
-              </a:cxn>
-              <a:cxn ang="0">
-                <a:pos x="connsiteX38" y="connsiteY38"/>
-              </a:cxn>
-              <a:cxn ang="0">
-                <a:pos x="connsiteX39" y="connsiteY39"/>
-              </a:cxn>
-              <a:cxn ang="0">
-                <a:pos x="connsiteX40" y="connsiteY40"/>
-              </a:cxn>
-              <a:cxn ang="0">
-                <a:pos x="connsiteX41" y="connsiteY41"/>
-              </a:cxn>
-              <a:cxn ang="0">
-                <a:pos x="connsiteX42" y="connsiteY42"/>
-              </a:cxn>
-              <a:cxn ang="0">
-                <a:pos x="connsiteX43" y="connsiteY43"/>
-              </a:cxn>
-              <a:cxn ang="0">
-                <a:pos x="connsiteX44" y="connsiteY44"/>
-              </a:cxn>
-              <a:cxn ang="0">
-                <a:pos x="connsiteX45" y="connsiteY45"/>
-              </a:cxn>
-              <a:cxn ang="0">
-                <a:pos x="connsiteX46" y="connsiteY46"/>
-              </a:cxn>
-              <a:cxn ang="0">
-                <a:pos x="connsiteX47" y="connsiteY47"/>
-              </a:cxn>
-              <a:cxn ang="0">
-                <a:pos x="connsiteX48" y="connsiteY48"/>
-              </a:cxn>
-              <a:cxn ang="0">
-                <a:pos x="connsiteX49" y="connsiteY49"/>
-              </a:cxn>
-              <a:cxn ang="0">
-                <a:pos x="connsiteX50" y="connsiteY50"/>
-              </a:cxn>
-              <a:cxn ang="0">
-                <a:pos x="connsiteX51" y="connsiteY51"/>
-              </a:cxn>
-              <a:cxn ang="0">
-                <a:pos x="connsiteX52" y="connsiteY52"/>
-              </a:cxn>
-              <a:cxn ang="0">
-                <a:pos x="connsiteX53" y="connsiteY53"/>
-              </a:cxn>
-              <a:cxn ang="0">
-                <a:pos x="connsiteX54" y="connsiteY54"/>
-              </a:cxn>
-              <a:cxn ang="0">
-                <a:pos x="connsiteX55" y="connsiteY55"/>
-              </a:cxn>
-              <a:cxn ang="0">
-                <a:pos x="connsiteX56" y="connsiteY56"/>
-              </a:cxn>
-              <a:cxn ang="0">
-                <a:pos x="connsiteX57" y="connsiteY57"/>
-              </a:cxn>
-              <a:cxn ang="0">
-                <a:pos x="connsiteX58" y="connsiteY58"/>
-              </a:cxn>
-              <a:cxn ang="0">
-                <a:pos x="connsiteX59" y="connsiteY59"/>
-              </a:cxn>
-              <a:cxn ang="0">
-                <a:pos x="connsiteX60" y="connsiteY60"/>
-              </a:cxn>
-              <a:cxn ang="0">
-                <a:pos x="connsiteX61" y="connsiteY61"/>
-              </a:cxn>
-              <a:cxn ang="0">
-                <a:pos x="connsiteX62" y="connsiteY62"/>
-              </a:cxn>
-              <a:cxn ang="0">
-                <a:pos x="connsiteX63" y="connsiteY63"/>
-              </a:cxn>
-              <a:cxn ang="0">
-                <a:pos x="connsiteX64" y="connsiteY64"/>
-              </a:cxn>
-              <a:cxn ang="0">
-                <a:pos x="connsiteX65" y="connsiteY65"/>
-              </a:cxn>
-              <a:cxn ang="0">
-                <a:pos x="connsiteX66" y="connsiteY66"/>
-              </a:cxn>
-              <a:cxn ang="0">
-                <a:pos x="connsiteX67" y="connsiteY67"/>
-              </a:cxn>
-              <a:cxn ang="0">
-                <a:pos x="connsiteX68" y="connsiteY68"/>
-              </a:cxn>
-              <a:cxn ang="0">
-                <a:pos x="connsiteX69" y="connsiteY69"/>
-              </a:cxn>
-              <a:cxn ang="0">
-                <a:pos x="connsiteX70" y="connsiteY70"/>
-              </a:cxn>
-              <a:cxn ang="0">
-                <a:pos x="connsiteX71" y="connsiteY71"/>
-              </a:cxn>
-              <a:cxn ang="0">
-                <a:pos x="connsiteX72" y="connsiteY72"/>
-              </a:cxn>
-              <a:cxn ang="0">
-                <a:pos x="connsiteX73" y="connsiteY73"/>
-              </a:cxn>
-              <a:cxn ang="0">
-                <a:pos x="connsiteX74" y="connsiteY74"/>
-              </a:cxn>
-              <a:cxn ang="0">
-                <a:pos x="connsiteX75" y="connsiteY75"/>
-              </a:cxn>
-              <a:cxn ang="0">
-                <a:pos x="connsiteX76" y="connsiteY76"/>
-              </a:cxn>
-              <a:cxn ang="0">
-                <a:pos x="connsiteX77" y="connsiteY77"/>
-              </a:cxn>
-              <a:cxn ang="0">
-                <a:pos x="connsiteX78" y="connsiteY78"/>
-              </a:cxn>
-              <a:cxn ang="0">
-                <a:pos x="connsiteX79" y="connsiteY79"/>
-              </a:cxn>
-              <a:cxn ang="0">
-                <a:pos x="connsiteX80" y="connsiteY80"/>
-              </a:cxn>
-              <a:cxn ang="0">
-                <a:pos x="connsiteX81" y="connsiteY81"/>
-              </a:cxn>
-              <a:cxn ang="0">
-                <a:pos x="connsiteX82" y="connsiteY82"/>
-              </a:cxn>
-              <a:cxn ang="0">
-                <a:pos x="connsiteX83" y="connsiteY83"/>
-              </a:cxn>
-              <a:cxn ang="0">
-                <a:pos x="connsiteX84" y="connsiteY84"/>
-              </a:cxn>
-              <a:cxn ang="0">
-                <a:pos x="connsiteX85" y="connsiteY85"/>
-              </a:cxn>
-              <a:cxn ang="0">
-                <a:pos x="connsiteX86" y="connsiteY86"/>
-              </a:cxn>
-              <a:cxn ang="0">
-                <a:pos x="connsiteX87" y="connsiteY87"/>
-              </a:cxn>
-              <a:cxn ang="0">
-                <a:pos x="connsiteX88" y="connsiteY88"/>
-              </a:cxn>
-              <a:cxn ang="0">
-                <a:pos x="connsiteX89" y="connsiteY89"/>
-              </a:cxn>
-              <a:cxn ang="0">
-                <a:pos x="connsiteX90" y="connsiteY90"/>
-              </a:cxn>
-              <a:cxn ang="0">
-                <a:pos x="connsiteX91" y="connsiteY91"/>
-              </a:cxn>
-              <a:cxn ang="0">
-                <a:pos x="connsiteX92" y="connsiteY92"/>
-              </a:cxn>
-              <a:cxn ang="0">
-                <a:pos x="connsiteX93" y="connsiteY93"/>
-              </a:cxn>
-              <a:cxn ang="0">
-                <a:pos x="connsiteX94" y="connsiteY94"/>
-              </a:cxn>
-              <a:cxn ang="0">
-                <a:pos x="connsiteX95" y="connsiteY95"/>
-              </a:cxn>
-              <a:cxn ang="0">
-                <a:pos x="connsiteX96" y="connsiteY96"/>
-              </a:cxn>
-              <a:cxn ang="0">
-                <a:pos x="connsiteX97" y="connsiteY97"/>
-              </a:cxn>
-              <a:cxn ang="0">
-                <a:pos x="connsiteX98" y="connsiteY98"/>
-              </a:cxn>
-              <a:cxn ang="0">
-                <a:pos x="connsiteX99" y="connsiteY99"/>
-              </a:cxn>
-              <a:cxn ang="0">
-                <a:pos x="connsiteX100" y="connsiteY100"/>
-              </a:cxn>
-              <a:cxn ang="0">
-                <a:pos x="connsiteX101" y="connsiteY101"/>
-              </a:cxn>
-              <a:cxn ang="0">
-                <a:pos x="connsiteX102" y="connsiteY102"/>
-              </a:cxn>
-              <a:cxn ang="0">
-                <a:pos x="connsiteX103" y="connsiteY103"/>
-              </a:cxn>
-              <a:cxn ang="0">
-                <a:pos x="connsiteX104" y="connsiteY104"/>
-              </a:cxn>
-              <a:cxn ang="0">
-                <a:pos x="connsiteX105" y="connsiteY105"/>
-              </a:cxn>
-              <a:cxn ang="0">
-                <a:pos x="connsiteX106" y="connsiteY106"/>
-              </a:cxn>
-              <a:cxn ang="0">
-                <a:pos x="connsiteX107" y="connsiteY107"/>
-              </a:cxn>
-              <a:cxn ang="0">
-                <a:pos x="connsiteX108" y="connsiteY108"/>
-              </a:cxn>
-              <a:cxn ang="0">
-                <a:pos x="connsiteX109" y="connsiteY109"/>
-              </a:cxn>
-              <a:cxn ang="0">
-                <a:pos x="connsiteX110" y="connsiteY110"/>
-              </a:cxn>
-              <a:cxn ang="0">
-                <a:pos x="connsiteX111" y="connsiteY111"/>
-              </a:cxn>
-              <a:cxn ang="0">
-                <a:pos x="connsiteX112" y="connsiteY112"/>
-              </a:cxn>
-              <a:cxn ang="0">
-                <a:pos x="connsiteX113" y="connsiteY113"/>
-              </a:cxn>
-              <a:cxn ang="0">
-                <a:pos x="connsiteX114" y="connsiteY114"/>
-              </a:cxn>
-              <a:cxn ang="0">
-                <a:pos x="connsiteX115" y="connsiteY115"/>
-              </a:cxn>
-              <a:cxn ang="0">
-                <a:pos x="connsiteX116" y="connsiteY116"/>
-              </a:cxn>
-              <a:cxn ang="0">
-                <a:pos x="connsiteX117" y="connsiteY117"/>
-              </a:cxn>
-              <a:cxn ang="0">
-                <a:pos x="connsiteX118" y="connsiteY118"/>
-              </a:cxn>
-              <a:cxn ang="0">
-                <a:pos x="connsiteX119" y="connsiteY119"/>
-              </a:cxn>
-              <a:cxn ang="0">
-                <a:pos x="connsiteX120" y="connsiteY120"/>
-              </a:cxn>
-              <a:cxn ang="0">
-                <a:pos x="connsiteX121" y="connsiteY121"/>
-              </a:cxn>
-              <a:cxn ang="0">
-                <a:pos x="connsiteX122" y="connsiteY122"/>
-              </a:cxn>
-              <a:cxn ang="0">
-                <a:pos x="connsiteX123" y="connsiteY123"/>
-              </a:cxn>
-              <a:cxn ang="0">
-                <a:pos x="connsiteX124" y="connsiteY124"/>
-              </a:cxn>
-              <a:cxn ang="0">
-                <a:pos x="connsiteX125" y="connsiteY125"/>
-              </a:cxn>
-              <a:cxn ang="0">
-                <a:pos x="connsiteX126" y="connsiteY126"/>
-              </a:cxn>
-              <a:cxn ang="0">
-                <a:pos x="connsiteX127" y="connsiteY127"/>
-              </a:cxn>
-              <a:cxn ang="0">
-                <a:pos x="connsiteX128" y="connsiteY128"/>
-              </a:cxn>
-              <a:cxn ang="0">
-                <a:pos x="connsiteX129" y="connsiteY129"/>
-              </a:cxn>
-              <a:cxn ang="0">
-                <a:pos x="connsiteX130" y="connsiteY130"/>
-              </a:cxn>
-              <a:cxn ang="0">
-                <a:pos x="connsiteX131" y="connsiteY131"/>
-              </a:cxn>
-              <a:cxn ang="0">
-                <a:pos x="connsiteX132" y="connsiteY132"/>
-              </a:cxn>
-              <a:cxn ang="0">
-                <a:pos x="connsiteX133" y="connsiteY133"/>
-              </a:cxn>
-              <a:cxn ang="0">
-                <a:pos x="connsiteX134" y="connsiteY134"/>
-              </a:cxn>
-              <a:cxn ang="0">
-                <a:pos x="connsiteX135" y="connsiteY135"/>
-              </a:cxn>
-              <a:cxn ang="0">
-                <a:pos x="connsiteX136" y="connsiteY136"/>
-              </a:cxn>
-              <a:cxn ang="0">
-                <a:pos x="connsiteX137" y="connsiteY137"/>
-              </a:cxn>
-              <a:cxn ang="0">
-                <a:pos x="connsiteX138" y="connsiteY138"/>
-              </a:cxn>
-              <a:cxn ang="0">
-                <a:pos x="connsiteX139" y="connsiteY139"/>
-              </a:cxn>
-              <a:cxn ang="0">
-                <a:pos x="connsiteX140" y="connsiteY140"/>
-              </a:cxn>
-              <a:cxn ang="0">
-                <a:pos x="connsiteX141" y="connsiteY141"/>
-              </a:cxn>
-              <a:cxn ang="0">
-                <a:pos x="connsiteX142" y="connsiteY142"/>
-              </a:cxn>
-              <a:cxn ang="0">
-                <a:pos x="connsiteX143" y="connsiteY143"/>
-              </a:cxn>
-              <a:cxn ang="0">
-                <a:pos x="connsiteX144" y="connsiteY144"/>
-              </a:cxn>
-              <a:cxn ang="0">
-                <a:pos x="connsiteX145" y="connsiteY145"/>
-              </a:cxn>
-              <a:cxn ang="0">
-                <a:pos x="connsiteX146" y="connsiteY146"/>
-              </a:cxn>
-              <a:cxn ang="0">
-                <a:pos x="connsiteX147" y="connsiteY147"/>
-              </a:cxn>
-              <a:cxn ang="0">
-                <a:pos x="connsiteX148" y="connsiteY148"/>
-              </a:cxn>
-              <a:cxn ang="0">
-                <a:pos x="connsiteX149" y="connsiteY149"/>
-              </a:cxn>
-              <a:cxn ang="0">
-                <a:pos x="connsiteX150" y="connsiteY150"/>
-              </a:cxn>
-              <a:cxn ang="0">
-                <a:pos x="connsiteX151" y="connsiteY151"/>
-              </a:cxn>
-              <a:cxn ang="0">
-                <a:pos x="connsiteX152" y="connsiteY152"/>
-              </a:cxn>
-              <a:cxn ang="0">
-                <a:pos x="connsiteX153" y="connsiteY153"/>
-              </a:cxn>
-              <a:cxn ang="0">
-                <a:pos x="connsiteX154" y="connsiteY154"/>
-              </a:cxn>
-              <a:cxn ang="0">
-                <a:pos x="connsiteX155" y="connsiteY155"/>
-              </a:cxn>
-              <a:cxn ang="0">
-                <a:pos x="connsiteX156" y="connsiteY156"/>
-              </a:cxn>
-              <a:cxn ang="0">
-                <a:pos x="connsiteX157" y="connsiteY157"/>
-              </a:cxn>
-              <a:cxn ang="0">
-                <a:pos x="connsiteX158" y="connsiteY158"/>
-              </a:cxn>
-              <a:cxn ang="0">
-                <a:pos x="connsiteX159" y="connsiteY159"/>
-              </a:cxn>
-              <a:cxn ang="0">
-                <a:pos x="connsiteX160" y="connsiteY160"/>
-              </a:cxn>
-              <a:cxn ang="0">
-                <a:pos x="connsiteX161" y="connsiteY161"/>
-              </a:cxn>
-              <a:cxn ang="0">
-                <a:pos x="connsiteX162" y="connsiteY162"/>
-              </a:cxn>
-              <a:cxn ang="0">
-                <a:pos x="connsiteX163" y="connsiteY163"/>
-              </a:cxn>
-              <a:cxn ang="0">
-                <a:pos x="connsiteX164" y="connsiteY164"/>
-              </a:cxn>
-              <a:cxn ang="0">
-                <a:pos x="connsiteX165" y="connsiteY165"/>
-              </a:cxn>
-              <a:cxn ang="0">
-                <a:pos x="connsiteX166" y="connsiteY166"/>
-              </a:cxn>
-              <a:cxn ang="0">
-                <a:pos x="connsiteX167" y="connsiteY167"/>
-              </a:cxn>
-              <a:cxn ang="0">
-                <a:pos x="connsiteX168" y="connsiteY168"/>
-              </a:cxn>
-              <a:cxn ang="0">
-                <a:pos x="connsiteX169" y="connsiteY169"/>
-              </a:cxn>
-              <a:cxn ang="0">
-                <a:pos x="connsiteX170" y="connsiteY170"/>
-              </a:cxn>
-              <a:cxn ang="0">
-                <a:pos x="connsiteX171" y="connsiteY171"/>
-              </a:cxn>
-              <a:cxn ang="0">
-                <a:pos x="connsiteX172" y="connsiteY172"/>
-              </a:cxn>
-              <a:cxn ang="0">
-                <a:pos x="connsiteX173" y="connsiteY173"/>
-              </a:cxn>
-              <a:cxn ang="0">
-                <a:pos x="connsiteX174" y="connsiteY174"/>
-              </a:cxn>
-              <a:cxn ang="0">
-                <a:pos x="connsiteX175" y="connsiteY175"/>
-              </a:cxn>
-              <a:cxn ang="0">
-                <a:pos x="connsiteX176" y="connsiteY176"/>
-              </a:cxn>
-              <a:cxn ang="0">
-                <a:pos x="connsiteX177" y="connsiteY177"/>
-              </a:cxn>
-              <a:cxn ang="0">
-                <a:pos x="connsiteX178" y="connsiteY178"/>
-              </a:cxn>
-              <a:cxn ang="0">
-                <a:pos x="connsiteX179" y="connsiteY179"/>
-              </a:cxn>
-              <a:cxn ang="0">
-                <a:pos x="connsiteX180" y="connsiteY180"/>
-              </a:cxn>
-              <a:cxn ang="0">
-                <a:pos x="connsiteX181" y="connsiteY181"/>
-              </a:cxn>
-              <a:cxn ang="0">
-                <a:pos x="connsiteX182" y="connsiteY182"/>
-              </a:cxn>
-              <a:cxn ang="0">
-                <a:pos x="connsiteX183" y="connsiteY183"/>
-              </a:cxn>
-              <a:cxn ang="0">
-                <a:pos x="connsiteX184" y="connsiteY184"/>
-              </a:cxn>
-              <a:cxn ang="0">
-                <a:pos x="connsiteX185" y="connsiteY185"/>
-              </a:cxn>
-              <a:cxn ang="0">
-                <a:pos x="connsiteX186" y="connsiteY186"/>
-              </a:cxn>
-              <a:cxn ang="0">
-                <a:pos x="connsiteX187" y="connsiteY187"/>
-              </a:cxn>
-              <a:cxn ang="0">
-                <a:pos x="connsiteX188" y="connsiteY188"/>
-              </a:cxn>
-              <a:cxn ang="0">
-                <a:pos x="connsiteX189" y="connsiteY189"/>
-              </a:cxn>
-              <a:cxn ang="0">
-                <a:pos x="connsiteX190" y="connsiteY190"/>
-              </a:cxn>
-              <a:cxn ang="0">
-                <a:pos x="connsiteX191" y="connsiteY191"/>
-              </a:cxn>
-              <a:cxn ang="0">
-                <a:pos x="connsiteX192" y="connsiteY192"/>
-              </a:cxn>
-              <a:cxn ang="0">
-                <a:pos x="connsiteX193" y="connsiteY193"/>
-              </a:cxn>
-              <a:cxn ang="0">
-                <a:pos x="connsiteX194" y="connsiteY194"/>
-              </a:cxn>
-              <a:cxn ang="0">
-                <a:pos x="connsiteX195" y="connsiteY195"/>
-              </a:cxn>
-              <a:cxn ang="0">
-                <a:pos x="connsiteX196" y="connsiteY196"/>
-              </a:cxn>
-              <a:cxn ang="0">
-                <a:pos x="connsiteX197" y="connsiteY197"/>
-              </a:cxn>
-              <a:cxn ang="0">
-                <a:pos x="connsiteX198" y="connsiteY198"/>
-              </a:cxn>
-              <a:cxn ang="0">
-                <a:pos x="connsiteX199" y="connsiteY199"/>
-              </a:cxn>
-              <a:cxn ang="0">
-                <a:pos x="connsiteX200" y="connsiteY200"/>
-              </a:cxn>
-              <a:cxn ang="0">
-                <a:pos x="connsiteX201" y="connsiteY201"/>
-              </a:cxn>
-              <a:cxn ang="0">
-                <a:pos x="connsiteX202" y="connsiteY202"/>
-              </a:cxn>
-              <a:cxn ang="0">
-                <a:pos x="connsiteX203" y="connsiteY203"/>
-              </a:cxn>
-              <a:cxn ang="0">
-                <a:pos x="connsiteX204" y="connsiteY204"/>
-              </a:cxn>
-              <a:cxn ang="0">
-                <a:pos x="connsiteX205" y="connsiteY205"/>
-              </a:cxn>
-              <a:cxn ang="0">
-                <a:pos x="connsiteX206" y="connsiteY206"/>
-              </a:cxn>
-              <a:cxn ang="0">
-                <a:pos x="connsiteX207" y="connsiteY207"/>
-              </a:cxn>
-              <a:cxn ang="0">
-                <a:pos x="connsiteX208" y="connsiteY208"/>
-              </a:cxn>
-              <a:cxn ang="0">
-                <a:pos x="connsiteX209" y="connsiteY209"/>
-              </a:cxn>
-              <a:cxn ang="0">
-                <a:pos x="connsiteX210" y="connsiteY210"/>
-              </a:cxn>
-              <a:cxn ang="0">
-                <a:pos x="connsiteX211" y="connsiteY211"/>
-              </a:cxn>
-              <a:cxn ang="0">
-                <a:pos x="connsiteX212" y="connsiteY212"/>
-              </a:cxn>
-              <a:cxn ang="0">
-                <a:pos x="connsiteX213" y="connsiteY213"/>
-              </a:cxn>
-              <a:cxn ang="0">
-                <a:pos x="connsiteX214" y="connsiteY214"/>
-              </a:cxn>
-              <a:cxn ang="0">
-                <a:pos x="connsiteX215" y="connsiteY215"/>
-              </a:cxn>
-              <a:cxn ang="0">
-                <a:pos x="connsiteX216" y="connsiteY216"/>
-              </a:cxn>
-              <a:cxn ang="0">
-                <a:pos x="connsiteX217" y="connsiteY217"/>
-              </a:cxn>
-              <a:cxn ang="0">
-                <a:pos x="connsiteX218" y="connsiteY218"/>
-              </a:cxn>
-              <a:cxn ang="0">
-                <a:pos x="connsiteX219" y="connsiteY219"/>
-              </a:cxn>
-              <a:cxn ang="0">
-                <a:pos x="connsiteX220" y="connsiteY220"/>
-              </a:cxn>
-              <a:cxn ang="0">
-                <a:pos x="connsiteX221" y="connsiteY221"/>
-              </a:cxn>
-              <a:cxn ang="0">
-                <a:pos x="connsiteX222" y="connsiteY222"/>
-              </a:cxn>
-              <a:cxn ang="0">
-                <a:pos x="connsiteX223" y="connsiteY223"/>
-              </a:cxn>
-              <a:cxn ang="0">
-                <a:pos x="connsiteX224" y="connsiteY224"/>
-              </a:cxn>
-              <a:cxn ang="0">
-                <a:pos x="connsiteX225" y="connsiteY225"/>
-              </a:cxn>
-              <a:cxn ang="0">
-                <a:pos x="connsiteX226" y="connsiteY226"/>
-              </a:cxn>
-              <a:cxn ang="0">
-                <a:pos x="connsiteX227" y="connsiteY227"/>
-              </a:cxn>
-              <a:cxn ang="0">
-                <a:pos x="connsiteX228" y="connsiteY228"/>
-              </a:cxn>
-              <a:cxn ang="0">
-                <a:pos x="connsiteX229" y="connsiteY229"/>
-              </a:cxn>
-              <a:cxn ang="0">
-                <a:pos x="connsiteX230" y="connsiteY230"/>
-              </a:cxn>
-              <a:cxn ang="0">
-                <a:pos x="connsiteX231" y="connsiteY231"/>
-              </a:cxn>
-              <a:cxn ang="0">
-                <a:pos x="connsiteX232" y="connsiteY232"/>
-              </a:cxn>
-              <a:cxn ang="0">
-                <a:pos x="connsiteX233" y="connsiteY233"/>
-              </a:cxn>
-              <a:cxn ang="0">
-                <a:pos x="connsiteX234" y="connsiteY234"/>
-              </a:cxn>
-              <a:cxn ang="0">
-                <a:pos x="connsiteX235" y="connsiteY235"/>
-              </a:cxn>
-              <a:cxn ang="0">
-                <a:pos x="connsiteX236" y="connsiteY236"/>
-              </a:cxn>
-              <a:cxn ang="0">
-                <a:pos x="connsiteX237" y="connsiteY237"/>
-              </a:cxn>
-              <a:cxn ang="0">
-                <a:pos x="connsiteX238" y="connsiteY238"/>
-              </a:cxn>
-              <a:cxn ang="0">
-                <a:pos x="connsiteX239" y="connsiteY239"/>
-              </a:cxn>
-              <a:cxn ang="0">
-                <a:pos x="connsiteX240" y="connsiteY240"/>
-              </a:cxn>
-              <a:cxn ang="0">
-                <a:pos x="connsiteX241" y="connsiteY241"/>
-              </a:cxn>
-              <a:cxn ang="0">
-                <a:pos x="connsiteX242" y="connsiteY242"/>
-              </a:cxn>
-              <a:cxn ang="0">
-                <a:pos x="connsiteX243" y="connsiteY243"/>
-              </a:cxn>
-              <a:cxn ang="0">
-                <a:pos x="connsiteX244" y="connsiteY244"/>
-              </a:cxn>
-              <a:cxn ang="0">
-                <a:pos x="connsiteX245" y="connsiteY245"/>
-              </a:cxn>
-              <a:cxn ang="0">
-                <a:pos x="connsiteX246" y="connsiteY246"/>
-              </a:cxn>
-              <a:cxn ang="0">
-                <a:pos x="connsiteX247" y="connsiteY247"/>
-              </a:cxn>
-              <a:cxn ang="0">
-                <a:pos x="connsiteX248" y="connsiteY248"/>
-              </a:cxn>
-              <a:cxn ang="0">
-                <a:pos x="connsiteX249" y="connsiteY249"/>
-              </a:cxn>
-              <a:cxn ang="0">
-                <a:pos x="connsiteX250" y="connsiteY250"/>
-              </a:cxn>
-              <a:cxn ang="0">
-                <a:pos x="connsiteX251" y="connsiteY251"/>
-              </a:cxn>
-              <a:cxn ang="0">
-                <a:pos x="connsiteX252" y="connsiteY252"/>
-              </a:cxn>
-              <a:cxn ang="0">
-                <a:pos x="connsiteX253" y="connsiteY253"/>
-              </a:cxn>
-              <a:cxn ang="0">
-                <a:pos x="connsiteX254" y="connsiteY254"/>
-              </a:cxn>
-              <a:cxn ang="0">
-                <a:pos x="connsiteX255" y="connsiteY255"/>
-              </a:cxn>
-              <a:cxn ang="0">
-                <a:pos x="connsiteX256" y="connsiteY256"/>
-              </a:cxn>
-            </a:cxnLst>
-            <a:rect l="l" t="t" r="r" b="b"/>
-            <a:pathLst>
-              <a:path w="12192000" h="1787292">
-                <a:moveTo>
-                  <a:pt x="619389" y="0"/>
-                </a:moveTo>
-                <a:lnTo>
-                  <a:pt x="687652" y="3175"/>
-                </a:lnTo>
-                <a:lnTo>
-                  <a:pt x="747977" y="9525"/>
-                </a:lnTo>
-                <a:lnTo>
-                  <a:pt x="800364" y="20637"/>
-                </a:lnTo>
-                <a:lnTo>
-                  <a:pt x="846402" y="36512"/>
-                </a:lnTo>
-                <a:lnTo>
-                  <a:pt x="887677" y="52387"/>
-                </a:lnTo>
-                <a:lnTo>
-                  <a:pt x="924189" y="68262"/>
-                </a:lnTo>
-                <a:lnTo>
-                  <a:pt x="962289" y="87312"/>
-                </a:lnTo>
-                <a:lnTo>
-                  <a:pt x="1000389" y="106362"/>
-                </a:lnTo>
-                <a:lnTo>
-                  <a:pt x="1036902" y="125412"/>
-                </a:lnTo>
-                <a:lnTo>
-                  <a:pt x="1078177" y="141287"/>
-                </a:lnTo>
-                <a:lnTo>
-                  <a:pt x="1124214" y="155575"/>
-                </a:lnTo>
-                <a:lnTo>
-                  <a:pt x="1176602" y="166687"/>
-                </a:lnTo>
-                <a:lnTo>
-                  <a:pt x="1236927" y="174625"/>
-                </a:lnTo>
-                <a:lnTo>
-                  <a:pt x="1305189" y="176212"/>
-                </a:lnTo>
-                <a:lnTo>
-                  <a:pt x="1373452" y="174625"/>
-                </a:lnTo>
-                <a:lnTo>
-                  <a:pt x="1433777" y="166687"/>
-                </a:lnTo>
-                <a:lnTo>
-                  <a:pt x="1486164" y="155575"/>
-                </a:lnTo>
-                <a:lnTo>
-                  <a:pt x="1532202" y="141287"/>
-                </a:lnTo>
-                <a:lnTo>
-                  <a:pt x="1573477" y="125412"/>
-                </a:lnTo>
-                <a:lnTo>
-                  <a:pt x="1609989" y="106362"/>
-                </a:lnTo>
-                <a:lnTo>
-                  <a:pt x="1648089" y="87312"/>
-                </a:lnTo>
-                <a:lnTo>
-                  <a:pt x="1686189" y="68262"/>
-                </a:lnTo>
-                <a:lnTo>
-                  <a:pt x="1722702" y="52387"/>
-                </a:lnTo>
-                <a:lnTo>
-                  <a:pt x="1763977" y="36512"/>
-                </a:lnTo>
-                <a:lnTo>
-                  <a:pt x="1810014" y="20637"/>
-                </a:lnTo>
-                <a:lnTo>
-                  <a:pt x="1862402" y="9525"/>
-                </a:lnTo>
-                <a:lnTo>
-                  <a:pt x="1922727" y="3175"/>
-                </a:lnTo>
-                <a:lnTo>
-                  <a:pt x="1990989" y="0"/>
-                </a:lnTo>
-                <a:lnTo>
-                  <a:pt x="2059252" y="3175"/>
-                </a:lnTo>
-                <a:lnTo>
-                  <a:pt x="2119577" y="9525"/>
-                </a:lnTo>
-                <a:lnTo>
-                  <a:pt x="2171964" y="20637"/>
-                </a:lnTo>
-                <a:lnTo>
-                  <a:pt x="2218002" y="36512"/>
-                </a:lnTo>
-                <a:lnTo>
-                  <a:pt x="2259277" y="52387"/>
-                </a:lnTo>
-                <a:lnTo>
-                  <a:pt x="2295789" y="68262"/>
-                </a:lnTo>
-                <a:lnTo>
-                  <a:pt x="2333889" y="87312"/>
-                </a:lnTo>
-                <a:lnTo>
-                  <a:pt x="2371989" y="106362"/>
-                </a:lnTo>
-                <a:lnTo>
-                  <a:pt x="2408502" y="125412"/>
-                </a:lnTo>
-                <a:lnTo>
-                  <a:pt x="2449777" y="141287"/>
-                </a:lnTo>
-                <a:lnTo>
-                  <a:pt x="2495814" y="155575"/>
-                </a:lnTo>
-                <a:lnTo>
-                  <a:pt x="2548202" y="166687"/>
-                </a:lnTo>
-                <a:lnTo>
-                  <a:pt x="2608527" y="174625"/>
-                </a:lnTo>
-                <a:lnTo>
-                  <a:pt x="2676789" y="176212"/>
-                </a:lnTo>
-                <a:lnTo>
-                  <a:pt x="2745052" y="174625"/>
-                </a:lnTo>
-                <a:lnTo>
-                  <a:pt x="2805377" y="166687"/>
-                </a:lnTo>
-                <a:lnTo>
-                  <a:pt x="2857764" y="155575"/>
-                </a:lnTo>
-                <a:lnTo>
-                  <a:pt x="2903802" y="141287"/>
-                </a:lnTo>
-                <a:lnTo>
-                  <a:pt x="2945077" y="125412"/>
-                </a:lnTo>
-                <a:lnTo>
-                  <a:pt x="2981589" y="106362"/>
-                </a:lnTo>
-                <a:lnTo>
-                  <a:pt x="3019689" y="87312"/>
-                </a:lnTo>
-                <a:lnTo>
-                  <a:pt x="3057789" y="68262"/>
-                </a:lnTo>
-                <a:lnTo>
-                  <a:pt x="3094302" y="52387"/>
-                </a:lnTo>
-                <a:lnTo>
-                  <a:pt x="3135577" y="36512"/>
-                </a:lnTo>
-                <a:lnTo>
-                  <a:pt x="3181614" y="20637"/>
-                </a:lnTo>
-                <a:lnTo>
-                  <a:pt x="3234002" y="9525"/>
-                </a:lnTo>
-                <a:lnTo>
-                  <a:pt x="3294327" y="3175"/>
-                </a:lnTo>
-                <a:lnTo>
-                  <a:pt x="3361002" y="0"/>
-                </a:lnTo>
-                <a:lnTo>
-                  <a:pt x="3430852" y="3175"/>
-                </a:lnTo>
-                <a:lnTo>
-                  <a:pt x="3491177" y="9525"/>
-                </a:lnTo>
-                <a:lnTo>
-                  <a:pt x="3543564" y="20637"/>
-                </a:lnTo>
-                <a:lnTo>
-                  <a:pt x="3589602" y="36512"/>
-                </a:lnTo>
-                <a:lnTo>
-                  <a:pt x="3630877" y="52387"/>
-                </a:lnTo>
-                <a:lnTo>
-                  <a:pt x="3667389" y="68262"/>
-                </a:lnTo>
-                <a:lnTo>
-                  <a:pt x="3705489" y="87312"/>
-                </a:lnTo>
-                <a:lnTo>
-                  <a:pt x="3743589" y="106362"/>
-                </a:lnTo>
-                <a:lnTo>
-                  <a:pt x="3780102" y="125412"/>
-                </a:lnTo>
-                <a:lnTo>
-                  <a:pt x="3821377" y="141287"/>
-                </a:lnTo>
-                <a:lnTo>
-                  <a:pt x="3867414" y="155575"/>
-                </a:lnTo>
-                <a:lnTo>
-                  <a:pt x="3919802" y="166687"/>
-                </a:lnTo>
-                <a:lnTo>
-                  <a:pt x="3980127" y="174625"/>
-                </a:lnTo>
-                <a:lnTo>
-                  <a:pt x="4048389" y="176212"/>
-                </a:lnTo>
-                <a:lnTo>
-                  <a:pt x="4116652" y="174625"/>
-                </a:lnTo>
-                <a:lnTo>
-                  <a:pt x="4176977" y="166687"/>
-                </a:lnTo>
-                <a:lnTo>
-                  <a:pt x="4229364" y="155575"/>
-                </a:lnTo>
-                <a:lnTo>
-                  <a:pt x="4275402" y="141287"/>
-                </a:lnTo>
-                <a:lnTo>
-                  <a:pt x="4316677" y="125412"/>
-                </a:lnTo>
-                <a:lnTo>
-                  <a:pt x="4353189" y="106362"/>
-                </a:lnTo>
-                <a:lnTo>
-                  <a:pt x="4429389" y="68262"/>
-                </a:lnTo>
-                <a:lnTo>
-                  <a:pt x="4465902" y="52387"/>
-                </a:lnTo>
-                <a:lnTo>
-                  <a:pt x="4507177" y="36512"/>
-                </a:lnTo>
-                <a:lnTo>
-                  <a:pt x="4553214" y="20637"/>
-                </a:lnTo>
-                <a:lnTo>
-                  <a:pt x="4605602" y="9525"/>
-                </a:lnTo>
-                <a:lnTo>
-                  <a:pt x="4665928" y="3175"/>
-                </a:lnTo>
-                <a:lnTo>
-                  <a:pt x="4734189" y="0"/>
-                </a:lnTo>
-                <a:lnTo>
-                  <a:pt x="4802453" y="3175"/>
-                </a:lnTo>
-                <a:lnTo>
-                  <a:pt x="4862777" y="9525"/>
-                </a:lnTo>
-                <a:lnTo>
-                  <a:pt x="4915165" y="20637"/>
-                </a:lnTo>
-                <a:lnTo>
-                  <a:pt x="4961201" y="36512"/>
-                </a:lnTo>
-                <a:lnTo>
-                  <a:pt x="5002476" y="52387"/>
-                </a:lnTo>
-                <a:lnTo>
-                  <a:pt x="5038989" y="68262"/>
-                </a:lnTo>
-                <a:lnTo>
-                  <a:pt x="5077089" y="87312"/>
-                </a:lnTo>
-                <a:lnTo>
-                  <a:pt x="5115189" y="106362"/>
-                </a:lnTo>
-                <a:lnTo>
-                  <a:pt x="5151701" y="125412"/>
-                </a:lnTo>
-                <a:lnTo>
-                  <a:pt x="5192976" y="141287"/>
-                </a:lnTo>
-                <a:lnTo>
-                  <a:pt x="5239014" y="155575"/>
-                </a:lnTo>
-                <a:lnTo>
-                  <a:pt x="5291401" y="166687"/>
-                </a:lnTo>
-                <a:lnTo>
-                  <a:pt x="5351727" y="174625"/>
-                </a:lnTo>
-                <a:lnTo>
-                  <a:pt x="5410199" y="175985"/>
-                </a:lnTo>
-                <a:lnTo>
-                  <a:pt x="5468671" y="174625"/>
-                </a:lnTo>
-                <a:lnTo>
-                  <a:pt x="5528996" y="166687"/>
-                </a:lnTo>
-                <a:lnTo>
-                  <a:pt x="5581383" y="155575"/>
-                </a:lnTo>
-                <a:lnTo>
-                  <a:pt x="5627421" y="141287"/>
-                </a:lnTo>
-                <a:lnTo>
-                  <a:pt x="5668696" y="125412"/>
-                </a:lnTo>
-                <a:lnTo>
-                  <a:pt x="5705209" y="106362"/>
-                </a:lnTo>
-                <a:lnTo>
-                  <a:pt x="5743308" y="87312"/>
-                </a:lnTo>
-                <a:lnTo>
-                  <a:pt x="5781408" y="68262"/>
-                </a:lnTo>
-                <a:lnTo>
-                  <a:pt x="5817921" y="52387"/>
-                </a:lnTo>
-                <a:lnTo>
-                  <a:pt x="5859196" y="36512"/>
-                </a:lnTo>
-                <a:lnTo>
-                  <a:pt x="5905234" y="20637"/>
-                </a:lnTo>
-                <a:lnTo>
-                  <a:pt x="5957621" y="9525"/>
-                </a:lnTo>
-                <a:lnTo>
-                  <a:pt x="6017947" y="3175"/>
-                </a:lnTo>
-                <a:lnTo>
-                  <a:pt x="6086208" y="0"/>
-                </a:lnTo>
-                <a:lnTo>
-                  <a:pt x="6095999" y="455"/>
-                </a:lnTo>
-                <a:lnTo>
-                  <a:pt x="6105789" y="0"/>
-                </a:lnTo>
-                <a:lnTo>
-                  <a:pt x="6174052" y="3175"/>
-                </a:lnTo>
-                <a:lnTo>
-                  <a:pt x="6234377" y="9525"/>
-                </a:lnTo>
-                <a:lnTo>
-                  <a:pt x="6286764" y="20637"/>
-                </a:lnTo>
-                <a:lnTo>
-                  <a:pt x="6332802" y="36512"/>
-                </a:lnTo>
-                <a:lnTo>
-                  <a:pt x="6374077" y="52387"/>
-                </a:lnTo>
-                <a:lnTo>
-                  <a:pt x="6410589" y="68262"/>
-                </a:lnTo>
-                <a:lnTo>
-                  <a:pt x="6448689" y="87312"/>
-                </a:lnTo>
-                <a:lnTo>
-                  <a:pt x="6486789" y="106362"/>
-                </a:lnTo>
-                <a:lnTo>
-                  <a:pt x="6523302" y="125412"/>
-                </a:lnTo>
-                <a:lnTo>
-                  <a:pt x="6564577" y="141287"/>
-                </a:lnTo>
-                <a:lnTo>
-                  <a:pt x="6610614" y="155575"/>
-                </a:lnTo>
-                <a:lnTo>
-                  <a:pt x="6663002" y="166687"/>
-                </a:lnTo>
-                <a:lnTo>
-                  <a:pt x="6723327" y="174625"/>
-                </a:lnTo>
-                <a:lnTo>
-                  <a:pt x="6781799" y="175985"/>
-                </a:lnTo>
-                <a:lnTo>
-                  <a:pt x="6840271" y="174625"/>
-                </a:lnTo>
-                <a:lnTo>
-                  <a:pt x="6900596" y="166687"/>
-                </a:lnTo>
-                <a:lnTo>
-                  <a:pt x="6952983" y="155575"/>
-                </a:lnTo>
-                <a:lnTo>
-                  <a:pt x="6999021" y="141287"/>
-                </a:lnTo>
-                <a:lnTo>
-                  <a:pt x="7040296" y="125412"/>
-                </a:lnTo>
-                <a:lnTo>
-                  <a:pt x="7076808" y="106362"/>
-                </a:lnTo>
-                <a:lnTo>
-                  <a:pt x="7114908" y="87312"/>
-                </a:lnTo>
-                <a:lnTo>
-                  <a:pt x="7153008" y="68262"/>
-                </a:lnTo>
-                <a:lnTo>
-                  <a:pt x="7189521" y="52387"/>
-                </a:lnTo>
-                <a:lnTo>
-                  <a:pt x="7230796" y="36512"/>
-                </a:lnTo>
-                <a:lnTo>
-                  <a:pt x="7276833" y="20637"/>
-                </a:lnTo>
-                <a:lnTo>
-                  <a:pt x="7329221" y="9525"/>
-                </a:lnTo>
-                <a:lnTo>
-                  <a:pt x="7389546" y="3175"/>
-                </a:lnTo>
-                <a:lnTo>
-                  <a:pt x="7457808" y="0"/>
-                </a:lnTo>
-                <a:lnTo>
-                  <a:pt x="7526071" y="3175"/>
-                </a:lnTo>
-                <a:lnTo>
-                  <a:pt x="7586396" y="9525"/>
-                </a:lnTo>
-                <a:lnTo>
-                  <a:pt x="7638783" y="20637"/>
-                </a:lnTo>
-                <a:lnTo>
-                  <a:pt x="7684821" y="36512"/>
-                </a:lnTo>
-                <a:lnTo>
-                  <a:pt x="7726096" y="52387"/>
-                </a:lnTo>
-                <a:lnTo>
-                  <a:pt x="7762608" y="68262"/>
-                </a:lnTo>
-                <a:lnTo>
-                  <a:pt x="7800708" y="87312"/>
-                </a:lnTo>
-                <a:lnTo>
-                  <a:pt x="7838808" y="106362"/>
-                </a:lnTo>
-                <a:lnTo>
-                  <a:pt x="7875321" y="125412"/>
-                </a:lnTo>
-                <a:lnTo>
-                  <a:pt x="7916596" y="141287"/>
-                </a:lnTo>
-                <a:lnTo>
-                  <a:pt x="7962633" y="155575"/>
-                </a:lnTo>
-                <a:lnTo>
-                  <a:pt x="8015021" y="166687"/>
-                </a:lnTo>
-                <a:lnTo>
-                  <a:pt x="8075346" y="174625"/>
-                </a:lnTo>
-                <a:lnTo>
-                  <a:pt x="8143608" y="176212"/>
-                </a:lnTo>
-                <a:lnTo>
-                  <a:pt x="8211871" y="174625"/>
-                </a:lnTo>
-                <a:lnTo>
-                  <a:pt x="8272196" y="166687"/>
-                </a:lnTo>
-                <a:lnTo>
-                  <a:pt x="8324583" y="155575"/>
-                </a:lnTo>
-                <a:lnTo>
-                  <a:pt x="8370621" y="141287"/>
-                </a:lnTo>
-                <a:lnTo>
-                  <a:pt x="8411896" y="125412"/>
-                </a:lnTo>
-                <a:lnTo>
-                  <a:pt x="8448408" y="106362"/>
-                </a:lnTo>
-                <a:lnTo>
-                  <a:pt x="8486508" y="87312"/>
-                </a:lnTo>
-                <a:lnTo>
-                  <a:pt x="8524608" y="68262"/>
-                </a:lnTo>
-                <a:lnTo>
-                  <a:pt x="8561120" y="52387"/>
-                </a:lnTo>
-                <a:lnTo>
-                  <a:pt x="8602396" y="36512"/>
-                </a:lnTo>
-                <a:lnTo>
-                  <a:pt x="8648432" y="20637"/>
-                </a:lnTo>
-                <a:lnTo>
-                  <a:pt x="8700820" y="9525"/>
-                </a:lnTo>
-                <a:lnTo>
-                  <a:pt x="8761146" y="3175"/>
-                </a:lnTo>
-                <a:lnTo>
-                  <a:pt x="8827820" y="0"/>
-                </a:lnTo>
-                <a:lnTo>
-                  <a:pt x="8897670" y="3175"/>
-                </a:lnTo>
-                <a:lnTo>
-                  <a:pt x="8957996" y="9525"/>
-                </a:lnTo>
-                <a:lnTo>
-                  <a:pt x="9010382" y="20637"/>
-                </a:lnTo>
-                <a:lnTo>
-                  <a:pt x="9056420" y="36512"/>
-                </a:lnTo>
-                <a:lnTo>
-                  <a:pt x="9097696" y="52387"/>
-                </a:lnTo>
-                <a:lnTo>
-                  <a:pt x="9134208" y="68262"/>
-                </a:lnTo>
-                <a:lnTo>
-                  <a:pt x="9172308" y="87312"/>
-                </a:lnTo>
-                <a:lnTo>
-                  <a:pt x="9210408" y="106362"/>
-                </a:lnTo>
-                <a:lnTo>
-                  <a:pt x="9246920" y="125412"/>
-                </a:lnTo>
-                <a:lnTo>
-                  <a:pt x="9288196" y="141287"/>
-                </a:lnTo>
-                <a:lnTo>
-                  <a:pt x="9334232" y="155575"/>
-                </a:lnTo>
-                <a:lnTo>
-                  <a:pt x="9386620" y="166687"/>
-                </a:lnTo>
-                <a:lnTo>
-                  <a:pt x="9446946" y="174625"/>
-                </a:lnTo>
-                <a:lnTo>
-                  <a:pt x="9515208" y="176212"/>
-                </a:lnTo>
-                <a:lnTo>
-                  <a:pt x="9583470" y="174625"/>
-                </a:lnTo>
-                <a:lnTo>
-                  <a:pt x="9643796" y="166687"/>
-                </a:lnTo>
-                <a:lnTo>
-                  <a:pt x="9696182" y="155575"/>
-                </a:lnTo>
-                <a:lnTo>
-                  <a:pt x="9742220" y="141287"/>
-                </a:lnTo>
-                <a:lnTo>
-                  <a:pt x="9783496" y="125412"/>
-                </a:lnTo>
-                <a:lnTo>
-                  <a:pt x="9820008" y="106362"/>
-                </a:lnTo>
-                <a:lnTo>
-                  <a:pt x="9896208" y="68262"/>
-                </a:lnTo>
-                <a:lnTo>
-                  <a:pt x="9932720" y="52387"/>
-                </a:lnTo>
-                <a:lnTo>
-                  <a:pt x="9973996" y="36512"/>
-                </a:lnTo>
-                <a:lnTo>
-                  <a:pt x="10020032" y="20637"/>
-                </a:lnTo>
-                <a:lnTo>
-                  <a:pt x="10072420" y="9525"/>
-                </a:lnTo>
-                <a:lnTo>
-                  <a:pt x="10132746" y="3175"/>
-                </a:lnTo>
-                <a:lnTo>
-                  <a:pt x="10201008" y="0"/>
-                </a:lnTo>
-                <a:lnTo>
-                  <a:pt x="10269270" y="3175"/>
-                </a:lnTo>
-                <a:lnTo>
-                  <a:pt x="10329596" y="9525"/>
-                </a:lnTo>
-                <a:lnTo>
-                  <a:pt x="10381982" y="20637"/>
-                </a:lnTo>
-                <a:lnTo>
-                  <a:pt x="10428020" y="36512"/>
-                </a:lnTo>
-                <a:lnTo>
-                  <a:pt x="10469296" y="52387"/>
-                </a:lnTo>
-                <a:lnTo>
-                  <a:pt x="10505808" y="68262"/>
-                </a:lnTo>
-                <a:lnTo>
-                  <a:pt x="10543908" y="87312"/>
-                </a:lnTo>
-                <a:lnTo>
-                  <a:pt x="10582008" y="106362"/>
-                </a:lnTo>
-                <a:lnTo>
-                  <a:pt x="10618520" y="125412"/>
-                </a:lnTo>
-                <a:lnTo>
-                  <a:pt x="10659796" y="141287"/>
-                </a:lnTo>
-                <a:lnTo>
-                  <a:pt x="10705832" y="155575"/>
-                </a:lnTo>
-                <a:lnTo>
-                  <a:pt x="10758220" y="166687"/>
-                </a:lnTo>
-                <a:lnTo>
-                  <a:pt x="10818546" y="174625"/>
-                </a:lnTo>
-                <a:lnTo>
-                  <a:pt x="10886808" y="176212"/>
-                </a:lnTo>
-                <a:lnTo>
-                  <a:pt x="10955070" y="174625"/>
-                </a:lnTo>
-                <a:lnTo>
-                  <a:pt x="11015396" y="166687"/>
-                </a:lnTo>
-                <a:lnTo>
-                  <a:pt x="11067782" y="155575"/>
-                </a:lnTo>
-                <a:lnTo>
-                  <a:pt x="11113820" y="141287"/>
-                </a:lnTo>
-                <a:lnTo>
-                  <a:pt x="11155096" y="125412"/>
-                </a:lnTo>
-                <a:lnTo>
-                  <a:pt x="11191608" y="106362"/>
-                </a:lnTo>
-                <a:lnTo>
-                  <a:pt x="11229708" y="87312"/>
-                </a:lnTo>
-                <a:lnTo>
-                  <a:pt x="11267808" y="68262"/>
-                </a:lnTo>
-                <a:lnTo>
-                  <a:pt x="11304320" y="52387"/>
-                </a:lnTo>
-                <a:lnTo>
-                  <a:pt x="11345596" y="36512"/>
-                </a:lnTo>
-                <a:lnTo>
-                  <a:pt x="11391632" y="20637"/>
-                </a:lnTo>
-                <a:lnTo>
-                  <a:pt x="11444020" y="9525"/>
-                </a:lnTo>
-                <a:lnTo>
-                  <a:pt x="11504346" y="3175"/>
-                </a:lnTo>
-                <a:lnTo>
-                  <a:pt x="11572608" y="0"/>
-                </a:lnTo>
-                <a:lnTo>
-                  <a:pt x="11640870" y="3175"/>
-                </a:lnTo>
-                <a:lnTo>
-                  <a:pt x="11701196" y="9525"/>
-                </a:lnTo>
-                <a:lnTo>
-                  <a:pt x="11753582" y="20637"/>
-                </a:lnTo>
-                <a:lnTo>
-                  <a:pt x="11799620" y="36512"/>
-                </a:lnTo>
-                <a:lnTo>
-                  <a:pt x="11840896" y="52387"/>
-                </a:lnTo>
-                <a:lnTo>
-                  <a:pt x="11877408" y="68262"/>
-                </a:lnTo>
-                <a:lnTo>
-                  <a:pt x="11915508" y="87312"/>
-                </a:lnTo>
-                <a:lnTo>
-                  <a:pt x="11953608" y="106362"/>
-                </a:lnTo>
-                <a:lnTo>
-                  <a:pt x="11990120" y="125412"/>
-                </a:lnTo>
-                <a:lnTo>
-                  <a:pt x="12031396" y="141287"/>
-                </a:lnTo>
-                <a:lnTo>
-                  <a:pt x="12077432" y="155575"/>
-                </a:lnTo>
-                <a:lnTo>
-                  <a:pt x="12129820" y="166688"/>
-                </a:lnTo>
-                <a:lnTo>
-                  <a:pt x="12190146" y="174625"/>
-                </a:lnTo>
-                <a:lnTo>
-                  <a:pt x="12192000" y="174668"/>
-                </a:lnTo>
-                <a:lnTo>
-                  <a:pt x="12192000" y="885826"/>
-                </a:lnTo>
-                <a:lnTo>
-                  <a:pt x="12192000" y="1787292"/>
-                </a:lnTo>
-                <a:lnTo>
-                  <a:pt x="0" y="1787292"/>
-                </a:lnTo>
-                <a:lnTo>
-                  <a:pt x="0" y="885826"/>
-                </a:lnTo>
-                <a:lnTo>
-                  <a:pt x="0" y="174668"/>
-                </a:lnTo>
-                <a:lnTo>
-                  <a:pt x="1852" y="174625"/>
-                </a:lnTo>
-                <a:lnTo>
-                  <a:pt x="62177" y="166687"/>
-                </a:lnTo>
-                <a:lnTo>
-                  <a:pt x="114564" y="155575"/>
-                </a:lnTo>
-                <a:lnTo>
-                  <a:pt x="160602" y="141287"/>
-                </a:lnTo>
-                <a:lnTo>
-                  <a:pt x="201877" y="125412"/>
-                </a:lnTo>
-                <a:lnTo>
-                  <a:pt x="238389" y="106362"/>
-                </a:lnTo>
-                <a:lnTo>
-                  <a:pt x="276489" y="87312"/>
-                </a:lnTo>
-                <a:lnTo>
-                  <a:pt x="314589" y="68262"/>
-                </a:lnTo>
-                <a:lnTo>
-                  <a:pt x="351102" y="52387"/>
-                </a:lnTo>
-                <a:lnTo>
-                  <a:pt x="392377" y="36512"/>
-                </a:lnTo>
-                <a:lnTo>
-                  <a:pt x="438414" y="20637"/>
-                </a:lnTo>
-                <a:lnTo>
-                  <a:pt x="490802" y="9525"/>
-                </a:lnTo>
-                <a:lnTo>
-                  <a:pt x="551127" y="3175"/>
-                </a:lnTo>
-                <a:close/>
-              </a:path>
-            </a:pathLst>
-          </a:custGeom>
-          <a:solidFill>
-            <a:schemeClr val="accent1"/>
-          </a:solidFill>
-          <a:ln>
-            <a:noFill/>
-          </a:ln>
-        </p:spPr>
-        <p:style>
-          <a:lnRef idx="2">
-            <a:schemeClr val="accent1">
-              <a:shade val="50000"/>
-            </a:schemeClr>
-          </a:lnRef>
-          <a:fillRef idx="1">
-            <a:schemeClr val="accent1"/>
-          </a:fillRef>
-          <a:effectRef idx="0">
-            <a:schemeClr val="accent1"/>
-          </a:effectRef>
-          <a:fontRef idx="minor">
-            <a:schemeClr val="lt1"/>
-          </a:fontRef>
-        </p:style>
-        <p:txBody>
-          <a:bodyPr rtlCol="0" anchor="ctr"/>
-          <a:lstStyle/>
-          <a:p>
-            <a:pPr algn="ctr"/>
-            <a:endParaRPr lang="en-US"/>
-          </a:p>
-        </p:txBody>
-      </p:sp>
-    </p:spTree>
-    <p:extLst>
-      <p:ext uri="{BB962C8B-B14F-4D97-AF65-F5344CB8AC3E}">
-        <p14:creationId xmlns:p14="http://schemas.microsoft.com/office/powerpoint/2010/main" val="2842679762"/>
-      </p:ext>
-    </p:extLst>
-  </p:cSld>
-  <p:clrMapOvr>
-    <a:masterClrMapping/>
-  </p:clrMapOvr>
-  <p:timing>
-    <p:tnLst>
-      <p:par>
-        <p:cTn id="1" dur="indefinite" restart="never" nodeType="tmRoot">
-          <p:childTnLst>
-            <p:seq concurrent="1" nextAc="seek">
-              <p:cTn id="2" dur="indefinite" nodeType="mainSeq">
-                <p:childTnLst>
-                  <p:par>
-                    <p:cTn id="3" fill="hold">
-                      <p:stCondLst>
-                        <p:cond delay="indefinite"/>
-                        <p:cond evt="onBegin" delay="0">
-                          <p:tn val="2"/>
-                        </p:cond>
-                      </p:stCondLst>
-                      <p:childTnLst>
-                        <p:par>
-                          <p:cTn id="4" fill="hold">
-                            <p:stCondLst>
-                              <p:cond delay="0"/>
-                            </p:stCondLst>
-                            <p:childTnLst>
-                              <p:par>
-                                <p:cTn id="5" presetID="10" presetClass="entr" presetSubtype="0" fill="hold" grpId="0" nodeType="withEffect">
-                                  <p:stCondLst>
-                                    <p:cond delay="500"/>
-                                  </p:stCondLst>
-                                  <p:iterate type="wd">
-                                    <p:tmPct val="15000"/>
-                                  </p:iterate>
-                                  <p:childTnLst>
-                                    <p:set>
-                                      <p:cBhvr>
-                                        <p:cTn id="6" dur="1" fill="hold">
-                                          <p:stCondLst>
-                                            <p:cond delay="0"/>
-                                          </p:stCondLst>
-                                        </p:cTn>
-                                        <p:tgtEl>
-                                          <p:spTgt spid="2"/>
-                                        </p:tgtEl>
-                                        <p:attrNameLst>
-                                          <p:attrName>style.visibility</p:attrName>
-                                        </p:attrNameLst>
-                                      </p:cBhvr>
-                                      <p:to>
-                                        <p:strVal val="visible"/>
-                                      </p:to>
-                                    </p:set>
-                                    <p:animEffect transition="in" filter="fade">
-                                      <p:cBhvr>
-                                        <p:cTn id="7" dur="1000"/>
-                                        <p:tgtEl>
-                                          <p:spTgt spid="2"/>
-                                        </p:tgtEl>
-                                      </p:cBhvr>
-                                    </p:animEffect>
-                                  </p:childTnLst>
-                                </p:cTn>
-                              </p:par>
-                            </p:childTnLst>
-                          </p:cTn>
-                        </p:par>
-                      </p:childTnLst>
-                    </p:cTn>
-                  </p:par>
-                </p:childTnLst>
-              </p:cTn>
-              <p:prevCondLst>
-                <p:cond evt="onPrev" delay="0">
-                  <p:tgtEl>
-                    <p:sldTgt/>
-                  </p:tgtEl>
-                </p:cond>
-              </p:prevCondLst>
-              <p:nextCondLst>
-                <p:cond evt="onNext" delay="0">
-                  <p:tgtEl>
-                    <p:sldTgt/>
-                  </p:tgtEl>
-                </p:cond>
-              </p:nextCondLst>
-            </p:seq>
-          </p:childTnLst>
-        </p:cTn>
-      </p:par>
-    </p:tnLst>
-    <p:bldLst>
-      <p:bldP spid="2" grpId="0"/>
-    </p:bldLst>
-  </p:timing>
-</p:sld>
-</file>
-
-<file path=ppt/slides/slide17.xml><?xml version="1.0" encoding="utf-8"?>
-<p:sld xmlns:a="http://schemas.openxmlformats.org/drawingml/2006/main" xmlns:r="http://schemas.openxmlformats.org/officeDocument/2006/relationships" xmlns:p="http://schemas.openxmlformats.org/presentationml/2006/main">
-  <p:cSld>
-    <p:spTree>
-      <p:nvGrpSpPr>
-        <p:cNvPr id="1" name=""/>
-        <p:cNvGrpSpPr/>
-        <p:nvPr/>
-      </p:nvGrpSpPr>
-      <p:grpSpPr>
-        <a:xfrm>
-          <a:off x="0" y="0"/>
-          <a:ext cx="0" cy="0"/>
-          <a:chOff x="0" y="0"/>
-          <a:chExt cx="0" cy="0"/>
-        </a:xfrm>
-      </p:grpSpPr>
-      <p:grpSp>
-        <p:nvGrpSpPr>
-          <p:cNvPr id="4" name="グループ化 3">
-            <a:extLst>
-              <a:ext uri="{FF2B5EF4-FFF2-40B4-BE49-F238E27FC236}">
-                <a16:creationId xmlns:a16="http://schemas.microsoft.com/office/drawing/2014/main" id="{2B5414F4-961E-F8D4-FA42-34D613034548}"/>
-              </a:ext>
-            </a:extLst>
-          </p:cNvPr>
-          <p:cNvGrpSpPr/>
-          <p:nvPr/>
-        </p:nvGrpSpPr>
-        <p:grpSpPr>
-          <a:xfrm>
-            <a:off x="-156089" y="-1"/>
-            <a:ext cx="12348089" cy="634258"/>
-            <a:chOff x="-156089" y="-1"/>
-            <a:chExt cx="12348089" cy="634258"/>
-          </a:xfrm>
-        </p:grpSpPr>
-        <p:sp>
-          <p:nvSpPr>
-            <p:cNvPr id="5" name="正方形/長方形 4">
-              <a:extLst>
-                <a:ext uri="{FF2B5EF4-FFF2-40B4-BE49-F238E27FC236}">
-                  <a16:creationId xmlns:a16="http://schemas.microsoft.com/office/drawing/2014/main" id="{7E8B3632-54A3-E7DF-0CEB-F0F51E36AD0C}"/>
-                </a:ext>
-              </a:extLst>
-            </p:cNvPr>
-            <p:cNvSpPr/>
-            <p:nvPr/>
-          </p:nvSpPr>
-          <p:spPr>
-            <a:xfrm>
-              <a:off x="0" y="-1"/>
-              <a:ext cx="12192000" cy="505841"/>
-            </a:xfrm>
-            <a:prstGeom prst="rect">
-              <a:avLst/>
-            </a:prstGeom>
-            <a:ln>
-              <a:solidFill>
-                <a:schemeClr val="tx2">
-                  <a:lumMod val="90000"/>
-                  <a:lumOff val="10000"/>
-                </a:schemeClr>
-              </a:solidFill>
-            </a:ln>
-          </p:spPr>
-          <p:style>
-            <a:lnRef idx="2">
-              <a:schemeClr val="dk1">
-                <a:shade val="50000"/>
-              </a:schemeClr>
-            </a:lnRef>
-            <a:fillRef idx="1">
-              <a:schemeClr val="dk1"/>
-            </a:fillRef>
-            <a:effectRef idx="0">
-              <a:schemeClr val="dk1"/>
-            </a:effectRef>
-            <a:fontRef idx="minor">
-              <a:schemeClr val="lt1"/>
-            </a:fontRef>
-          </p:style>
-          <p:txBody>
-            <a:bodyPr rtlCol="0" anchor="ctr"/>
-            <a:lstStyle/>
-            <a:p>
-              <a:pPr algn="ctr"/>
-              <a:endParaRPr kumimoji="1" lang="ja-JP" altLang="en-US" dirty="0"/>
-            </a:p>
-          </p:txBody>
-        </p:sp>
-        <p:sp>
-          <p:nvSpPr>
-            <p:cNvPr id="6" name="タイトル 1">
-              <a:extLst>
-                <a:ext uri="{FF2B5EF4-FFF2-40B4-BE49-F238E27FC236}">
-                  <a16:creationId xmlns:a16="http://schemas.microsoft.com/office/drawing/2014/main" id="{0FCCE766-13B2-7876-143D-B7197ADF21F7}"/>
-                </a:ext>
-              </a:extLst>
-            </p:cNvPr>
-            <p:cNvSpPr txBox="1">
-              <a:spLocks/>
-            </p:cNvSpPr>
-            <p:nvPr/>
-          </p:nvSpPr>
-          <p:spPr>
-            <a:xfrm>
-              <a:off x="-156089" y="36280"/>
-              <a:ext cx="8610772" cy="597977"/>
-            </a:xfrm>
-            <a:prstGeom prst="rect">
-              <a:avLst/>
-            </a:prstGeom>
-          </p:spPr>
-          <p:txBody>
-            <a:bodyPr vert="horz" lIns="91440" tIns="45720" rIns="91440" bIns="45720" rtlCol="0" anchor="t">
-              <a:normAutofit/>
-            </a:bodyPr>
-            <a:lstStyle>
-              <a:lvl1pPr algn="l" defTabSz="914400" rtl="0" eaLnBrk="1" latinLnBrk="0" hangingPunct="1">
-                <a:lnSpc>
-                  <a:spcPct val="90000"/>
-                </a:lnSpc>
-                <a:spcBef>
-                  <a:spcPct val="0"/>
-                </a:spcBef>
-                <a:buNone/>
-                <a:defRPr kumimoji="1" sz="5100" kern="1200" cap="all" spc="200" baseline="0">
-                  <a:solidFill>
-                    <a:schemeClr val="tx2"/>
-                  </a:solidFill>
-                  <a:latin typeface="+mj-lt"/>
-                  <a:ea typeface="+mj-ea"/>
-                  <a:cs typeface="+mj-cs"/>
-                </a:defRPr>
-              </a:lvl1pPr>
-            </a:lstStyle>
-            <a:p>
-              <a:r>
-                <a:rPr lang="ja-JP" altLang="en-US" sz="2800" cap="none" dirty="0">
-                  <a:solidFill>
-                    <a:schemeClr val="bg1"/>
-                  </a:solidFill>
-                </a:rPr>
-                <a:t>・ローカルリポジトリを作成する</a:t>
-              </a:r>
-              <a:endParaRPr lang="ja-JP" altLang="en-US" sz="2800" dirty="0">
-                <a:solidFill>
-                  <a:schemeClr val="bg1"/>
-                </a:solidFill>
-              </a:endParaRPr>
-            </a:p>
-          </p:txBody>
-        </p:sp>
-      </p:grpSp>
-      <p:sp>
-        <p:nvSpPr>
-          <p:cNvPr id="28" name="コンテンツ プレースホルダー 5">
-            <a:extLst>
-              <a:ext uri="{FF2B5EF4-FFF2-40B4-BE49-F238E27FC236}">
-                <a16:creationId xmlns:a16="http://schemas.microsoft.com/office/drawing/2014/main" id="{AF7EE2C0-C046-C53B-9806-8D4C5E8CD62E}"/>
-              </a:ext>
-            </a:extLst>
-          </p:cNvPr>
-          <p:cNvSpPr>
-            <a:spLocks noGrp="1"/>
-          </p:cNvSpPr>
-          <p:nvPr>
-            <p:ph idx="1"/>
-          </p:nvPr>
-        </p:nvSpPr>
-        <p:spPr>
-          <a:xfrm>
-            <a:off x="891914" y="616030"/>
-            <a:ext cx="10830394" cy="1293015"/>
-          </a:xfrm>
-        </p:spPr>
-        <p:txBody>
-          <a:bodyPr>
-            <a:normAutofit/>
-          </a:bodyPr>
-          <a:lstStyle/>
-          <a:p>
-            <a:r>
-              <a:rPr lang="en-US" altLang="ja-JP" sz="2400" dirty="0" err="1"/>
-              <a:t>pwd</a:t>
-            </a:r>
-            <a:r>
-              <a:rPr lang="ja-JP" altLang="en-US" sz="2400" dirty="0"/>
-              <a:t>コマンドを使ってみましょう！</a:t>
-            </a:r>
-            <a:endParaRPr lang="en-US" altLang="ja-JP" sz="2200" dirty="0"/>
-          </a:p>
-          <a:p>
-            <a:r>
-              <a:rPr lang="en-US" altLang="ja-JP" sz="2200" dirty="0" err="1"/>
-              <a:t>pwd</a:t>
-            </a:r>
-            <a:r>
-              <a:rPr lang="ja-JP" altLang="en-US" sz="2200" dirty="0"/>
-              <a:t>とは</a:t>
-            </a:r>
-            <a:r>
-              <a:rPr lang="en-US" altLang="ja-JP" sz="2200" dirty="0"/>
-              <a:t>Git Bash</a:t>
-            </a:r>
-            <a:r>
-              <a:rPr lang="ja-JP" altLang="en-US" sz="2200" dirty="0"/>
-              <a:t>が今どの階層にフォーカスしているかを表示することができます</a:t>
-            </a:r>
-            <a:endParaRPr lang="en-US" altLang="ja-JP" sz="2400" dirty="0"/>
-          </a:p>
-        </p:txBody>
-      </p:sp>
-      <p:pic>
-        <p:nvPicPr>
-          <p:cNvPr id="30" name="図 29" descr="テキスト&#10;&#10;自動的に生成された説明">
-            <a:extLst>
-              <a:ext uri="{FF2B5EF4-FFF2-40B4-BE49-F238E27FC236}">
-                <a16:creationId xmlns:a16="http://schemas.microsoft.com/office/drawing/2014/main" id="{0AA55EC3-278E-DB31-0A72-53695D66D944}"/>
-              </a:ext>
-            </a:extLst>
-          </p:cNvPr>
-          <p:cNvPicPr>
-            <a:picLocks noChangeAspect="1"/>
-          </p:cNvPicPr>
-          <p:nvPr/>
-        </p:nvPicPr>
-        <p:blipFill>
-          <a:blip r:embed="rId2">
-            <a:extLst>
-              <a:ext uri="{28A0092B-C50C-407E-A947-70E740481C1C}">
-                <a14:useLocalDpi xmlns:a14="http://schemas.microsoft.com/office/drawing/2010/main" val="0"/>
-              </a:ext>
-            </a:extLst>
-          </a:blip>
-          <a:stretch>
-            <a:fillRect/>
-          </a:stretch>
-        </p:blipFill>
-        <p:spPr>
-          <a:xfrm>
-            <a:off x="891914" y="1561157"/>
-            <a:ext cx="4647546" cy="1867843"/>
-          </a:xfrm>
-          <a:prstGeom prst="rect">
-            <a:avLst/>
-          </a:prstGeom>
-          <a:ln>
-            <a:noFill/>
-          </a:ln>
-          <a:effectLst>
-            <a:outerShdw blurRad="292100" dist="139700" dir="2700000" algn="tl" rotWithShape="0">
-              <a:srgbClr val="333333">
-                <a:alpha val="65000"/>
-              </a:srgbClr>
-            </a:outerShdw>
-          </a:effectLst>
-        </p:spPr>
-      </p:pic>
-      <p:pic>
-        <p:nvPicPr>
-          <p:cNvPr id="32" name="図 31" descr="テキスト&#10;&#10;自動的に生成された説明">
-            <a:extLst>
-              <a:ext uri="{FF2B5EF4-FFF2-40B4-BE49-F238E27FC236}">
-                <a16:creationId xmlns:a16="http://schemas.microsoft.com/office/drawing/2014/main" id="{372CB2EB-0F8B-FCFD-16C2-25E9AA3EF745}"/>
-              </a:ext>
-            </a:extLst>
-          </p:cNvPr>
-          <p:cNvPicPr>
-            <a:picLocks noChangeAspect="1"/>
-          </p:cNvPicPr>
-          <p:nvPr/>
-        </p:nvPicPr>
-        <p:blipFill>
-          <a:blip r:embed="rId3">
-            <a:extLst>
-              <a:ext uri="{28A0092B-C50C-407E-A947-70E740481C1C}">
-                <a14:useLocalDpi xmlns:a14="http://schemas.microsoft.com/office/drawing/2010/main" val="0"/>
-              </a:ext>
-            </a:extLst>
-          </a:blip>
-          <a:stretch>
-            <a:fillRect/>
-          </a:stretch>
-        </p:blipFill>
-        <p:spPr>
-          <a:xfrm>
-            <a:off x="910802" y="4579624"/>
-            <a:ext cx="4647546" cy="1693292"/>
-          </a:xfrm>
-          <a:prstGeom prst="rect">
-            <a:avLst/>
-          </a:prstGeom>
-          <a:ln>
-            <a:noFill/>
-          </a:ln>
-          <a:effectLst>
-            <a:outerShdw blurRad="292100" dist="139700" dir="2700000" algn="tl" rotWithShape="0">
-              <a:srgbClr val="333333">
-                <a:alpha val="65000"/>
-              </a:srgbClr>
-            </a:outerShdw>
-          </a:effectLst>
-        </p:spPr>
-      </p:pic>
-      <p:sp>
-        <p:nvSpPr>
-          <p:cNvPr id="33" name="矢印: 下 32">
-            <a:extLst>
-              <a:ext uri="{FF2B5EF4-FFF2-40B4-BE49-F238E27FC236}">
-                <a16:creationId xmlns:a16="http://schemas.microsoft.com/office/drawing/2014/main" id="{4E83C4F1-D263-7516-39DA-C989EB24FD75}"/>
-              </a:ext>
-            </a:extLst>
-          </p:cNvPr>
-          <p:cNvSpPr/>
-          <p:nvPr/>
-        </p:nvSpPr>
-        <p:spPr>
-          <a:xfrm>
-            <a:off x="2338466" y="3746913"/>
-            <a:ext cx="1319135" cy="653330"/>
-          </a:xfrm>
-          <a:prstGeom prst="downArrow">
-            <a:avLst/>
-          </a:prstGeom>
-          <a:ln/>
-        </p:spPr>
-        <p:style>
-          <a:lnRef idx="2">
-            <a:schemeClr val="accent5">
-              <a:shade val="50000"/>
-            </a:schemeClr>
-          </a:lnRef>
-          <a:fillRef idx="1">
-            <a:schemeClr val="accent5"/>
-          </a:fillRef>
-          <a:effectRef idx="0">
-            <a:schemeClr val="accent5"/>
-          </a:effectRef>
-          <a:fontRef idx="minor">
-            <a:schemeClr val="lt1"/>
-          </a:fontRef>
-        </p:style>
-        <p:txBody>
-          <a:bodyPr rtlCol="0" anchor="ctr"/>
-          <a:lstStyle/>
-          <a:p>
-            <a:pPr algn="ctr"/>
-            <a:endParaRPr kumimoji="1" lang="ja-JP" altLang="en-US">
-              <a:ln w="0"/>
-              <a:solidFill>
-                <a:schemeClr val="tx1"/>
-              </a:solidFill>
-              <a:effectLst>
-                <a:outerShdw blurRad="38100" dist="19050" dir="2700000" algn="tl" rotWithShape="0">
-                  <a:schemeClr val="dk1">
-                    <a:alpha val="40000"/>
-                  </a:schemeClr>
-                </a:outerShdw>
-              </a:effectLst>
-            </a:endParaRPr>
-          </a:p>
-        </p:txBody>
-      </p:sp>
-      <p:sp>
-        <p:nvSpPr>
-          <p:cNvPr id="34" name="テキスト ボックス 33">
-            <a:extLst>
-              <a:ext uri="{FF2B5EF4-FFF2-40B4-BE49-F238E27FC236}">
-                <a16:creationId xmlns:a16="http://schemas.microsoft.com/office/drawing/2014/main" id="{D03F0605-CC64-23B5-B522-833711356211}"/>
-              </a:ext>
-            </a:extLst>
-          </p:cNvPr>
-          <p:cNvSpPr txBox="1"/>
-          <p:nvPr/>
-        </p:nvSpPr>
-        <p:spPr>
-          <a:xfrm>
-            <a:off x="5558348" y="1909045"/>
-            <a:ext cx="1497526" cy="369332"/>
-          </a:xfrm>
-          <a:prstGeom prst="rect">
-            <a:avLst/>
-          </a:prstGeom>
-          <a:noFill/>
-        </p:spPr>
-        <p:txBody>
-          <a:bodyPr wrap="none" rtlCol="0">
-            <a:spAutoFit/>
-          </a:bodyPr>
-          <a:lstStyle/>
-          <a:p>
-            <a:r>
-              <a:rPr kumimoji="1" lang="ja-JP" altLang="en-US" dirty="0">
-                <a:solidFill>
-                  <a:srgbClr val="FF0000"/>
-                </a:solidFill>
-              </a:rPr>
-              <a:t>←</a:t>
-            </a:r>
-            <a:r>
-              <a:rPr kumimoji="1" lang="en-US" altLang="ja-JP" dirty="0" err="1">
-                <a:solidFill>
-                  <a:srgbClr val="FF0000"/>
-                </a:solidFill>
-              </a:rPr>
-              <a:t>pwd</a:t>
-            </a:r>
-            <a:r>
-              <a:rPr kumimoji="1" lang="ja-JP" altLang="en-US" dirty="0">
-                <a:solidFill>
-                  <a:srgbClr val="FF0000"/>
-                </a:solidFill>
-              </a:rPr>
-              <a:t>を入力</a:t>
-            </a:r>
-          </a:p>
-        </p:txBody>
-      </p:sp>
-      <p:sp>
-        <p:nvSpPr>
-          <p:cNvPr id="35" name="テキスト ボックス 34">
-            <a:extLst>
-              <a:ext uri="{FF2B5EF4-FFF2-40B4-BE49-F238E27FC236}">
-                <a16:creationId xmlns:a16="http://schemas.microsoft.com/office/drawing/2014/main" id="{DB587224-23E7-99F0-7F63-4CC65C42650F}"/>
-              </a:ext>
-            </a:extLst>
-          </p:cNvPr>
-          <p:cNvSpPr txBox="1"/>
-          <p:nvPr/>
-        </p:nvSpPr>
-        <p:spPr>
-          <a:xfrm>
-            <a:off x="5593946" y="4948956"/>
-            <a:ext cx="2079415" cy="369332"/>
-          </a:xfrm>
-          <a:prstGeom prst="rect">
-            <a:avLst/>
-          </a:prstGeom>
-          <a:noFill/>
-        </p:spPr>
-        <p:txBody>
-          <a:bodyPr wrap="none" rtlCol="0">
-            <a:spAutoFit/>
-          </a:bodyPr>
-          <a:lstStyle/>
-          <a:p>
-            <a:r>
-              <a:rPr kumimoji="1" lang="ja-JP" altLang="en-US" dirty="0">
-                <a:solidFill>
-                  <a:srgbClr val="FF0000"/>
-                </a:solidFill>
-              </a:rPr>
-              <a:t>←</a:t>
-            </a:r>
-            <a:r>
-              <a:rPr kumimoji="1" lang="en-US" altLang="ja-JP" dirty="0">
-                <a:solidFill>
-                  <a:srgbClr val="FF0000"/>
-                </a:solidFill>
-              </a:rPr>
-              <a:t>Enter</a:t>
-            </a:r>
-            <a:r>
-              <a:rPr kumimoji="1" lang="ja-JP" altLang="en-US" dirty="0">
-                <a:solidFill>
-                  <a:srgbClr val="FF0000"/>
-                </a:solidFill>
-              </a:rPr>
-              <a:t>クリック後</a:t>
-            </a:r>
-          </a:p>
-        </p:txBody>
-      </p:sp>
-      <p:sp>
-        <p:nvSpPr>
-          <p:cNvPr id="36" name="正方形/長方形 35">
-            <a:extLst>
-              <a:ext uri="{FF2B5EF4-FFF2-40B4-BE49-F238E27FC236}">
-                <a16:creationId xmlns:a16="http://schemas.microsoft.com/office/drawing/2014/main" id="{D5A4733F-44F6-4503-8C62-3738AB5B4296}"/>
-              </a:ext>
-            </a:extLst>
-          </p:cNvPr>
-          <p:cNvSpPr/>
-          <p:nvPr/>
-        </p:nvSpPr>
-        <p:spPr>
-          <a:xfrm>
-            <a:off x="891914" y="5723211"/>
-            <a:ext cx="2136099" cy="376368"/>
-          </a:xfrm>
-          <a:prstGeom prst="rect">
-            <a:avLst/>
-          </a:prstGeom>
-          <a:noFill/>
-          <a:ln w="76200">
-            <a:solidFill>
-              <a:srgbClr val="FF0000"/>
-            </a:solidFill>
-          </a:ln>
-        </p:spPr>
-        <p:style>
-          <a:lnRef idx="2">
-            <a:schemeClr val="accent1">
-              <a:shade val="50000"/>
-            </a:schemeClr>
-          </a:lnRef>
-          <a:fillRef idx="1">
-            <a:schemeClr val="accent1"/>
-          </a:fillRef>
-          <a:effectRef idx="0">
-            <a:schemeClr val="accent1"/>
-          </a:effectRef>
-          <a:fontRef idx="minor">
-            <a:schemeClr val="lt1"/>
-          </a:fontRef>
-        </p:style>
-        <p:txBody>
-          <a:bodyPr rtlCol="0" anchor="ctr"/>
-          <a:lstStyle/>
-          <a:p>
-            <a:pPr algn="ctr"/>
-            <a:endParaRPr kumimoji="1" lang="ja-JP" altLang="en-US"/>
-          </a:p>
-        </p:txBody>
-      </p:sp>
-      <p:sp>
-        <p:nvSpPr>
-          <p:cNvPr id="37" name="テキスト ボックス 36">
-            <a:extLst>
-              <a:ext uri="{FF2B5EF4-FFF2-40B4-BE49-F238E27FC236}">
-                <a16:creationId xmlns:a16="http://schemas.microsoft.com/office/drawing/2014/main" id="{68D7A906-0988-F405-D194-25D13578C57F}"/>
-              </a:ext>
-            </a:extLst>
-          </p:cNvPr>
-          <p:cNvSpPr txBox="1"/>
-          <p:nvPr/>
-        </p:nvSpPr>
-        <p:spPr>
-          <a:xfrm>
-            <a:off x="2998033" y="5730247"/>
-            <a:ext cx="1569660" cy="369332"/>
-          </a:xfrm>
-          <a:prstGeom prst="rect">
-            <a:avLst/>
-          </a:prstGeom>
-          <a:noFill/>
-        </p:spPr>
-        <p:txBody>
-          <a:bodyPr wrap="none" rtlCol="0">
-            <a:spAutoFit/>
-          </a:bodyPr>
-          <a:lstStyle/>
-          <a:p>
-            <a:r>
-              <a:rPr kumimoji="1" lang="ja-JP" altLang="en-US" dirty="0">
-                <a:solidFill>
-                  <a:srgbClr val="FF0000"/>
-                </a:solidFill>
-              </a:rPr>
-              <a:t>←現在の階層</a:t>
-            </a:r>
-          </a:p>
-        </p:txBody>
-      </p:sp>
-    </p:spTree>
-    <p:extLst>
-      <p:ext uri="{BB962C8B-B14F-4D97-AF65-F5344CB8AC3E}">
-        <p14:creationId xmlns:p14="http://schemas.microsoft.com/office/powerpoint/2010/main" val="1254162869"/>
-      </p:ext>
-    </p:extLst>
-  </p:cSld>
-  <p:clrMapOvr>
-    <a:masterClrMapping/>
-  </p:clrMapOvr>
-</p:sld>
-</file>
-
-<file path=ppt/slides/slide18.xml><?xml version="1.0" encoding="utf-8"?>
-<p:sld xmlns:a="http://schemas.openxmlformats.org/drawingml/2006/main" xmlns:r="http://schemas.openxmlformats.org/officeDocument/2006/relationships" xmlns:p="http://schemas.openxmlformats.org/presentationml/2006/main">
-  <p:cSld>
-    <p:spTree>
-      <p:nvGrpSpPr>
-        <p:cNvPr id="1" name=""/>
-        <p:cNvGrpSpPr/>
-        <p:nvPr/>
-      </p:nvGrpSpPr>
-      <p:grpSpPr>
-        <a:xfrm>
-          <a:off x="0" y="0"/>
-          <a:ext cx="0" cy="0"/>
-          <a:chOff x="0" y="0"/>
-          <a:chExt cx="0" cy="0"/>
-        </a:xfrm>
-      </p:grpSpPr>
-      <p:grpSp>
-        <p:nvGrpSpPr>
-          <p:cNvPr id="2" name="グループ化 1">
-            <a:extLst>
-              <a:ext uri="{FF2B5EF4-FFF2-40B4-BE49-F238E27FC236}">
-                <a16:creationId xmlns:a16="http://schemas.microsoft.com/office/drawing/2014/main" id="{F4F5466F-7EAC-2F69-49BC-3355F3BC6CB5}"/>
-              </a:ext>
-            </a:extLst>
-          </p:cNvPr>
-          <p:cNvGrpSpPr/>
-          <p:nvPr/>
-        </p:nvGrpSpPr>
-        <p:grpSpPr>
-          <a:xfrm>
-            <a:off x="-156089" y="-1"/>
-            <a:ext cx="12348089" cy="634258"/>
-            <a:chOff x="-156089" y="-1"/>
-            <a:chExt cx="12348089" cy="634258"/>
-          </a:xfrm>
-        </p:grpSpPr>
-        <p:sp>
-          <p:nvSpPr>
-            <p:cNvPr id="3" name="正方形/長方形 2">
-              <a:extLst>
-                <a:ext uri="{FF2B5EF4-FFF2-40B4-BE49-F238E27FC236}">
-                  <a16:creationId xmlns:a16="http://schemas.microsoft.com/office/drawing/2014/main" id="{1EBFB064-5E5A-1305-2BEA-ABEA77BB03A0}"/>
-                </a:ext>
-              </a:extLst>
-            </p:cNvPr>
-            <p:cNvSpPr/>
-            <p:nvPr/>
-          </p:nvSpPr>
-          <p:spPr>
-            <a:xfrm>
-              <a:off x="0" y="-1"/>
-              <a:ext cx="12192000" cy="505841"/>
-            </a:xfrm>
-            <a:prstGeom prst="rect">
-              <a:avLst/>
-            </a:prstGeom>
-            <a:ln>
-              <a:solidFill>
-                <a:schemeClr val="tx2">
-                  <a:lumMod val="90000"/>
-                  <a:lumOff val="10000"/>
-                </a:schemeClr>
-              </a:solidFill>
-            </a:ln>
-          </p:spPr>
-          <p:style>
-            <a:lnRef idx="2">
-              <a:schemeClr val="dk1">
-                <a:shade val="50000"/>
-              </a:schemeClr>
-            </a:lnRef>
-            <a:fillRef idx="1">
-              <a:schemeClr val="dk1"/>
-            </a:fillRef>
-            <a:effectRef idx="0">
-              <a:schemeClr val="dk1"/>
-            </a:effectRef>
-            <a:fontRef idx="minor">
-              <a:schemeClr val="lt1"/>
-            </a:fontRef>
-          </p:style>
-          <p:txBody>
-            <a:bodyPr rtlCol="0" anchor="ctr"/>
-            <a:lstStyle/>
-            <a:p>
-              <a:pPr algn="ctr"/>
-              <a:endParaRPr kumimoji="1" lang="ja-JP" altLang="en-US" dirty="0"/>
-            </a:p>
-          </p:txBody>
-        </p:sp>
-        <p:sp>
-          <p:nvSpPr>
-            <p:cNvPr id="4" name="タイトル 1">
-              <a:extLst>
-                <a:ext uri="{FF2B5EF4-FFF2-40B4-BE49-F238E27FC236}">
-                  <a16:creationId xmlns:a16="http://schemas.microsoft.com/office/drawing/2014/main" id="{212577DE-B806-097E-C227-B2DD56DE5531}"/>
-                </a:ext>
-              </a:extLst>
-            </p:cNvPr>
-            <p:cNvSpPr txBox="1">
-              <a:spLocks/>
-            </p:cNvSpPr>
-            <p:nvPr/>
-          </p:nvSpPr>
-          <p:spPr>
-            <a:xfrm>
-              <a:off x="-156089" y="36280"/>
-              <a:ext cx="8610772" cy="597977"/>
-            </a:xfrm>
-            <a:prstGeom prst="rect">
-              <a:avLst/>
-            </a:prstGeom>
-          </p:spPr>
-          <p:txBody>
-            <a:bodyPr vert="horz" lIns="91440" tIns="45720" rIns="91440" bIns="45720" rtlCol="0" anchor="t">
-              <a:normAutofit/>
-            </a:bodyPr>
-            <a:lstStyle>
-              <a:lvl1pPr algn="l" defTabSz="914400" rtl="0" eaLnBrk="1" latinLnBrk="0" hangingPunct="1">
-                <a:lnSpc>
-                  <a:spcPct val="90000"/>
-                </a:lnSpc>
-                <a:spcBef>
-                  <a:spcPct val="0"/>
-                </a:spcBef>
-                <a:buNone/>
-                <a:defRPr kumimoji="1" sz="5100" kern="1200" cap="all" spc="200" baseline="0">
-                  <a:solidFill>
-                    <a:schemeClr val="tx2"/>
-                  </a:solidFill>
-                  <a:latin typeface="+mj-lt"/>
-                  <a:ea typeface="+mj-ea"/>
-                  <a:cs typeface="+mj-cs"/>
-                </a:defRPr>
-              </a:lvl1pPr>
-            </a:lstStyle>
-            <a:p>
-              <a:r>
-                <a:rPr lang="ja-JP" altLang="en-US" sz="2800" cap="none" dirty="0">
-                  <a:solidFill>
-                    <a:schemeClr val="bg1"/>
-                  </a:solidFill>
-                </a:rPr>
-                <a:t>・ローカルリポジトリを作成する</a:t>
-              </a:r>
-              <a:endParaRPr lang="ja-JP" altLang="en-US" sz="2800" dirty="0">
-                <a:solidFill>
-                  <a:schemeClr val="bg1"/>
-                </a:solidFill>
-              </a:endParaRPr>
-            </a:p>
-          </p:txBody>
-        </p:sp>
-      </p:grpSp>
-      <p:sp>
-        <p:nvSpPr>
-          <p:cNvPr id="6" name="コンテンツ プレースホルダー 5">
-            <a:extLst>
-              <a:ext uri="{FF2B5EF4-FFF2-40B4-BE49-F238E27FC236}">
-                <a16:creationId xmlns:a16="http://schemas.microsoft.com/office/drawing/2014/main" id="{06768868-510E-70E1-C729-C10F6C19B245}"/>
-              </a:ext>
-            </a:extLst>
-          </p:cNvPr>
-          <p:cNvSpPr>
-            <a:spLocks noGrp="1"/>
-          </p:cNvSpPr>
-          <p:nvPr>
-            <p:ph idx="1"/>
-          </p:nvPr>
-        </p:nvSpPr>
-        <p:spPr>
-          <a:xfrm>
-            <a:off x="891914" y="616030"/>
-            <a:ext cx="10178322" cy="1293015"/>
-          </a:xfrm>
-        </p:spPr>
-        <p:txBody>
-          <a:bodyPr>
-            <a:normAutofit lnSpcReduction="10000"/>
-          </a:bodyPr>
-          <a:lstStyle/>
-          <a:p>
-            <a:r>
-              <a:rPr lang="ja-JP" altLang="en-US" sz="2200" dirty="0"/>
-              <a:t>先ほどの</a:t>
-            </a:r>
-            <a:r>
-              <a:rPr lang="en-US" altLang="ja-JP" sz="2200" dirty="0" err="1"/>
-              <a:t>pwd</a:t>
-            </a:r>
-            <a:r>
-              <a:rPr lang="ja-JP" altLang="en-US" sz="2200" dirty="0"/>
-              <a:t>で現在フォーカスしているところを表示することができました</a:t>
-            </a:r>
-            <a:endParaRPr lang="en-US" altLang="ja-JP" sz="2200" dirty="0"/>
-          </a:p>
-          <a:p>
-            <a:r>
-              <a:rPr lang="ja-JP" altLang="en-US" sz="2200" dirty="0"/>
-              <a:t>次に</a:t>
-            </a:r>
-            <a:r>
-              <a:rPr lang="en-US" altLang="ja-JP" sz="2200" dirty="0"/>
-              <a:t>cd</a:t>
-            </a:r>
-            <a:r>
-              <a:rPr lang="ja-JP" altLang="en-US" sz="2200" dirty="0"/>
-              <a:t>コマンドを使ってみましょう！</a:t>
-            </a:r>
-            <a:endParaRPr lang="en-US" altLang="ja-JP" sz="2200" dirty="0"/>
-          </a:p>
-          <a:p>
-            <a:r>
-              <a:rPr lang="en-US" altLang="ja-JP" sz="2200" dirty="0"/>
-              <a:t>cd</a:t>
-            </a:r>
-            <a:r>
-              <a:rPr lang="ja-JP" altLang="en-US" sz="2200" dirty="0"/>
-              <a:t>とはフォーカスしている場所を変更するコマンドです</a:t>
-            </a:r>
-            <a:endParaRPr lang="en-US" altLang="ja-JP" sz="2200" dirty="0"/>
-          </a:p>
-        </p:txBody>
-      </p:sp>
-      <p:pic>
-        <p:nvPicPr>
-          <p:cNvPr id="7" name="図 6" descr="テキスト&#10;&#10;自動的に生成された説明">
-            <a:extLst>
-              <a:ext uri="{FF2B5EF4-FFF2-40B4-BE49-F238E27FC236}">
-                <a16:creationId xmlns:a16="http://schemas.microsoft.com/office/drawing/2014/main" id="{29105201-973A-E585-451D-4B1FA35398E3}"/>
-              </a:ext>
-            </a:extLst>
-          </p:cNvPr>
-          <p:cNvPicPr>
-            <a:picLocks noChangeAspect="1"/>
-          </p:cNvPicPr>
-          <p:nvPr/>
-        </p:nvPicPr>
-        <p:blipFill>
-          <a:blip r:embed="rId2">
-            <a:extLst>
-              <a:ext uri="{28A0092B-C50C-407E-A947-70E740481C1C}">
-                <a14:useLocalDpi xmlns:a14="http://schemas.microsoft.com/office/drawing/2010/main" val="0"/>
-              </a:ext>
-            </a:extLst>
-          </a:blip>
-          <a:stretch>
-            <a:fillRect/>
-          </a:stretch>
-        </p:blipFill>
-        <p:spPr>
-          <a:xfrm>
-            <a:off x="891912" y="5009271"/>
-            <a:ext cx="5676528" cy="1848729"/>
-          </a:xfrm>
-          <a:prstGeom prst="rect">
-            <a:avLst/>
-          </a:prstGeom>
-          <a:ln>
-            <a:noFill/>
-          </a:ln>
-          <a:effectLst>
-            <a:outerShdw blurRad="292100" dist="139700" dir="2700000" algn="tl" rotWithShape="0">
-              <a:srgbClr val="333333">
-                <a:alpha val="65000"/>
-              </a:srgbClr>
-            </a:outerShdw>
-          </a:effectLst>
-        </p:spPr>
-      </p:pic>
-      <p:pic>
-        <p:nvPicPr>
-          <p:cNvPr id="9" name="図 8" descr="テキスト&#10;&#10;自動的に生成された説明">
-            <a:extLst>
-              <a:ext uri="{FF2B5EF4-FFF2-40B4-BE49-F238E27FC236}">
-                <a16:creationId xmlns:a16="http://schemas.microsoft.com/office/drawing/2014/main" id="{D5D64F25-FDD0-8ACE-A511-1044DC2BB664}"/>
-              </a:ext>
-            </a:extLst>
-          </p:cNvPr>
-          <p:cNvPicPr>
-            <a:picLocks noChangeAspect="1"/>
-          </p:cNvPicPr>
-          <p:nvPr/>
-        </p:nvPicPr>
-        <p:blipFill>
-          <a:blip r:embed="rId3">
-            <a:extLst>
-              <a:ext uri="{28A0092B-C50C-407E-A947-70E740481C1C}">
-                <a14:useLocalDpi xmlns:a14="http://schemas.microsoft.com/office/drawing/2010/main" val="0"/>
-              </a:ext>
-            </a:extLst>
-          </a:blip>
-          <a:stretch>
-            <a:fillRect/>
-          </a:stretch>
-        </p:blipFill>
-        <p:spPr>
-          <a:xfrm>
-            <a:off x="891914" y="2129355"/>
-            <a:ext cx="5558036" cy="1293015"/>
-          </a:xfrm>
-          <a:prstGeom prst="rect">
-            <a:avLst/>
-          </a:prstGeom>
-          <a:ln>
-            <a:noFill/>
-          </a:ln>
-          <a:effectLst>
-            <a:outerShdw blurRad="292100" dist="139700" dir="2700000" algn="tl" rotWithShape="0">
-              <a:srgbClr val="333333">
-                <a:alpha val="65000"/>
-              </a:srgbClr>
-            </a:outerShdw>
-          </a:effectLst>
-        </p:spPr>
-      </p:pic>
-      <p:sp>
-        <p:nvSpPr>
-          <p:cNvPr id="10" name="矢印: 下 9">
-            <a:extLst>
-              <a:ext uri="{FF2B5EF4-FFF2-40B4-BE49-F238E27FC236}">
-                <a16:creationId xmlns:a16="http://schemas.microsoft.com/office/drawing/2014/main" id="{22926BC9-A7F7-557B-FEAF-DE4735B7B8D0}"/>
-              </a:ext>
-            </a:extLst>
-          </p:cNvPr>
-          <p:cNvSpPr/>
-          <p:nvPr/>
-        </p:nvSpPr>
-        <p:spPr>
-          <a:xfrm>
-            <a:off x="2571311" y="4021439"/>
-            <a:ext cx="1909249" cy="671525"/>
-          </a:xfrm>
-          <a:prstGeom prst="downArrow">
-            <a:avLst/>
-          </a:prstGeom>
-          <a:ln/>
-        </p:spPr>
-        <p:style>
-          <a:lnRef idx="2">
-            <a:schemeClr val="accent5">
-              <a:shade val="50000"/>
-            </a:schemeClr>
-          </a:lnRef>
-          <a:fillRef idx="1">
-            <a:schemeClr val="accent5"/>
-          </a:fillRef>
-          <a:effectRef idx="0">
-            <a:schemeClr val="accent5"/>
-          </a:effectRef>
-          <a:fontRef idx="minor">
-            <a:schemeClr val="lt1"/>
-          </a:fontRef>
-        </p:style>
-        <p:txBody>
-          <a:bodyPr rtlCol="0" anchor="ctr"/>
-          <a:lstStyle/>
-          <a:p>
-            <a:pPr algn="ctr"/>
-            <a:endParaRPr kumimoji="1" lang="ja-JP" altLang="en-US">
-              <a:ln w="0"/>
-              <a:solidFill>
-                <a:schemeClr val="tx1"/>
-              </a:solidFill>
-              <a:effectLst>
-                <a:outerShdw blurRad="38100" dist="19050" dir="2700000" algn="tl" rotWithShape="0">
-                  <a:schemeClr val="dk1">
-                    <a:alpha val="40000"/>
-                  </a:schemeClr>
-                </a:outerShdw>
-              </a:effectLst>
-            </a:endParaRPr>
-          </a:p>
-        </p:txBody>
-      </p:sp>
-      <p:sp>
-        <p:nvSpPr>
-          <p:cNvPr id="11" name="テキスト ボックス 10">
-            <a:extLst>
-              <a:ext uri="{FF2B5EF4-FFF2-40B4-BE49-F238E27FC236}">
-                <a16:creationId xmlns:a16="http://schemas.microsoft.com/office/drawing/2014/main" id="{E7E7B4DD-D9AF-E506-6D41-3B813F8B7E0B}"/>
-              </a:ext>
-            </a:extLst>
-          </p:cNvPr>
-          <p:cNvSpPr txBox="1"/>
-          <p:nvPr/>
-        </p:nvSpPr>
-        <p:spPr>
-          <a:xfrm>
-            <a:off x="6449950" y="2191782"/>
-            <a:ext cx="5246949" cy="369332"/>
-          </a:xfrm>
-          <a:prstGeom prst="rect">
-            <a:avLst/>
-          </a:prstGeom>
-          <a:noFill/>
-        </p:spPr>
-        <p:txBody>
-          <a:bodyPr wrap="none" rtlCol="0">
-            <a:spAutoFit/>
-          </a:bodyPr>
-          <a:lstStyle/>
-          <a:p>
-            <a:r>
-              <a:rPr kumimoji="1" lang="ja-JP" altLang="en-US" dirty="0">
-                <a:solidFill>
-                  <a:srgbClr val="FF0000"/>
-                </a:solidFill>
-              </a:rPr>
-              <a:t>←</a:t>
-            </a:r>
-            <a:r>
-              <a:rPr kumimoji="1" lang="en-US" altLang="ja-JP" dirty="0">
-                <a:solidFill>
-                  <a:srgbClr val="FF0000"/>
-                </a:solidFill>
-              </a:rPr>
-              <a:t>cd </a:t>
-            </a:r>
-            <a:r>
-              <a:rPr kumimoji="1" lang="en-US" altLang="ja-JP" dirty="0" err="1">
-                <a:solidFill>
-                  <a:srgbClr val="FF0000"/>
-                </a:solidFill>
-              </a:rPr>
-              <a:t>Desctop</a:t>
-            </a:r>
-            <a:r>
-              <a:rPr kumimoji="1" lang="en-US" altLang="ja-JP" dirty="0">
-                <a:solidFill>
-                  <a:srgbClr val="FF0000"/>
-                </a:solidFill>
-              </a:rPr>
-              <a:t>/</a:t>
-            </a:r>
-            <a:r>
-              <a:rPr kumimoji="1" lang="ja-JP" altLang="en-US" dirty="0">
-                <a:solidFill>
-                  <a:srgbClr val="FF0000"/>
-                </a:solidFill>
-              </a:rPr>
-              <a:t>フォーカスしたいファイル名を入力</a:t>
-            </a:r>
-          </a:p>
-        </p:txBody>
-      </p:sp>
-      <p:sp>
-        <p:nvSpPr>
-          <p:cNvPr id="12" name="テキスト ボックス 11">
-            <a:extLst>
-              <a:ext uri="{FF2B5EF4-FFF2-40B4-BE49-F238E27FC236}">
-                <a16:creationId xmlns:a16="http://schemas.microsoft.com/office/drawing/2014/main" id="{84874640-4847-6AD7-95B9-441300CC5527}"/>
-              </a:ext>
-            </a:extLst>
-          </p:cNvPr>
-          <p:cNvSpPr txBox="1"/>
-          <p:nvPr/>
-        </p:nvSpPr>
-        <p:spPr>
-          <a:xfrm>
-            <a:off x="6568440" y="5534401"/>
-            <a:ext cx="5142755" cy="646331"/>
-          </a:xfrm>
-          <a:prstGeom prst="rect">
-            <a:avLst/>
-          </a:prstGeom>
-          <a:noFill/>
-        </p:spPr>
-        <p:txBody>
-          <a:bodyPr wrap="none" rtlCol="0">
-            <a:spAutoFit/>
-          </a:bodyPr>
-          <a:lstStyle/>
-          <a:p>
-            <a:r>
-              <a:rPr kumimoji="1" lang="ja-JP" altLang="en-US" dirty="0">
-                <a:solidFill>
-                  <a:srgbClr val="FF0000"/>
-                </a:solidFill>
-              </a:rPr>
-              <a:t>←</a:t>
-            </a:r>
-            <a:r>
-              <a:rPr kumimoji="1" lang="en-US" altLang="ja-JP" dirty="0">
-                <a:solidFill>
-                  <a:srgbClr val="FF0000"/>
-                </a:solidFill>
-              </a:rPr>
-              <a:t>Enter</a:t>
-            </a:r>
-            <a:r>
-              <a:rPr kumimoji="1" lang="ja-JP" altLang="en-US" dirty="0">
-                <a:solidFill>
-                  <a:srgbClr val="FF0000"/>
-                </a:solidFill>
-              </a:rPr>
-              <a:t>後</a:t>
-            </a:r>
-            <a:r>
-              <a:rPr kumimoji="1" lang="en-US" altLang="ja-JP" dirty="0" err="1">
-                <a:solidFill>
-                  <a:srgbClr val="FF0000"/>
-                </a:solidFill>
-              </a:rPr>
-              <a:t>pwd</a:t>
-            </a:r>
-            <a:r>
-              <a:rPr kumimoji="1" lang="ja-JP" altLang="en-US" dirty="0">
-                <a:solidFill>
-                  <a:srgbClr val="FF0000"/>
-                </a:solidFill>
-              </a:rPr>
-              <a:t>で確認しましょう</a:t>
-            </a:r>
-            <a:endParaRPr kumimoji="1" lang="en-US" altLang="ja-JP" dirty="0">
-              <a:solidFill>
-                <a:srgbClr val="FF0000"/>
-              </a:solidFill>
-            </a:endParaRPr>
-          </a:p>
-          <a:p>
-            <a:r>
-              <a:rPr kumimoji="1" lang="ja-JP" altLang="en-US" dirty="0">
-                <a:solidFill>
-                  <a:srgbClr val="FF0000"/>
-                </a:solidFill>
-              </a:rPr>
-              <a:t>　フォーカスしている場所が変わっていれば</a:t>
-            </a:r>
-            <a:r>
-              <a:rPr kumimoji="1" lang="en-US" altLang="ja-JP" dirty="0">
-                <a:solidFill>
-                  <a:srgbClr val="FF0000"/>
-                </a:solidFill>
-              </a:rPr>
-              <a:t>OK</a:t>
-            </a:r>
-            <a:endParaRPr kumimoji="1" lang="ja-JP" altLang="en-US" dirty="0">
-              <a:solidFill>
-                <a:srgbClr val="FF0000"/>
-              </a:solidFill>
-            </a:endParaRPr>
-          </a:p>
-        </p:txBody>
-      </p:sp>
-      <p:cxnSp>
-        <p:nvCxnSpPr>
-          <p:cNvPr id="17" name="直線コネクタ 16">
-            <a:extLst>
-              <a:ext uri="{FF2B5EF4-FFF2-40B4-BE49-F238E27FC236}">
-                <a16:creationId xmlns:a16="http://schemas.microsoft.com/office/drawing/2014/main" id="{ABFAA994-CFB2-F065-104E-70E0E1160F1C}"/>
-              </a:ext>
-            </a:extLst>
-          </p:cNvPr>
-          <p:cNvCxnSpPr>
-            <a:cxnSpLocks/>
-          </p:cNvCxnSpPr>
-          <p:nvPr/>
-        </p:nvCxnSpPr>
-        <p:spPr>
-          <a:xfrm>
-            <a:off x="2571311" y="2681474"/>
-            <a:ext cx="2153089" cy="0"/>
-          </a:xfrm>
-          <a:prstGeom prst="line">
-            <a:avLst/>
-          </a:prstGeom>
-          <a:ln>
-            <a:solidFill>
-              <a:srgbClr val="FF0000"/>
-            </a:solidFill>
-          </a:ln>
-        </p:spPr>
-        <p:style>
-          <a:lnRef idx="1">
-            <a:schemeClr val="accent1"/>
-          </a:lnRef>
-          <a:fillRef idx="0">
-            <a:schemeClr val="accent1"/>
-          </a:fillRef>
-          <a:effectRef idx="0">
-            <a:schemeClr val="accent1"/>
-          </a:effectRef>
-          <a:fontRef idx="minor">
-            <a:schemeClr val="tx1"/>
-          </a:fontRef>
-        </p:style>
-      </p:cxnSp>
-      <p:sp>
-        <p:nvSpPr>
-          <p:cNvPr id="20" name="テキスト ボックス 19">
-            <a:extLst>
-              <a:ext uri="{FF2B5EF4-FFF2-40B4-BE49-F238E27FC236}">
-                <a16:creationId xmlns:a16="http://schemas.microsoft.com/office/drawing/2014/main" id="{5C7306A0-00BD-3760-572D-ABE5A9479EF3}"/>
-              </a:ext>
-            </a:extLst>
-          </p:cNvPr>
-          <p:cNvSpPr txBox="1"/>
-          <p:nvPr/>
-        </p:nvSpPr>
-        <p:spPr>
-          <a:xfrm>
-            <a:off x="2571965" y="2775862"/>
-            <a:ext cx="3877985" cy="369332"/>
-          </a:xfrm>
-          <a:prstGeom prst="rect">
-            <a:avLst/>
-          </a:prstGeom>
-          <a:noFill/>
-        </p:spPr>
-        <p:txBody>
-          <a:bodyPr wrap="none" rtlCol="0">
-            <a:spAutoFit/>
-          </a:bodyPr>
-          <a:lstStyle/>
-          <a:p>
-            <a:r>
-              <a:rPr kumimoji="1" lang="ja-JP" altLang="en-US" dirty="0">
-                <a:solidFill>
-                  <a:srgbClr val="FF0000"/>
-                </a:solidFill>
-              </a:rPr>
-              <a:t>フォーカスしたいファイル名を入力</a:t>
-            </a:r>
-          </a:p>
-        </p:txBody>
-      </p:sp>
-    </p:spTree>
-    <p:extLst>
-      <p:ext uri="{BB962C8B-B14F-4D97-AF65-F5344CB8AC3E}">
-        <p14:creationId xmlns:p14="http://schemas.microsoft.com/office/powerpoint/2010/main" val="391155146"/>
-      </p:ext>
-    </p:extLst>
-  </p:cSld>
-  <p:clrMapOvr>
-    <a:masterClrMapping/>
-  </p:clrMapOvr>
-</p:sld>
-</file>
-
-<file path=ppt/slides/slide19.xml><?xml version="1.0" encoding="utf-8"?>
-<p:sld xmlns:a="http://schemas.openxmlformats.org/drawingml/2006/main" xmlns:r="http://schemas.openxmlformats.org/officeDocument/2006/relationships" xmlns:p="http://schemas.openxmlformats.org/presentationml/2006/main">
-  <p:cSld>
-    <p:spTree>
-      <p:nvGrpSpPr>
-        <p:cNvPr id="1" name=""/>
-        <p:cNvGrpSpPr/>
-        <p:nvPr/>
-      </p:nvGrpSpPr>
-      <p:grpSpPr>
-        <a:xfrm>
-          <a:off x="0" y="0"/>
-          <a:ext cx="0" cy="0"/>
-          <a:chOff x="0" y="0"/>
-          <a:chExt cx="0" cy="0"/>
-        </a:xfrm>
-      </p:grpSpPr>
-      <p:grpSp>
-        <p:nvGrpSpPr>
-          <p:cNvPr id="22" name="グループ化 21">
-            <a:extLst>
-              <a:ext uri="{FF2B5EF4-FFF2-40B4-BE49-F238E27FC236}">
-                <a16:creationId xmlns:a16="http://schemas.microsoft.com/office/drawing/2014/main" id="{724BD0FF-725E-9556-D9B3-CC361A622EDA}"/>
-              </a:ext>
-            </a:extLst>
-          </p:cNvPr>
-          <p:cNvGrpSpPr/>
-          <p:nvPr/>
-        </p:nvGrpSpPr>
-        <p:grpSpPr>
-          <a:xfrm>
-            <a:off x="8728776" y="4855645"/>
-            <a:ext cx="1729571" cy="1304463"/>
-            <a:chOff x="5050302" y="4887653"/>
-            <a:chExt cx="1729571" cy="1304463"/>
-          </a:xfrm>
-        </p:grpSpPr>
-        <p:sp>
-          <p:nvSpPr>
-            <p:cNvPr id="23" name="矢印: 五方向 22">
-              <a:extLst>
-                <a:ext uri="{FF2B5EF4-FFF2-40B4-BE49-F238E27FC236}">
-                  <a16:creationId xmlns:a16="http://schemas.microsoft.com/office/drawing/2014/main" id="{29FD6FCA-5AB8-E3C4-463D-74436A6D8F3A}"/>
-                </a:ext>
-              </a:extLst>
-            </p:cNvPr>
-            <p:cNvSpPr/>
-            <p:nvPr/>
-          </p:nvSpPr>
-          <p:spPr>
-            <a:xfrm>
-              <a:off x="5071027" y="4887653"/>
-              <a:ext cx="921810" cy="550112"/>
-            </a:xfrm>
-            <a:prstGeom prst="homePlate">
-              <a:avLst/>
-            </a:prstGeom>
-          </p:spPr>
-          <p:style>
-            <a:lnRef idx="2">
-              <a:schemeClr val="accent1">
-                <a:shade val="50000"/>
-              </a:schemeClr>
-            </a:lnRef>
-            <a:fillRef idx="1">
-              <a:schemeClr val="accent1"/>
-            </a:fillRef>
-            <a:effectRef idx="0">
-              <a:schemeClr val="accent1"/>
-            </a:effectRef>
-            <a:fontRef idx="minor">
-              <a:schemeClr val="lt1"/>
-            </a:fontRef>
-          </p:style>
-          <p:txBody>
-            <a:bodyPr rtlCol="0" anchor="ctr"/>
-            <a:lstStyle/>
-            <a:p>
-              <a:pPr algn="ctr"/>
-              <a:endParaRPr kumimoji="1" lang="ja-JP" altLang="en-US"/>
-            </a:p>
-          </p:txBody>
-        </p:sp>
-        <p:sp>
-          <p:nvSpPr>
-            <p:cNvPr id="24" name="四角形: メモ 23">
-              <a:extLst>
-                <a:ext uri="{FF2B5EF4-FFF2-40B4-BE49-F238E27FC236}">
-                  <a16:creationId xmlns:a16="http://schemas.microsoft.com/office/drawing/2014/main" id="{30ED6B46-D633-E012-01E9-AE76E572B9F9}"/>
-                </a:ext>
-              </a:extLst>
-            </p:cNvPr>
-            <p:cNvSpPr/>
-            <p:nvPr/>
-          </p:nvSpPr>
-          <p:spPr>
-            <a:xfrm>
-              <a:off x="5071027" y="5002023"/>
-              <a:ext cx="1708846" cy="881305"/>
-            </a:xfrm>
-            <a:prstGeom prst="foldedCorner">
-              <a:avLst/>
-            </a:prstGeom>
-          </p:spPr>
-          <p:style>
-            <a:lnRef idx="2">
-              <a:schemeClr val="accent6"/>
-            </a:lnRef>
-            <a:fillRef idx="1">
-              <a:schemeClr val="lt1"/>
-            </a:fillRef>
-            <a:effectRef idx="0">
-              <a:schemeClr val="accent6"/>
-            </a:effectRef>
-            <a:fontRef idx="minor">
-              <a:schemeClr val="dk1"/>
-            </a:fontRef>
-          </p:style>
-          <p:txBody>
-            <a:bodyPr rtlCol="0" anchor="ctr"/>
-            <a:lstStyle/>
-            <a:p>
-              <a:pPr algn="ctr"/>
-              <a:endParaRPr kumimoji="1" lang="ja-JP" altLang="en-US"/>
-            </a:p>
-          </p:txBody>
-        </p:sp>
-        <p:sp>
-          <p:nvSpPr>
-            <p:cNvPr id="25" name="正方形/長方形 24">
-              <a:extLst>
-                <a:ext uri="{FF2B5EF4-FFF2-40B4-BE49-F238E27FC236}">
-                  <a16:creationId xmlns:a16="http://schemas.microsoft.com/office/drawing/2014/main" id="{45AEFF03-8E2F-FC4E-D102-1046B3054260}"/>
-                </a:ext>
-              </a:extLst>
-            </p:cNvPr>
-            <p:cNvSpPr/>
-            <p:nvPr/>
-          </p:nvSpPr>
-          <p:spPr>
-            <a:xfrm>
-              <a:off x="5050302" y="5106572"/>
-              <a:ext cx="1729571" cy="1085544"/>
-            </a:xfrm>
-            <a:prstGeom prst="rect">
-              <a:avLst/>
-            </a:prstGeom>
-          </p:spPr>
-          <p:style>
-            <a:lnRef idx="2">
-              <a:schemeClr val="accent1">
-                <a:shade val="50000"/>
-              </a:schemeClr>
-            </a:lnRef>
-            <a:fillRef idx="1">
-              <a:schemeClr val="accent1"/>
-            </a:fillRef>
-            <a:effectRef idx="0">
-              <a:schemeClr val="accent1"/>
-            </a:effectRef>
-            <a:fontRef idx="minor">
-              <a:schemeClr val="lt1"/>
-            </a:fontRef>
-          </p:style>
-          <p:txBody>
-            <a:bodyPr rtlCol="0" anchor="ctr"/>
-            <a:lstStyle/>
-            <a:p>
-              <a:pPr algn="ctr"/>
-              <a:r>
-                <a:rPr kumimoji="1" lang="en-US" altLang="ja-JP" dirty="0"/>
-                <a:t>Folder3</a:t>
-              </a:r>
-              <a:endParaRPr kumimoji="1" lang="ja-JP" altLang="en-US" dirty="0"/>
-            </a:p>
-          </p:txBody>
-        </p:sp>
-      </p:grpSp>
-      <p:grpSp>
-        <p:nvGrpSpPr>
-          <p:cNvPr id="18" name="グループ化 17">
-            <a:extLst>
-              <a:ext uri="{FF2B5EF4-FFF2-40B4-BE49-F238E27FC236}">
-                <a16:creationId xmlns:a16="http://schemas.microsoft.com/office/drawing/2014/main" id="{E5DB3F80-8BCB-8C46-8B56-FEEF3952E1A9}"/>
-              </a:ext>
-            </a:extLst>
-          </p:cNvPr>
-          <p:cNvGrpSpPr/>
-          <p:nvPr/>
-        </p:nvGrpSpPr>
-        <p:grpSpPr>
-          <a:xfrm>
-            <a:off x="7512304" y="1653180"/>
-            <a:ext cx="1729571" cy="1304463"/>
-            <a:chOff x="5050302" y="4887653"/>
-            <a:chExt cx="1729571" cy="1304463"/>
-          </a:xfrm>
-        </p:grpSpPr>
-        <p:sp>
-          <p:nvSpPr>
-            <p:cNvPr id="19" name="矢印: 五方向 18">
-              <a:extLst>
-                <a:ext uri="{FF2B5EF4-FFF2-40B4-BE49-F238E27FC236}">
-                  <a16:creationId xmlns:a16="http://schemas.microsoft.com/office/drawing/2014/main" id="{2CF846D8-15A9-D4DB-7F7A-1B288B4A2226}"/>
-                </a:ext>
-              </a:extLst>
-            </p:cNvPr>
-            <p:cNvSpPr/>
-            <p:nvPr/>
-          </p:nvSpPr>
-          <p:spPr>
-            <a:xfrm>
-              <a:off x="5071027" y="4887653"/>
-              <a:ext cx="921810" cy="550112"/>
-            </a:xfrm>
-            <a:prstGeom prst="homePlate">
-              <a:avLst/>
-            </a:prstGeom>
-          </p:spPr>
-          <p:style>
-            <a:lnRef idx="2">
-              <a:schemeClr val="accent1">
-                <a:shade val="50000"/>
-              </a:schemeClr>
-            </a:lnRef>
-            <a:fillRef idx="1">
-              <a:schemeClr val="accent1"/>
-            </a:fillRef>
-            <a:effectRef idx="0">
-              <a:schemeClr val="accent1"/>
-            </a:effectRef>
-            <a:fontRef idx="minor">
-              <a:schemeClr val="lt1"/>
-            </a:fontRef>
-          </p:style>
-          <p:txBody>
-            <a:bodyPr rtlCol="0" anchor="ctr"/>
-            <a:lstStyle/>
-            <a:p>
-              <a:pPr algn="ctr"/>
-              <a:endParaRPr kumimoji="1" lang="ja-JP" altLang="en-US"/>
-            </a:p>
-          </p:txBody>
-        </p:sp>
-        <p:sp>
-          <p:nvSpPr>
-            <p:cNvPr id="20" name="四角形: メモ 19">
-              <a:extLst>
-                <a:ext uri="{FF2B5EF4-FFF2-40B4-BE49-F238E27FC236}">
-                  <a16:creationId xmlns:a16="http://schemas.microsoft.com/office/drawing/2014/main" id="{DD01EDF6-3414-F7D4-CF34-531CDB815880}"/>
-                </a:ext>
-              </a:extLst>
-            </p:cNvPr>
-            <p:cNvSpPr/>
-            <p:nvPr/>
-          </p:nvSpPr>
-          <p:spPr>
-            <a:xfrm>
-              <a:off x="5071027" y="5002023"/>
-              <a:ext cx="1708846" cy="881305"/>
-            </a:xfrm>
-            <a:prstGeom prst="foldedCorner">
-              <a:avLst/>
-            </a:prstGeom>
-          </p:spPr>
-          <p:style>
-            <a:lnRef idx="2">
-              <a:schemeClr val="accent6"/>
-            </a:lnRef>
-            <a:fillRef idx="1">
-              <a:schemeClr val="lt1"/>
-            </a:fillRef>
-            <a:effectRef idx="0">
-              <a:schemeClr val="accent6"/>
-            </a:effectRef>
-            <a:fontRef idx="minor">
-              <a:schemeClr val="dk1"/>
-            </a:fontRef>
-          </p:style>
-          <p:txBody>
-            <a:bodyPr rtlCol="0" anchor="ctr"/>
-            <a:lstStyle/>
-            <a:p>
-              <a:pPr algn="ctr"/>
-              <a:endParaRPr kumimoji="1" lang="ja-JP" altLang="en-US"/>
-            </a:p>
-          </p:txBody>
-        </p:sp>
-        <p:sp>
-          <p:nvSpPr>
-            <p:cNvPr id="21" name="正方形/長方形 20">
-              <a:extLst>
-                <a:ext uri="{FF2B5EF4-FFF2-40B4-BE49-F238E27FC236}">
-                  <a16:creationId xmlns:a16="http://schemas.microsoft.com/office/drawing/2014/main" id="{A0F5C41E-3C96-6B61-EBFC-B1C4BD47EEB3}"/>
-                </a:ext>
-              </a:extLst>
-            </p:cNvPr>
-            <p:cNvSpPr/>
-            <p:nvPr/>
-          </p:nvSpPr>
-          <p:spPr>
-            <a:xfrm>
-              <a:off x="5050302" y="5106572"/>
-              <a:ext cx="1729571" cy="1085544"/>
-            </a:xfrm>
-            <a:prstGeom prst="rect">
-              <a:avLst/>
-            </a:prstGeom>
-          </p:spPr>
-          <p:style>
-            <a:lnRef idx="2">
-              <a:schemeClr val="accent1">
-                <a:shade val="50000"/>
-              </a:schemeClr>
-            </a:lnRef>
-            <a:fillRef idx="1">
-              <a:schemeClr val="accent1"/>
-            </a:fillRef>
-            <a:effectRef idx="0">
-              <a:schemeClr val="accent1"/>
-            </a:effectRef>
-            <a:fontRef idx="minor">
-              <a:schemeClr val="lt1"/>
-            </a:fontRef>
-          </p:style>
-          <p:txBody>
-            <a:bodyPr rtlCol="0" anchor="ctr"/>
-            <a:lstStyle/>
-            <a:p>
-              <a:pPr algn="ctr"/>
-              <a:r>
-                <a:rPr kumimoji="1" lang="en-US" altLang="ja-JP" dirty="0"/>
-                <a:t>Folder</a:t>
-              </a:r>
-              <a:r>
-                <a:rPr kumimoji="1" lang="ja-JP" altLang="en-US" dirty="0"/>
-                <a:t>１</a:t>
-              </a:r>
-            </a:p>
-          </p:txBody>
-        </p:sp>
-      </p:grpSp>
-      <p:grpSp>
-        <p:nvGrpSpPr>
-          <p:cNvPr id="2" name="グループ化 1">
-            <a:extLst>
-              <a:ext uri="{FF2B5EF4-FFF2-40B4-BE49-F238E27FC236}">
-                <a16:creationId xmlns:a16="http://schemas.microsoft.com/office/drawing/2014/main" id="{F4F5466F-7EAC-2F69-49BC-3355F3BC6CB5}"/>
-              </a:ext>
-            </a:extLst>
-          </p:cNvPr>
-          <p:cNvGrpSpPr/>
-          <p:nvPr/>
-        </p:nvGrpSpPr>
-        <p:grpSpPr>
-          <a:xfrm>
-            <a:off x="-156089" y="-1"/>
-            <a:ext cx="12348089" cy="634258"/>
-            <a:chOff x="-156089" y="-1"/>
-            <a:chExt cx="12348089" cy="634258"/>
-          </a:xfrm>
-        </p:grpSpPr>
-        <p:sp>
-          <p:nvSpPr>
-            <p:cNvPr id="3" name="正方形/長方形 2">
-              <a:extLst>
-                <a:ext uri="{FF2B5EF4-FFF2-40B4-BE49-F238E27FC236}">
-                  <a16:creationId xmlns:a16="http://schemas.microsoft.com/office/drawing/2014/main" id="{1EBFB064-5E5A-1305-2BEA-ABEA77BB03A0}"/>
-                </a:ext>
-              </a:extLst>
-            </p:cNvPr>
-            <p:cNvSpPr/>
-            <p:nvPr/>
-          </p:nvSpPr>
-          <p:spPr>
-            <a:xfrm>
-              <a:off x="0" y="-1"/>
-              <a:ext cx="12192000" cy="505841"/>
-            </a:xfrm>
-            <a:prstGeom prst="rect">
-              <a:avLst/>
-            </a:prstGeom>
-            <a:ln>
-              <a:solidFill>
-                <a:schemeClr val="tx2">
-                  <a:lumMod val="90000"/>
-                  <a:lumOff val="10000"/>
-                </a:schemeClr>
-              </a:solidFill>
-            </a:ln>
-          </p:spPr>
-          <p:style>
-            <a:lnRef idx="2">
-              <a:schemeClr val="dk1">
-                <a:shade val="50000"/>
-              </a:schemeClr>
-            </a:lnRef>
-            <a:fillRef idx="1">
-              <a:schemeClr val="dk1"/>
-            </a:fillRef>
-            <a:effectRef idx="0">
-              <a:schemeClr val="dk1"/>
-            </a:effectRef>
-            <a:fontRef idx="minor">
-              <a:schemeClr val="lt1"/>
-            </a:fontRef>
-          </p:style>
-          <p:txBody>
-            <a:bodyPr rtlCol="0" anchor="ctr"/>
-            <a:lstStyle/>
-            <a:p>
-              <a:pPr algn="ctr"/>
-              <a:endParaRPr kumimoji="1" lang="ja-JP" altLang="en-US" dirty="0"/>
-            </a:p>
-          </p:txBody>
-        </p:sp>
-        <p:sp>
-          <p:nvSpPr>
-            <p:cNvPr id="4" name="タイトル 1">
-              <a:extLst>
-                <a:ext uri="{FF2B5EF4-FFF2-40B4-BE49-F238E27FC236}">
-                  <a16:creationId xmlns:a16="http://schemas.microsoft.com/office/drawing/2014/main" id="{212577DE-B806-097E-C227-B2DD56DE5531}"/>
-                </a:ext>
-              </a:extLst>
-            </p:cNvPr>
-            <p:cNvSpPr txBox="1">
-              <a:spLocks/>
-            </p:cNvSpPr>
-            <p:nvPr/>
-          </p:nvSpPr>
-          <p:spPr>
-            <a:xfrm>
-              <a:off x="-156089" y="36280"/>
-              <a:ext cx="8610772" cy="597977"/>
-            </a:xfrm>
-            <a:prstGeom prst="rect">
-              <a:avLst/>
-            </a:prstGeom>
-          </p:spPr>
-          <p:txBody>
-            <a:bodyPr vert="horz" lIns="91440" tIns="45720" rIns="91440" bIns="45720" rtlCol="0" anchor="t">
-              <a:normAutofit/>
-            </a:bodyPr>
-            <a:lstStyle>
-              <a:lvl1pPr algn="l" defTabSz="914400" rtl="0" eaLnBrk="1" latinLnBrk="0" hangingPunct="1">
-                <a:lnSpc>
-                  <a:spcPct val="90000"/>
-                </a:lnSpc>
-                <a:spcBef>
-                  <a:spcPct val="0"/>
-                </a:spcBef>
-                <a:buNone/>
-                <a:defRPr kumimoji="1" sz="5100" kern="1200" cap="all" spc="200" baseline="0">
-                  <a:solidFill>
-                    <a:schemeClr val="tx2"/>
-                  </a:solidFill>
-                  <a:latin typeface="+mj-lt"/>
-                  <a:ea typeface="+mj-ea"/>
-                  <a:cs typeface="+mj-cs"/>
-                </a:defRPr>
-              </a:lvl1pPr>
-            </a:lstStyle>
-            <a:p>
-              <a:r>
-                <a:rPr lang="ja-JP" altLang="en-US" sz="2800" cap="none" dirty="0">
-                  <a:solidFill>
-                    <a:schemeClr val="bg1"/>
-                  </a:solidFill>
-                </a:rPr>
-                <a:t>・ローカルリポジトリを作成する</a:t>
-              </a:r>
-              <a:endParaRPr lang="ja-JP" altLang="en-US" sz="2800" dirty="0">
-                <a:solidFill>
-                  <a:schemeClr val="bg1"/>
-                </a:solidFill>
-              </a:endParaRPr>
-            </a:p>
-          </p:txBody>
-        </p:sp>
-      </p:grpSp>
-      <p:sp>
-        <p:nvSpPr>
-          <p:cNvPr id="6" name="コンテンツ プレースホルダー 5">
-            <a:extLst>
-              <a:ext uri="{FF2B5EF4-FFF2-40B4-BE49-F238E27FC236}">
-                <a16:creationId xmlns:a16="http://schemas.microsoft.com/office/drawing/2014/main" id="{06768868-510E-70E1-C729-C10F6C19B245}"/>
-              </a:ext>
-            </a:extLst>
-          </p:cNvPr>
-          <p:cNvSpPr>
-            <a:spLocks noGrp="1"/>
-          </p:cNvSpPr>
-          <p:nvPr>
-            <p:ph idx="1"/>
-          </p:nvPr>
-        </p:nvSpPr>
-        <p:spPr>
-          <a:xfrm>
-            <a:off x="903144" y="665884"/>
-            <a:ext cx="10952418" cy="944189"/>
-          </a:xfrm>
-        </p:spPr>
-        <p:txBody>
-          <a:bodyPr>
-            <a:normAutofit/>
-          </a:bodyPr>
-          <a:lstStyle/>
-          <a:p>
-            <a:pPr marL="0" indent="0">
-              <a:buNone/>
-            </a:pPr>
-            <a:r>
-              <a:rPr lang="ja-JP" altLang="en-US" sz="2400" dirty="0"/>
-              <a:t>・これでフォーカスできましたが、そもそもフォーカスって何？</a:t>
-            </a:r>
-            <a:endParaRPr lang="en-US" altLang="ja-JP" sz="2400" dirty="0"/>
-          </a:p>
-        </p:txBody>
-      </p:sp>
-      <p:sp>
-        <p:nvSpPr>
-          <p:cNvPr id="42" name="矢印: 右 41">
-            <a:extLst>
-              <a:ext uri="{FF2B5EF4-FFF2-40B4-BE49-F238E27FC236}">
-                <a16:creationId xmlns:a16="http://schemas.microsoft.com/office/drawing/2014/main" id="{7B0F8915-0BB1-10BC-7356-B783FACCCD40}"/>
-              </a:ext>
-            </a:extLst>
-          </p:cNvPr>
-          <p:cNvSpPr/>
-          <p:nvPr/>
-        </p:nvSpPr>
-        <p:spPr>
-          <a:xfrm rot="21178631">
-            <a:off x="3695769" y="2114365"/>
-            <a:ext cx="3768300" cy="1020253"/>
-          </a:xfrm>
-          <a:prstGeom prst="rightArrow">
-            <a:avLst/>
-          </a:prstGeom>
-        </p:spPr>
-        <p:style>
-          <a:lnRef idx="2">
-            <a:schemeClr val="accent5">
-              <a:shade val="50000"/>
-            </a:schemeClr>
-          </a:lnRef>
-          <a:fillRef idx="1">
-            <a:schemeClr val="accent5"/>
-          </a:fillRef>
-          <a:effectRef idx="0">
-            <a:schemeClr val="accent5"/>
-          </a:effectRef>
-          <a:fontRef idx="minor">
-            <a:schemeClr val="lt1"/>
-          </a:fontRef>
-        </p:style>
-        <p:txBody>
-          <a:bodyPr rtlCol="0" anchor="ctr"/>
-          <a:lstStyle/>
-          <a:p>
-            <a:pPr algn="ctr"/>
-            <a:endParaRPr kumimoji="1" lang="ja-JP" altLang="en-US"/>
-          </a:p>
-        </p:txBody>
-      </p:sp>
-      <p:sp>
-        <p:nvSpPr>
-          <p:cNvPr id="43" name="矢印: 右 42">
-            <a:extLst>
-              <a:ext uri="{FF2B5EF4-FFF2-40B4-BE49-F238E27FC236}">
-                <a16:creationId xmlns:a16="http://schemas.microsoft.com/office/drawing/2014/main" id="{E03D659D-4D8F-7C26-1CA0-C36E4C2731B9}"/>
-              </a:ext>
-            </a:extLst>
-          </p:cNvPr>
-          <p:cNvSpPr/>
-          <p:nvPr/>
-        </p:nvSpPr>
-        <p:spPr>
-          <a:xfrm rot="905486">
-            <a:off x="3360071" y="4007037"/>
-            <a:ext cx="1630351" cy="1020253"/>
-          </a:xfrm>
-          <a:prstGeom prst="rightArrow">
-            <a:avLst/>
-          </a:prstGeom>
-        </p:spPr>
-        <p:style>
-          <a:lnRef idx="2">
-            <a:schemeClr val="accent5">
-              <a:shade val="50000"/>
-            </a:schemeClr>
-          </a:lnRef>
-          <a:fillRef idx="1">
-            <a:schemeClr val="accent5"/>
-          </a:fillRef>
-          <a:effectRef idx="0">
-            <a:schemeClr val="accent5"/>
-          </a:effectRef>
-          <a:fontRef idx="minor">
-            <a:schemeClr val="lt1"/>
-          </a:fontRef>
-        </p:style>
-        <p:txBody>
-          <a:bodyPr rtlCol="0" anchor="ctr"/>
-          <a:lstStyle/>
-          <a:p>
-            <a:pPr algn="ctr"/>
-            <a:endParaRPr kumimoji="1" lang="ja-JP" altLang="en-US" dirty="0"/>
-          </a:p>
-        </p:txBody>
-      </p:sp>
-      <p:grpSp>
-        <p:nvGrpSpPr>
-          <p:cNvPr id="44" name="グループ化 43">
-            <a:extLst>
-              <a:ext uri="{FF2B5EF4-FFF2-40B4-BE49-F238E27FC236}">
-                <a16:creationId xmlns:a16="http://schemas.microsoft.com/office/drawing/2014/main" id="{390D809C-E89F-11DD-DBF1-884F2675DF20}"/>
-              </a:ext>
-            </a:extLst>
-          </p:cNvPr>
-          <p:cNvGrpSpPr/>
-          <p:nvPr/>
-        </p:nvGrpSpPr>
-        <p:grpSpPr>
-          <a:xfrm>
-            <a:off x="903144" y="2597458"/>
-            <a:ext cx="2319443" cy="1856449"/>
-            <a:chOff x="845788" y="3112387"/>
-            <a:chExt cx="2319443" cy="1856449"/>
-          </a:xfrm>
-        </p:grpSpPr>
-        <p:sp>
-          <p:nvSpPr>
-            <p:cNvPr id="45" name="フリーフォーム: 図形 44">
-              <a:extLst>
-                <a:ext uri="{FF2B5EF4-FFF2-40B4-BE49-F238E27FC236}">
-                  <a16:creationId xmlns:a16="http://schemas.microsoft.com/office/drawing/2014/main" id="{EBF0C631-21FD-DD84-5692-82AFF7FD7FE4}"/>
-                </a:ext>
-              </a:extLst>
-            </p:cNvPr>
-            <p:cNvSpPr/>
-            <p:nvPr/>
-          </p:nvSpPr>
-          <p:spPr>
-            <a:xfrm>
-              <a:off x="1137908" y="4740196"/>
-              <a:ext cx="1678930" cy="228640"/>
-            </a:xfrm>
-            <a:custGeom>
-              <a:avLst/>
-              <a:gdLst>
-                <a:gd name="connsiteX0" fmla="*/ 839465 w 1678930"/>
-                <a:gd name="connsiteY0" fmla="*/ 0 h 233902"/>
-                <a:gd name="connsiteX1" fmla="*/ 1678930 w 1678930"/>
-                <a:gd name="connsiteY1" fmla="*/ 221480 h 233902"/>
-                <a:gd name="connsiteX2" fmla="*/ 1674184 w 1678930"/>
-                <a:gd name="connsiteY2" fmla="*/ 233902 h 233902"/>
-                <a:gd name="connsiteX3" fmla="*/ 4746 w 1678930"/>
-                <a:gd name="connsiteY3" fmla="*/ 233902 h 233902"/>
-                <a:gd name="connsiteX4" fmla="*/ 0 w 1678930"/>
-                <a:gd name="connsiteY4" fmla="*/ 221480 h 233902"/>
-                <a:gd name="connsiteX5" fmla="*/ 839465 w 1678930"/>
-                <a:gd name="connsiteY5" fmla="*/ 0 h 233902"/>
-              </a:gdLst>
-              <a:ahLst/>
-              <a:cxnLst>
-                <a:cxn ang="0">
-                  <a:pos x="connsiteX0" y="connsiteY0"/>
-                </a:cxn>
-                <a:cxn ang="0">
-                  <a:pos x="connsiteX1" y="connsiteY1"/>
-                </a:cxn>
-                <a:cxn ang="0">
-                  <a:pos x="connsiteX2" y="connsiteY2"/>
-                </a:cxn>
-                <a:cxn ang="0">
-                  <a:pos x="connsiteX3" y="connsiteY3"/>
-                </a:cxn>
-                <a:cxn ang="0">
-                  <a:pos x="connsiteX4" y="connsiteY4"/>
-                </a:cxn>
-                <a:cxn ang="0">
-                  <a:pos x="connsiteX5" y="connsiteY5"/>
-                </a:cxn>
-              </a:cxnLst>
-              <a:rect l="l" t="t" r="r" b="b"/>
-              <a:pathLst>
-                <a:path w="1678930" h="233902">
-                  <a:moveTo>
-                    <a:pt x="839465" y="0"/>
-                  </a:moveTo>
-                  <a:cubicBezTo>
-                    <a:pt x="1303089" y="0"/>
-                    <a:pt x="1678930" y="99160"/>
-                    <a:pt x="1678930" y="221480"/>
-                  </a:cubicBezTo>
-                  <a:lnTo>
-                    <a:pt x="1674184" y="233902"/>
-                  </a:lnTo>
-                  <a:lnTo>
-                    <a:pt x="4746" y="233902"/>
-                  </a:lnTo>
-                  <a:lnTo>
-                    <a:pt x="0" y="221480"/>
-                  </a:lnTo>
-                  <a:cubicBezTo>
-                    <a:pt x="0" y="99160"/>
-                    <a:pt x="375841" y="0"/>
-                    <a:pt x="839465" y="0"/>
-                  </a:cubicBezTo>
-                  <a:close/>
-                </a:path>
-              </a:pathLst>
-            </a:custGeom>
-            <a:solidFill>
-              <a:schemeClr val="bg2">
-                <a:lumMod val="75000"/>
-              </a:schemeClr>
-            </a:solidFill>
-            <a:ln>
-              <a:solidFill>
-                <a:schemeClr val="tx1">
-                  <a:lumMod val="50000"/>
-                  <a:lumOff val="50000"/>
-                </a:schemeClr>
-              </a:solidFill>
-            </a:ln>
-          </p:spPr>
-          <p:style>
-            <a:lnRef idx="2">
-              <a:schemeClr val="accent1">
-                <a:shade val="50000"/>
-              </a:schemeClr>
-            </a:lnRef>
-            <a:fillRef idx="1">
-              <a:schemeClr val="accent1"/>
-            </a:fillRef>
-            <a:effectRef idx="0">
-              <a:schemeClr val="accent1"/>
-            </a:effectRef>
-            <a:fontRef idx="minor">
-              <a:schemeClr val="lt1"/>
-            </a:fontRef>
-          </p:style>
-          <p:txBody>
-            <a:bodyPr wrap="square" rtlCol="0" anchor="ctr">
-              <a:noAutofit/>
-            </a:bodyPr>
-            <a:lstStyle/>
-            <a:p>
-              <a:pPr algn="ctr"/>
-              <a:endParaRPr kumimoji="1" lang="ja-JP" altLang="en-US"/>
-            </a:p>
-          </p:txBody>
-        </p:sp>
-        <p:sp>
-          <p:nvSpPr>
-            <p:cNvPr id="46" name="楕円 45">
-              <a:extLst>
-                <a:ext uri="{FF2B5EF4-FFF2-40B4-BE49-F238E27FC236}">
-                  <a16:creationId xmlns:a16="http://schemas.microsoft.com/office/drawing/2014/main" id="{FF713CF1-B73B-DB0E-0C95-8A0D2578DB91}"/>
-                </a:ext>
-              </a:extLst>
-            </p:cNvPr>
-            <p:cNvSpPr/>
-            <p:nvPr/>
-          </p:nvSpPr>
-          <p:spPr>
-            <a:xfrm>
-              <a:off x="1533144" y="4249736"/>
-              <a:ext cx="901983" cy="646984"/>
-            </a:xfrm>
-            <a:prstGeom prst="ellipse">
-              <a:avLst/>
-            </a:prstGeom>
-            <a:solidFill>
-              <a:schemeClr val="bg2">
-                <a:lumMod val="75000"/>
-              </a:schemeClr>
-            </a:solidFill>
-            <a:ln>
-              <a:solidFill>
-                <a:schemeClr val="tx1">
-                  <a:lumMod val="50000"/>
-                  <a:lumOff val="50000"/>
-                </a:schemeClr>
-              </a:solidFill>
-            </a:ln>
-          </p:spPr>
-          <p:style>
-            <a:lnRef idx="2">
-              <a:schemeClr val="accent1">
-                <a:shade val="50000"/>
-              </a:schemeClr>
-            </a:lnRef>
-            <a:fillRef idx="1">
-              <a:schemeClr val="accent1"/>
-            </a:fillRef>
-            <a:effectRef idx="0">
-              <a:schemeClr val="accent1"/>
-            </a:effectRef>
-            <a:fontRef idx="minor">
-              <a:schemeClr val="lt1"/>
-            </a:fontRef>
-          </p:style>
-          <p:txBody>
-            <a:bodyPr rtlCol="0" anchor="ctr"/>
-            <a:lstStyle/>
-            <a:p>
-              <a:pPr algn="ctr"/>
-              <a:endParaRPr kumimoji="1" lang="ja-JP" altLang="en-US"/>
-            </a:p>
-          </p:txBody>
-        </p:sp>
-        <p:sp>
-          <p:nvSpPr>
-            <p:cNvPr id="47" name="正方形/長方形 46">
-              <a:extLst>
-                <a:ext uri="{FF2B5EF4-FFF2-40B4-BE49-F238E27FC236}">
-                  <a16:creationId xmlns:a16="http://schemas.microsoft.com/office/drawing/2014/main" id="{6F8394A5-03F7-447E-F1DE-404C6E8B4ED1}"/>
-                </a:ext>
-              </a:extLst>
-            </p:cNvPr>
-            <p:cNvSpPr/>
-            <p:nvPr/>
-          </p:nvSpPr>
-          <p:spPr>
-            <a:xfrm>
-              <a:off x="845788" y="3112387"/>
-              <a:ext cx="2319443" cy="1491995"/>
-            </a:xfrm>
-            <a:prstGeom prst="rect">
-              <a:avLst/>
-            </a:prstGeom>
-            <a:solidFill>
-              <a:schemeClr val="accent3"/>
-            </a:solidFill>
-            <a:ln w="76200">
-              <a:solidFill>
-                <a:schemeClr val="tx1"/>
-              </a:solidFill>
-            </a:ln>
-          </p:spPr>
-          <p:style>
-            <a:lnRef idx="2">
-              <a:schemeClr val="accent1">
-                <a:shade val="50000"/>
-              </a:schemeClr>
-            </a:lnRef>
-            <a:fillRef idx="1">
-              <a:schemeClr val="accent1"/>
-            </a:fillRef>
-            <a:effectRef idx="0">
-              <a:schemeClr val="accent1"/>
-            </a:effectRef>
-            <a:fontRef idx="minor">
-              <a:schemeClr val="lt1"/>
-            </a:fontRef>
-          </p:style>
-          <p:txBody>
-            <a:bodyPr rtlCol="0" anchor="ctr"/>
-            <a:lstStyle/>
-            <a:p>
-              <a:pPr algn="ctr"/>
-              <a:endParaRPr kumimoji="1" lang="ja-JP" altLang="en-US" dirty="0"/>
-            </a:p>
-          </p:txBody>
-        </p:sp>
-        <p:sp>
-          <p:nvSpPr>
-            <p:cNvPr id="48" name="直角三角形 47">
-              <a:extLst>
-                <a:ext uri="{FF2B5EF4-FFF2-40B4-BE49-F238E27FC236}">
-                  <a16:creationId xmlns:a16="http://schemas.microsoft.com/office/drawing/2014/main" id="{27D186FF-37C1-7E5A-0F63-7E1C85A8D8C2}"/>
-                </a:ext>
-              </a:extLst>
-            </p:cNvPr>
-            <p:cNvSpPr/>
-            <p:nvPr/>
-          </p:nvSpPr>
-          <p:spPr>
-            <a:xfrm rot="5400000">
-              <a:off x="944700" y="3268130"/>
-              <a:ext cx="966417" cy="901983"/>
-            </a:xfrm>
-            <a:prstGeom prst="rtTriangle">
-              <a:avLst/>
-            </a:prstGeom>
-            <a:solidFill>
-              <a:srgbClr val="99D6D7"/>
-            </a:solidFill>
-            <a:ln>
-              <a:noFill/>
-            </a:ln>
-          </p:spPr>
-          <p:style>
-            <a:lnRef idx="2">
-              <a:schemeClr val="accent6"/>
-            </a:lnRef>
-            <a:fillRef idx="1">
-              <a:schemeClr val="lt1"/>
-            </a:fillRef>
-            <a:effectRef idx="0">
-              <a:schemeClr val="accent6"/>
-            </a:effectRef>
-            <a:fontRef idx="minor">
-              <a:schemeClr val="dk1"/>
-            </a:fontRef>
-          </p:style>
-          <p:txBody>
-            <a:bodyPr rtlCol="0" anchor="ctr"/>
-            <a:lstStyle/>
-            <a:p>
-              <a:pPr algn="ctr"/>
-              <a:endParaRPr kumimoji="1" lang="ja-JP" altLang="en-US"/>
-            </a:p>
-          </p:txBody>
-        </p:sp>
-      </p:grpSp>
-      <p:sp>
-        <p:nvSpPr>
-          <p:cNvPr id="49" name="思考の吹き出し: 雲形 48">
-            <a:extLst>
-              <a:ext uri="{FF2B5EF4-FFF2-40B4-BE49-F238E27FC236}">
-                <a16:creationId xmlns:a16="http://schemas.microsoft.com/office/drawing/2014/main" id="{85736F2E-9C3F-61AC-1EE7-FFBD07932F7F}"/>
-              </a:ext>
-            </a:extLst>
-          </p:cNvPr>
-          <p:cNvSpPr/>
-          <p:nvPr/>
-        </p:nvSpPr>
-        <p:spPr>
-          <a:xfrm>
-            <a:off x="2315887" y="1616445"/>
-            <a:ext cx="2152375" cy="1067146"/>
-          </a:xfrm>
-          <a:prstGeom prst="cloudCallout">
-            <a:avLst/>
-          </a:prstGeom>
-        </p:spPr>
-        <p:style>
-          <a:lnRef idx="2">
-            <a:schemeClr val="accent6"/>
-          </a:lnRef>
-          <a:fillRef idx="1">
-            <a:schemeClr val="lt1"/>
-          </a:fillRef>
-          <a:effectRef idx="0">
-            <a:schemeClr val="accent6"/>
-          </a:effectRef>
-          <a:fontRef idx="minor">
-            <a:schemeClr val="dk1"/>
-          </a:fontRef>
-        </p:style>
-        <p:txBody>
-          <a:bodyPr rtlCol="0" anchor="ctr"/>
-          <a:lstStyle/>
-          <a:p>
-            <a:pPr algn="ctr"/>
-            <a:r>
-              <a:rPr kumimoji="1" lang="en-US" altLang="ja-JP" dirty="0"/>
-              <a:t>cd </a:t>
-            </a:r>
-            <a:r>
-              <a:rPr kumimoji="1" lang="en-US" altLang="ja-JP" dirty="0" err="1"/>
-              <a:t>Desctop</a:t>
-            </a:r>
-            <a:endParaRPr kumimoji="1" lang="ja-JP" altLang="en-US" dirty="0"/>
-          </a:p>
-        </p:txBody>
-      </p:sp>
-      <p:sp>
-        <p:nvSpPr>
-          <p:cNvPr id="50" name="思考の吹き出し: 雲形 49">
-            <a:extLst>
-              <a:ext uri="{FF2B5EF4-FFF2-40B4-BE49-F238E27FC236}">
-                <a16:creationId xmlns:a16="http://schemas.microsoft.com/office/drawing/2014/main" id="{61342C74-58A2-B9C8-270B-667717443AB3}"/>
-              </a:ext>
-            </a:extLst>
-          </p:cNvPr>
-          <p:cNvSpPr/>
-          <p:nvPr/>
-        </p:nvSpPr>
-        <p:spPr>
-          <a:xfrm>
-            <a:off x="8711629" y="987483"/>
-            <a:ext cx="3430974" cy="1333392"/>
-          </a:xfrm>
-          <a:prstGeom prst="cloudCallout">
-            <a:avLst>
-              <a:gd name="adj1" fmla="val -31855"/>
-              <a:gd name="adj2" fmla="val 62500"/>
-            </a:avLst>
-          </a:prstGeom>
-        </p:spPr>
-        <p:style>
-          <a:lnRef idx="2">
-            <a:schemeClr val="accent6"/>
-          </a:lnRef>
-          <a:fillRef idx="1">
-            <a:schemeClr val="lt1"/>
-          </a:fillRef>
-          <a:effectRef idx="0">
-            <a:schemeClr val="accent6"/>
-          </a:effectRef>
-          <a:fontRef idx="minor">
-            <a:schemeClr val="dk1"/>
-          </a:fontRef>
-        </p:style>
-        <p:txBody>
-          <a:bodyPr rtlCol="0" anchor="ctr"/>
-          <a:lstStyle/>
-          <a:p>
-            <a:pPr algn="ctr"/>
-            <a:r>
-              <a:rPr kumimoji="1" lang="en-US" altLang="ja-JP" dirty="0"/>
-              <a:t>cd </a:t>
-            </a:r>
-            <a:r>
-              <a:rPr kumimoji="1" lang="en-US" altLang="ja-JP" dirty="0" err="1"/>
-              <a:t>Desctop</a:t>
-            </a:r>
-            <a:r>
-              <a:rPr kumimoji="1" lang="en-US" altLang="ja-JP" dirty="0"/>
-              <a:t>/Folder</a:t>
-            </a:r>
-            <a:r>
-              <a:rPr kumimoji="1" lang="ja-JP" altLang="en-US" dirty="0"/>
-              <a:t>１</a:t>
-            </a:r>
-          </a:p>
-        </p:txBody>
-      </p:sp>
-      <p:sp>
-        <p:nvSpPr>
-          <p:cNvPr id="51" name="思考の吹き出し: 雲形 50">
-            <a:extLst>
-              <a:ext uri="{FF2B5EF4-FFF2-40B4-BE49-F238E27FC236}">
-                <a16:creationId xmlns:a16="http://schemas.microsoft.com/office/drawing/2014/main" id="{5C3E79E7-9F06-A457-324E-0A590ADE9AAF}"/>
-              </a:ext>
-            </a:extLst>
-          </p:cNvPr>
-          <p:cNvSpPr/>
-          <p:nvPr/>
-        </p:nvSpPr>
-        <p:spPr>
-          <a:xfrm>
-            <a:off x="8093919" y="3567014"/>
-            <a:ext cx="4384123" cy="1221181"/>
-          </a:xfrm>
-          <a:prstGeom prst="cloudCallout">
-            <a:avLst>
-              <a:gd name="adj1" fmla="val -7186"/>
-              <a:gd name="adj2" fmla="val 82084"/>
-            </a:avLst>
-          </a:prstGeom>
-        </p:spPr>
-        <p:style>
-          <a:lnRef idx="2">
-            <a:schemeClr val="accent6"/>
-          </a:lnRef>
-          <a:fillRef idx="1">
-            <a:schemeClr val="lt1"/>
-          </a:fillRef>
-          <a:effectRef idx="0">
-            <a:schemeClr val="accent6"/>
-          </a:effectRef>
-          <a:fontRef idx="minor">
-            <a:schemeClr val="dk1"/>
-          </a:fontRef>
-        </p:style>
-        <p:txBody>
-          <a:bodyPr rtlCol="0" anchor="ctr"/>
-          <a:lstStyle/>
-          <a:p>
-            <a:pPr algn="ctr"/>
-            <a:r>
-              <a:rPr kumimoji="1" lang="en-US" altLang="ja-JP" dirty="0"/>
-              <a:t>cd </a:t>
-            </a:r>
-            <a:r>
-              <a:rPr kumimoji="1" lang="en-US" altLang="ja-JP" dirty="0" err="1"/>
-              <a:t>Desctop</a:t>
-            </a:r>
-            <a:r>
-              <a:rPr kumimoji="1" lang="en-US" altLang="ja-JP" dirty="0"/>
-              <a:t>/Folder2/Folder3</a:t>
-            </a:r>
-            <a:endParaRPr kumimoji="1" lang="ja-JP" altLang="en-US" dirty="0"/>
-          </a:p>
-        </p:txBody>
-      </p:sp>
-      <p:grpSp>
-        <p:nvGrpSpPr>
-          <p:cNvPr id="14" name="グループ化 13">
-            <a:extLst>
-              <a:ext uri="{FF2B5EF4-FFF2-40B4-BE49-F238E27FC236}">
-                <a16:creationId xmlns:a16="http://schemas.microsoft.com/office/drawing/2014/main" id="{78FC8152-A754-7222-C2FE-AF24E93B72FC}"/>
-              </a:ext>
-            </a:extLst>
-          </p:cNvPr>
-          <p:cNvGrpSpPr/>
-          <p:nvPr/>
-        </p:nvGrpSpPr>
-        <p:grpSpPr>
-          <a:xfrm>
-            <a:off x="5123796" y="4320131"/>
-            <a:ext cx="1729571" cy="1304463"/>
-            <a:chOff x="5050302" y="4887653"/>
-            <a:chExt cx="1729571" cy="1304463"/>
-          </a:xfrm>
-        </p:grpSpPr>
-        <p:sp>
-          <p:nvSpPr>
-            <p:cNvPr id="12" name="矢印: 五方向 11">
-              <a:extLst>
-                <a:ext uri="{FF2B5EF4-FFF2-40B4-BE49-F238E27FC236}">
-                  <a16:creationId xmlns:a16="http://schemas.microsoft.com/office/drawing/2014/main" id="{C410260D-FF53-5A89-C997-0FA16588284F}"/>
-                </a:ext>
-              </a:extLst>
-            </p:cNvPr>
-            <p:cNvSpPr/>
-            <p:nvPr/>
-          </p:nvSpPr>
-          <p:spPr>
-            <a:xfrm>
-              <a:off x="5071027" y="4887653"/>
-              <a:ext cx="921810" cy="550112"/>
-            </a:xfrm>
-            <a:prstGeom prst="homePlate">
-              <a:avLst/>
-            </a:prstGeom>
-          </p:spPr>
-          <p:style>
-            <a:lnRef idx="2">
-              <a:schemeClr val="accent1">
-                <a:shade val="50000"/>
-              </a:schemeClr>
-            </a:lnRef>
-            <a:fillRef idx="1">
-              <a:schemeClr val="accent1"/>
-            </a:fillRef>
-            <a:effectRef idx="0">
-              <a:schemeClr val="accent1"/>
-            </a:effectRef>
-            <a:fontRef idx="minor">
-              <a:schemeClr val="lt1"/>
-            </a:fontRef>
-          </p:style>
-          <p:txBody>
-            <a:bodyPr rtlCol="0" anchor="ctr"/>
-            <a:lstStyle/>
-            <a:p>
-              <a:pPr algn="ctr"/>
-              <a:endParaRPr kumimoji="1" lang="ja-JP" altLang="en-US"/>
-            </a:p>
-          </p:txBody>
-        </p:sp>
-        <p:sp>
-          <p:nvSpPr>
-            <p:cNvPr id="13" name="四角形: メモ 12">
-              <a:extLst>
-                <a:ext uri="{FF2B5EF4-FFF2-40B4-BE49-F238E27FC236}">
-                  <a16:creationId xmlns:a16="http://schemas.microsoft.com/office/drawing/2014/main" id="{7BA7CFFC-D19F-2294-7647-0B4A2221401A}"/>
-                </a:ext>
-              </a:extLst>
-            </p:cNvPr>
-            <p:cNvSpPr/>
-            <p:nvPr/>
-          </p:nvSpPr>
-          <p:spPr>
-            <a:xfrm>
-              <a:off x="5071027" y="5002023"/>
-              <a:ext cx="1708846" cy="881305"/>
-            </a:xfrm>
-            <a:prstGeom prst="foldedCorner">
-              <a:avLst/>
-            </a:prstGeom>
-          </p:spPr>
-          <p:style>
-            <a:lnRef idx="2">
-              <a:schemeClr val="accent6"/>
-            </a:lnRef>
-            <a:fillRef idx="1">
-              <a:schemeClr val="lt1"/>
-            </a:fillRef>
-            <a:effectRef idx="0">
-              <a:schemeClr val="accent6"/>
-            </a:effectRef>
-            <a:fontRef idx="minor">
-              <a:schemeClr val="dk1"/>
-            </a:fontRef>
-          </p:style>
-          <p:txBody>
-            <a:bodyPr rtlCol="0" anchor="ctr"/>
-            <a:lstStyle/>
-            <a:p>
-              <a:pPr algn="ctr"/>
-              <a:endParaRPr kumimoji="1" lang="ja-JP" altLang="en-US"/>
-            </a:p>
-          </p:txBody>
-        </p:sp>
-        <p:sp>
-          <p:nvSpPr>
-            <p:cNvPr id="11" name="正方形/長方形 10">
-              <a:extLst>
-                <a:ext uri="{FF2B5EF4-FFF2-40B4-BE49-F238E27FC236}">
-                  <a16:creationId xmlns:a16="http://schemas.microsoft.com/office/drawing/2014/main" id="{5B1604D6-2518-FED3-50C0-8D11C3029820}"/>
-                </a:ext>
-              </a:extLst>
-            </p:cNvPr>
-            <p:cNvSpPr/>
-            <p:nvPr/>
-          </p:nvSpPr>
-          <p:spPr>
-            <a:xfrm>
-              <a:off x="5050302" y="5106572"/>
-              <a:ext cx="1729571" cy="1085544"/>
-            </a:xfrm>
-            <a:prstGeom prst="rect">
-              <a:avLst/>
-            </a:prstGeom>
-          </p:spPr>
-          <p:style>
-            <a:lnRef idx="2">
-              <a:schemeClr val="accent1">
-                <a:shade val="50000"/>
-              </a:schemeClr>
-            </a:lnRef>
-            <a:fillRef idx="1">
-              <a:schemeClr val="accent1"/>
-            </a:fillRef>
-            <a:effectRef idx="0">
-              <a:schemeClr val="accent1"/>
-            </a:effectRef>
-            <a:fontRef idx="minor">
-              <a:schemeClr val="lt1"/>
-            </a:fontRef>
-          </p:style>
-          <p:txBody>
-            <a:bodyPr rtlCol="0" anchor="ctr"/>
-            <a:lstStyle/>
-            <a:p>
-              <a:pPr algn="ctr"/>
-              <a:r>
-                <a:rPr kumimoji="1" lang="en-US" altLang="ja-JP" dirty="0"/>
-                <a:t>Folder2</a:t>
-              </a:r>
-              <a:endParaRPr kumimoji="1" lang="ja-JP" altLang="en-US" dirty="0"/>
-            </a:p>
-          </p:txBody>
-        </p:sp>
-      </p:grpSp>
-      <p:sp>
-        <p:nvSpPr>
-          <p:cNvPr id="15" name="矢印: 右 14">
-            <a:extLst>
-              <a:ext uri="{FF2B5EF4-FFF2-40B4-BE49-F238E27FC236}">
-                <a16:creationId xmlns:a16="http://schemas.microsoft.com/office/drawing/2014/main" id="{4753CCE8-B16F-4D85-B880-BCDBA11B6C54}"/>
-              </a:ext>
-            </a:extLst>
-          </p:cNvPr>
-          <p:cNvSpPr/>
-          <p:nvPr/>
-        </p:nvSpPr>
-        <p:spPr>
-          <a:xfrm rot="751529">
-            <a:off x="7117815" y="4889528"/>
-            <a:ext cx="1630351" cy="1020253"/>
-          </a:xfrm>
-          <a:prstGeom prst="rightArrow">
-            <a:avLst/>
-          </a:prstGeom>
-        </p:spPr>
-        <p:style>
-          <a:lnRef idx="2">
-            <a:schemeClr val="accent5">
-              <a:shade val="50000"/>
-            </a:schemeClr>
-          </a:lnRef>
-          <a:fillRef idx="1">
-            <a:schemeClr val="accent5"/>
-          </a:fillRef>
-          <a:effectRef idx="0">
-            <a:schemeClr val="accent5"/>
-          </a:effectRef>
-          <a:fontRef idx="minor">
-            <a:schemeClr val="lt1"/>
-          </a:fontRef>
-        </p:style>
-        <p:txBody>
-          <a:bodyPr rtlCol="0" anchor="ctr"/>
-          <a:lstStyle/>
-          <a:p>
-            <a:pPr algn="ctr"/>
-            <a:endParaRPr kumimoji="1" lang="ja-JP" altLang="en-US" dirty="0"/>
-          </a:p>
-        </p:txBody>
-      </p:sp>
-    </p:spTree>
-    <p:extLst>
-      <p:ext uri="{BB962C8B-B14F-4D97-AF65-F5344CB8AC3E}">
-        <p14:creationId xmlns:p14="http://schemas.microsoft.com/office/powerpoint/2010/main" val="884260119"/>
-      </p:ext>
-    </p:extLst>
-  </p:cSld>
-  <p:clrMapOvr>
-    <a:masterClrMapping/>
-  </p:clrMapOvr>
-  <p:timing>
-    <p:tnLst>
-      <p:par>
-        <p:cTn id="1" dur="indefinite" restart="never" nodeType="tmRoot">
-          <p:childTnLst>
-            <p:seq concurrent="1" nextAc="seek">
-              <p:cTn id="2" dur="indefinite" nodeType="mainSeq">
-                <p:childTnLst>
-                  <p:par>
-                    <p:cTn id="3" fill="hold">
-                      <p:stCondLst>
-                        <p:cond delay="indefinite"/>
-                      </p:stCondLst>
-                      <p:childTnLst>
-                        <p:par>
-                          <p:cTn id="4" fill="hold">
-                            <p:stCondLst>
-                              <p:cond delay="0"/>
-                            </p:stCondLst>
-                            <p:childTnLst>
-                              <p:par>
-                                <p:cTn id="5" presetID="10" presetClass="entr" presetSubtype="0" fill="hold" nodeType="clickEffect">
-                                  <p:stCondLst>
-                                    <p:cond delay="0"/>
-                                  </p:stCondLst>
-                                  <p:childTnLst>
-                                    <p:set>
-                                      <p:cBhvr>
-                                        <p:cTn id="6" dur="1" fill="hold">
-                                          <p:stCondLst>
-                                            <p:cond delay="0"/>
-                                          </p:stCondLst>
-                                        </p:cTn>
-                                        <p:tgtEl>
-                                          <p:spTgt spid="44"/>
-                                        </p:tgtEl>
-                                        <p:attrNameLst>
-                                          <p:attrName>style.visibility</p:attrName>
-                                        </p:attrNameLst>
-                                      </p:cBhvr>
-                                      <p:to>
-                                        <p:strVal val="visible"/>
-                                      </p:to>
-                                    </p:set>
-                                    <p:animEffect transition="in" filter="fade">
-                                      <p:cBhvr>
-                                        <p:cTn id="7" dur="500"/>
-                                        <p:tgtEl>
-                                          <p:spTgt spid="44"/>
-                                        </p:tgtEl>
-                                      </p:cBhvr>
-                                    </p:animEffect>
-                                  </p:childTnLst>
-                                </p:cTn>
-                              </p:par>
-                            </p:childTnLst>
-                          </p:cTn>
-                        </p:par>
-                        <p:par>
-                          <p:cTn id="8" fill="hold">
-                            <p:stCondLst>
-                              <p:cond delay="500"/>
-                            </p:stCondLst>
-                            <p:childTnLst>
-                              <p:par>
-                                <p:cTn id="9" presetID="10" presetClass="entr" presetSubtype="0" fill="hold" grpId="0" nodeType="afterEffect">
-                                  <p:stCondLst>
-                                    <p:cond delay="0"/>
-                                  </p:stCondLst>
-                                  <p:childTnLst>
-                                    <p:set>
-                                      <p:cBhvr>
-                                        <p:cTn id="10" dur="1" fill="hold">
-                                          <p:stCondLst>
-                                            <p:cond delay="0"/>
-                                          </p:stCondLst>
-                                        </p:cTn>
-                                        <p:tgtEl>
-                                          <p:spTgt spid="49"/>
-                                        </p:tgtEl>
-                                        <p:attrNameLst>
-                                          <p:attrName>style.visibility</p:attrName>
-                                        </p:attrNameLst>
-                                      </p:cBhvr>
-                                      <p:to>
-                                        <p:strVal val="visible"/>
-                                      </p:to>
-                                    </p:set>
-                                    <p:animEffect transition="in" filter="fade">
-                                      <p:cBhvr>
-                                        <p:cTn id="11" dur="500"/>
-                                        <p:tgtEl>
-                                          <p:spTgt spid="49"/>
-                                        </p:tgtEl>
-                                      </p:cBhvr>
-                                    </p:animEffect>
-                                  </p:childTnLst>
-                                </p:cTn>
-                              </p:par>
-                            </p:childTnLst>
-                          </p:cTn>
-                        </p:par>
-                      </p:childTnLst>
-                    </p:cTn>
-                  </p:par>
-                  <p:par>
-                    <p:cTn id="12" fill="hold">
-                      <p:stCondLst>
-                        <p:cond delay="indefinite"/>
-                      </p:stCondLst>
-                      <p:childTnLst>
-                        <p:par>
-                          <p:cTn id="13" fill="hold">
-                            <p:stCondLst>
-                              <p:cond delay="0"/>
-                            </p:stCondLst>
-                            <p:childTnLst>
-                              <p:par>
-                                <p:cTn id="14" presetID="10" presetClass="entr" presetSubtype="0" fill="hold" grpId="0" nodeType="clickEffect">
-                                  <p:stCondLst>
-                                    <p:cond delay="0"/>
-                                  </p:stCondLst>
-                                  <p:childTnLst>
-                                    <p:set>
-                                      <p:cBhvr>
-                                        <p:cTn id="15" dur="1" fill="hold">
-                                          <p:stCondLst>
-                                            <p:cond delay="0"/>
-                                          </p:stCondLst>
-                                        </p:cTn>
-                                        <p:tgtEl>
-                                          <p:spTgt spid="42"/>
-                                        </p:tgtEl>
-                                        <p:attrNameLst>
-                                          <p:attrName>style.visibility</p:attrName>
-                                        </p:attrNameLst>
-                                      </p:cBhvr>
-                                      <p:to>
-                                        <p:strVal val="visible"/>
-                                      </p:to>
-                                    </p:set>
-                                    <p:animEffect transition="in" filter="fade">
-                                      <p:cBhvr>
-                                        <p:cTn id="16" dur="500"/>
-                                        <p:tgtEl>
-                                          <p:spTgt spid="42"/>
-                                        </p:tgtEl>
-                                      </p:cBhvr>
-                                    </p:animEffect>
-                                  </p:childTnLst>
-                                </p:cTn>
-                              </p:par>
-                            </p:childTnLst>
-                          </p:cTn>
-                        </p:par>
-                        <p:par>
-                          <p:cTn id="17" fill="hold">
-                            <p:stCondLst>
-                              <p:cond delay="500"/>
-                            </p:stCondLst>
-                            <p:childTnLst>
-                              <p:par>
-                                <p:cTn id="18" presetID="10" presetClass="entr" presetSubtype="0" fill="hold" nodeType="afterEffect">
-                                  <p:stCondLst>
-                                    <p:cond delay="0"/>
-                                  </p:stCondLst>
-                                  <p:childTnLst>
-                                    <p:set>
-                                      <p:cBhvr>
-                                        <p:cTn id="19" dur="1" fill="hold">
-                                          <p:stCondLst>
-                                            <p:cond delay="0"/>
-                                          </p:stCondLst>
-                                        </p:cTn>
-                                        <p:tgtEl>
-                                          <p:spTgt spid="18"/>
-                                        </p:tgtEl>
-                                        <p:attrNameLst>
-                                          <p:attrName>style.visibility</p:attrName>
-                                        </p:attrNameLst>
-                                      </p:cBhvr>
-                                      <p:to>
-                                        <p:strVal val="visible"/>
-                                      </p:to>
-                                    </p:set>
-                                    <p:animEffect transition="in" filter="fade">
-                                      <p:cBhvr>
-                                        <p:cTn id="20" dur="500"/>
-                                        <p:tgtEl>
-                                          <p:spTgt spid="18"/>
-                                        </p:tgtEl>
-                                      </p:cBhvr>
-                                    </p:animEffect>
-                                  </p:childTnLst>
-                                </p:cTn>
-                              </p:par>
-                            </p:childTnLst>
-                          </p:cTn>
-                        </p:par>
-                        <p:par>
-                          <p:cTn id="21" fill="hold">
-                            <p:stCondLst>
-                              <p:cond delay="1000"/>
-                            </p:stCondLst>
-                            <p:childTnLst>
-                              <p:par>
-                                <p:cTn id="22" presetID="10" presetClass="entr" presetSubtype="0" fill="hold" grpId="0" nodeType="afterEffect">
-                                  <p:stCondLst>
-                                    <p:cond delay="0"/>
-                                  </p:stCondLst>
-                                  <p:childTnLst>
-                                    <p:set>
-                                      <p:cBhvr>
-                                        <p:cTn id="23" dur="1" fill="hold">
-                                          <p:stCondLst>
-                                            <p:cond delay="0"/>
-                                          </p:stCondLst>
-                                        </p:cTn>
-                                        <p:tgtEl>
-                                          <p:spTgt spid="50"/>
-                                        </p:tgtEl>
-                                        <p:attrNameLst>
-                                          <p:attrName>style.visibility</p:attrName>
-                                        </p:attrNameLst>
-                                      </p:cBhvr>
-                                      <p:to>
-                                        <p:strVal val="visible"/>
-                                      </p:to>
-                                    </p:set>
-                                    <p:animEffect transition="in" filter="fade">
-                                      <p:cBhvr>
-                                        <p:cTn id="24" dur="500"/>
-                                        <p:tgtEl>
-                                          <p:spTgt spid="50"/>
-                                        </p:tgtEl>
-                                      </p:cBhvr>
-                                    </p:animEffect>
-                                  </p:childTnLst>
-                                </p:cTn>
-                              </p:par>
-                            </p:childTnLst>
-                          </p:cTn>
-                        </p:par>
-                      </p:childTnLst>
-                    </p:cTn>
-                  </p:par>
-                  <p:par>
-                    <p:cTn id="25" fill="hold">
-                      <p:stCondLst>
-                        <p:cond delay="indefinite"/>
-                      </p:stCondLst>
-                      <p:childTnLst>
-                        <p:par>
-                          <p:cTn id="26" fill="hold">
-                            <p:stCondLst>
-                              <p:cond delay="0"/>
-                            </p:stCondLst>
-                            <p:childTnLst>
-                              <p:par>
-                                <p:cTn id="27" presetID="10" presetClass="entr" presetSubtype="0" fill="hold" grpId="0" nodeType="clickEffect">
-                                  <p:stCondLst>
-                                    <p:cond delay="0"/>
-                                  </p:stCondLst>
-                                  <p:childTnLst>
-                                    <p:set>
-                                      <p:cBhvr>
-                                        <p:cTn id="28" dur="1" fill="hold">
-                                          <p:stCondLst>
-                                            <p:cond delay="0"/>
-                                          </p:stCondLst>
-                                        </p:cTn>
-                                        <p:tgtEl>
-                                          <p:spTgt spid="43"/>
-                                        </p:tgtEl>
-                                        <p:attrNameLst>
-                                          <p:attrName>style.visibility</p:attrName>
-                                        </p:attrNameLst>
-                                      </p:cBhvr>
-                                      <p:to>
-                                        <p:strVal val="visible"/>
-                                      </p:to>
-                                    </p:set>
-                                    <p:animEffect transition="in" filter="fade">
-                                      <p:cBhvr>
-                                        <p:cTn id="29" dur="500"/>
-                                        <p:tgtEl>
-                                          <p:spTgt spid="43"/>
-                                        </p:tgtEl>
-                                      </p:cBhvr>
-                                    </p:animEffect>
-                                  </p:childTnLst>
-                                </p:cTn>
-                              </p:par>
-                            </p:childTnLst>
-                          </p:cTn>
-                        </p:par>
-                        <p:par>
-                          <p:cTn id="30" fill="hold">
-                            <p:stCondLst>
-                              <p:cond delay="500"/>
-                            </p:stCondLst>
-                            <p:childTnLst>
-                              <p:par>
-                                <p:cTn id="31" presetID="10" presetClass="entr" presetSubtype="0" fill="hold" nodeType="afterEffect">
-                                  <p:stCondLst>
-                                    <p:cond delay="0"/>
-                                  </p:stCondLst>
-                                  <p:childTnLst>
-                                    <p:set>
-                                      <p:cBhvr>
-                                        <p:cTn id="32" dur="1" fill="hold">
-                                          <p:stCondLst>
-                                            <p:cond delay="0"/>
-                                          </p:stCondLst>
-                                        </p:cTn>
-                                        <p:tgtEl>
-                                          <p:spTgt spid="14"/>
-                                        </p:tgtEl>
-                                        <p:attrNameLst>
-                                          <p:attrName>style.visibility</p:attrName>
-                                        </p:attrNameLst>
-                                      </p:cBhvr>
-                                      <p:to>
-                                        <p:strVal val="visible"/>
-                                      </p:to>
-                                    </p:set>
-                                    <p:animEffect transition="in" filter="fade">
-                                      <p:cBhvr>
-                                        <p:cTn id="33" dur="500"/>
-                                        <p:tgtEl>
-                                          <p:spTgt spid="14"/>
-                                        </p:tgtEl>
-                                      </p:cBhvr>
-                                    </p:animEffect>
-                                  </p:childTnLst>
-                                </p:cTn>
-                              </p:par>
-                            </p:childTnLst>
-                          </p:cTn>
-                        </p:par>
-                        <p:par>
-                          <p:cTn id="34" fill="hold">
-                            <p:stCondLst>
-                              <p:cond delay="1000"/>
-                            </p:stCondLst>
-                            <p:childTnLst>
-                              <p:par>
-                                <p:cTn id="35" presetID="10" presetClass="entr" presetSubtype="0" fill="hold" grpId="0" nodeType="afterEffect">
-                                  <p:stCondLst>
-                                    <p:cond delay="0"/>
-                                  </p:stCondLst>
-                                  <p:childTnLst>
-                                    <p:set>
-                                      <p:cBhvr>
-                                        <p:cTn id="36" dur="1" fill="hold">
-                                          <p:stCondLst>
-                                            <p:cond delay="0"/>
-                                          </p:stCondLst>
-                                        </p:cTn>
-                                        <p:tgtEl>
-                                          <p:spTgt spid="15"/>
-                                        </p:tgtEl>
-                                        <p:attrNameLst>
-                                          <p:attrName>style.visibility</p:attrName>
-                                        </p:attrNameLst>
-                                      </p:cBhvr>
-                                      <p:to>
-                                        <p:strVal val="visible"/>
-                                      </p:to>
-                                    </p:set>
-                                    <p:animEffect transition="in" filter="fade">
-                                      <p:cBhvr>
-                                        <p:cTn id="37" dur="500"/>
-                                        <p:tgtEl>
-                                          <p:spTgt spid="15"/>
-                                        </p:tgtEl>
-                                      </p:cBhvr>
-                                    </p:animEffect>
-                                  </p:childTnLst>
-                                </p:cTn>
-                              </p:par>
-                            </p:childTnLst>
-                          </p:cTn>
-                        </p:par>
-                        <p:par>
-                          <p:cTn id="38" fill="hold">
-                            <p:stCondLst>
-                              <p:cond delay="1500"/>
-                            </p:stCondLst>
-                            <p:childTnLst>
-                              <p:par>
-                                <p:cTn id="39" presetID="10" presetClass="entr" presetSubtype="0" fill="hold" nodeType="afterEffect">
-                                  <p:stCondLst>
-                                    <p:cond delay="0"/>
-                                  </p:stCondLst>
-                                  <p:childTnLst>
-                                    <p:set>
-                                      <p:cBhvr>
-                                        <p:cTn id="40" dur="1" fill="hold">
-                                          <p:stCondLst>
-                                            <p:cond delay="0"/>
-                                          </p:stCondLst>
-                                        </p:cTn>
-                                        <p:tgtEl>
-                                          <p:spTgt spid="22"/>
-                                        </p:tgtEl>
-                                        <p:attrNameLst>
-                                          <p:attrName>style.visibility</p:attrName>
-                                        </p:attrNameLst>
-                                      </p:cBhvr>
-                                      <p:to>
-                                        <p:strVal val="visible"/>
-                                      </p:to>
-                                    </p:set>
-                                    <p:animEffect transition="in" filter="fade">
-                                      <p:cBhvr>
-                                        <p:cTn id="41" dur="500"/>
-                                        <p:tgtEl>
-                                          <p:spTgt spid="22"/>
-                                        </p:tgtEl>
-                                      </p:cBhvr>
-                                    </p:animEffect>
-                                  </p:childTnLst>
-                                </p:cTn>
-                              </p:par>
-                            </p:childTnLst>
-                          </p:cTn>
-                        </p:par>
-                        <p:par>
-                          <p:cTn id="42" fill="hold">
-                            <p:stCondLst>
-                              <p:cond delay="2000"/>
-                            </p:stCondLst>
-                            <p:childTnLst>
-                              <p:par>
-                                <p:cTn id="43" presetID="10" presetClass="entr" presetSubtype="0" fill="hold" grpId="0" nodeType="afterEffect">
-                                  <p:stCondLst>
-                                    <p:cond delay="0"/>
-                                  </p:stCondLst>
-                                  <p:childTnLst>
-                                    <p:set>
-                                      <p:cBhvr>
-                                        <p:cTn id="44" dur="1" fill="hold">
-                                          <p:stCondLst>
-                                            <p:cond delay="0"/>
-                                          </p:stCondLst>
-                                        </p:cTn>
-                                        <p:tgtEl>
-                                          <p:spTgt spid="51"/>
-                                        </p:tgtEl>
-                                        <p:attrNameLst>
-                                          <p:attrName>style.visibility</p:attrName>
-                                        </p:attrNameLst>
-                                      </p:cBhvr>
-                                      <p:to>
-                                        <p:strVal val="visible"/>
-                                      </p:to>
-                                    </p:set>
-                                    <p:animEffect transition="in" filter="fade">
-                                      <p:cBhvr>
-                                        <p:cTn id="45" dur="500"/>
-                                        <p:tgtEl>
-                                          <p:spTgt spid="51"/>
-                                        </p:tgtEl>
-                                      </p:cBhvr>
-                                    </p:animEffect>
-                                  </p:childTnLst>
-                                </p:cTn>
-                              </p:par>
-                            </p:childTnLst>
-                          </p:cTn>
-                        </p:par>
-                      </p:childTnLst>
-                    </p:cTn>
-                  </p:par>
-                </p:childTnLst>
-              </p:cTn>
-              <p:prevCondLst>
-                <p:cond evt="onPrev" delay="0">
-                  <p:tgtEl>
-                    <p:sldTgt/>
-                  </p:tgtEl>
-                </p:cond>
-              </p:prevCondLst>
-              <p:nextCondLst>
-                <p:cond evt="onNext" delay="0">
-                  <p:tgtEl>
-                    <p:sldTgt/>
-                  </p:tgtEl>
-                </p:cond>
-              </p:nextCondLst>
-            </p:seq>
-          </p:childTnLst>
-        </p:cTn>
-      </p:par>
-    </p:tnLst>
-    <p:bldLst>
-      <p:bldP spid="42" grpId="0" animBg="1"/>
-      <p:bldP spid="43" grpId="0" animBg="1"/>
-      <p:bldP spid="49" grpId="0" animBg="1"/>
-      <p:bldP spid="50" grpId="0" animBg="1"/>
-      <p:bldP spid="51" grpId="0" animBg="1"/>
-      <p:bldP spid="15" grpId="0" animBg="1"/>
-    </p:bldLst>
-  </p:timing>
-</p:sld>
-</file>
-
-<file path=ppt/slides/slide2.xml><?xml version="1.0" encoding="utf-8"?>
-<p:sld xmlns:a="http://schemas.openxmlformats.org/drawingml/2006/main" xmlns:r="http://schemas.openxmlformats.org/officeDocument/2006/relationships" xmlns:p="http://schemas.openxmlformats.org/presentationml/2006/main">
-  <p:cSld>
-    <p:spTree>
-      <p:nvGrpSpPr>
-        <p:cNvPr id="1" name=""/>
-        <p:cNvGrpSpPr/>
-        <p:nvPr/>
-      </p:nvGrpSpPr>
-      <p:grpSpPr>
-        <a:xfrm>
-          <a:off x="0" y="0"/>
-          <a:ext cx="0" cy="0"/>
-          <a:chOff x="0" y="0"/>
-          <a:chExt cx="0" cy="0"/>
-        </a:xfrm>
-      </p:grpSpPr>
-      <p:sp>
-        <p:nvSpPr>
-          <p:cNvPr id="2" name="タイトル 1">
-            <a:extLst>
-              <a:ext uri="{FF2B5EF4-FFF2-40B4-BE49-F238E27FC236}">
-                <a16:creationId xmlns:a16="http://schemas.microsoft.com/office/drawing/2014/main" id="{D803ADBE-F4FD-5583-F2A5-AB1D154A0992}"/>
-              </a:ext>
-            </a:extLst>
-          </p:cNvPr>
-          <p:cNvSpPr>
-            <a:spLocks noGrp="1"/>
-          </p:cNvSpPr>
-          <p:nvPr>
-            <p:ph type="title"/>
-          </p:nvPr>
-        </p:nvSpPr>
-        <p:spPr/>
-        <p:txBody>
-          <a:bodyPr>
-            <a:normAutofit/>
-          </a:bodyPr>
-          <a:lstStyle/>
-          <a:p>
-            <a:r>
-              <a:rPr lang="en-US" altLang="ja-JP" sz="5400" cap="none" dirty="0"/>
-              <a:t>Git</a:t>
-            </a:r>
-            <a:r>
-              <a:rPr kumimoji="1" lang="ja-JP" altLang="en-US" sz="5400" cap="none" dirty="0"/>
-              <a:t>について</a:t>
-            </a:r>
-            <a:endParaRPr kumimoji="1" lang="ja-JP" altLang="en-US" dirty="0"/>
-          </a:p>
-        </p:txBody>
-      </p:sp>
-      <p:sp>
-        <p:nvSpPr>
-          <p:cNvPr id="3" name="コンテンツ プレースホルダー 2">
-            <a:extLst>
-              <a:ext uri="{FF2B5EF4-FFF2-40B4-BE49-F238E27FC236}">
-                <a16:creationId xmlns:a16="http://schemas.microsoft.com/office/drawing/2014/main" id="{3B626606-7E1C-3B91-9108-FC4566BF88D4}"/>
-              </a:ext>
-            </a:extLst>
-          </p:cNvPr>
-          <p:cNvSpPr>
-            <a:spLocks noGrp="1"/>
-          </p:cNvSpPr>
-          <p:nvPr>
-            <p:ph idx="1"/>
-          </p:nvPr>
-        </p:nvSpPr>
-        <p:spPr>
-          <a:xfrm>
-            <a:off x="1251678" y="2286001"/>
-            <a:ext cx="10178322" cy="4189614"/>
-          </a:xfrm>
-        </p:spPr>
-        <p:txBody>
-          <a:bodyPr>
-            <a:normAutofit/>
-          </a:bodyPr>
-          <a:lstStyle/>
-          <a:p>
-            <a:pPr marL="0" indent="0">
-              <a:buNone/>
-            </a:pPr>
-            <a:r>
-              <a:rPr lang="en-US" altLang="ja-JP" dirty="0"/>
-              <a:t>Git</a:t>
-            </a:r>
-            <a:r>
-              <a:rPr lang="ja-JP" altLang="en-US" dirty="0"/>
-              <a:t>とは、コンピューターで作ったファイルの変更履歴を記録したり、管理したりするためのツールです。</a:t>
-            </a:r>
-          </a:p>
-          <a:p>
-            <a:pPr marL="0" indent="0">
-              <a:buNone/>
-            </a:pPr>
-            <a:r>
-              <a:rPr lang="ja-JP" altLang="en-US" dirty="0"/>
-              <a:t>例えば、あなたが絵を描いているとします。</a:t>
-            </a:r>
-          </a:p>
-          <a:p>
-            <a:pPr marL="0" indent="0">
-              <a:buNone/>
-            </a:pPr>
-            <a:r>
-              <a:rPr lang="ja-JP" altLang="en-US" dirty="0"/>
-              <a:t>最初は空白の紙に線を引いて、次に色を塗って、最後に文字を書くとしましょう。</a:t>
-            </a:r>
-          </a:p>
-          <a:p>
-            <a:pPr marL="0" indent="0">
-              <a:buNone/>
-            </a:pPr>
-            <a:r>
-              <a:rPr lang="ja-JP" altLang="en-US" dirty="0"/>
-              <a:t>このとき、紙に描いた絵はどんどん変わっていきますよね。</a:t>
-            </a:r>
-          </a:p>
-          <a:p>
-            <a:pPr marL="0" indent="0">
-              <a:buNone/>
-            </a:pPr>
-            <a:r>
-              <a:rPr lang="ja-JP" altLang="en-US" dirty="0"/>
-              <a:t>でも、もしも間違えて消しゴムで消してしまったら、元に戻すことはできません。</a:t>
-            </a:r>
-          </a:p>
-          <a:p>
-            <a:pPr marL="0" indent="0">
-              <a:buNone/>
-            </a:pPr>
-            <a:r>
-              <a:rPr lang="ja-JP" altLang="en-US" dirty="0"/>
-              <a:t>そこで、</a:t>
-            </a:r>
-            <a:r>
-              <a:rPr lang="en-US" altLang="ja-JP" dirty="0"/>
-              <a:t>Git</a:t>
-            </a:r>
-            <a:r>
-              <a:rPr lang="ja-JP" altLang="en-US" dirty="0"/>
-              <a:t>を使うと便利なんです。</a:t>
-            </a:r>
-            <a:r>
-              <a:rPr lang="en-US" altLang="ja-JP" dirty="0"/>
-              <a:t>Git</a:t>
-            </a:r>
-            <a:r>
-              <a:rPr lang="ja-JP" altLang="en-US" dirty="0"/>
-              <a:t>は、あなたが絵を描くたびに紙のコピーを作ってくれます。</a:t>
-            </a:r>
-          </a:p>
-          <a:p>
-            <a:pPr marL="0" indent="0">
-              <a:buNone/>
-            </a:pPr>
-            <a:r>
-              <a:rPr lang="ja-JP" altLang="en-US" dirty="0"/>
-              <a:t>そして、そのコピーには何を描いたか、いつ描いたか、誰が描いたかなどの情報も一緒に保存してくれます。これを「バージョン管理」と呼びます。</a:t>
-            </a:r>
-          </a:p>
-          <a:p>
-            <a:pPr marL="0" indent="0">
-              <a:buNone/>
-            </a:pPr>
-            <a:endParaRPr lang="en-US" altLang="ja-JP" dirty="0"/>
-          </a:p>
-        </p:txBody>
-      </p:sp>
-    </p:spTree>
-    <p:extLst>
-      <p:ext uri="{BB962C8B-B14F-4D97-AF65-F5344CB8AC3E}">
-        <p14:creationId xmlns:p14="http://schemas.microsoft.com/office/powerpoint/2010/main" val="2756313680"/>
-      </p:ext>
-    </p:extLst>
-  </p:cSld>
-  <p:clrMapOvr>
-    <a:masterClrMapping/>
-  </p:clrMapOvr>
-</p:sld>
-</file>
-
-<file path=ppt/slides/slide20.xml><?xml version="1.0" encoding="utf-8"?>
+<file path=ppt/slides/slide14.xml><?xml version="1.0" encoding="utf-8"?>
 <p:sld xmlns:a="http://schemas.openxmlformats.org/drawingml/2006/main" xmlns:r="http://schemas.openxmlformats.org/officeDocument/2006/relationships" xmlns:p="http://schemas.openxmlformats.org/presentationml/2006/main">
   <p:cSld>
     <p:spTree>
@@ -23875,7 +17352,7 @@
 </p:sld>
 </file>
 
-<file path=ppt/slides/slide21.xml><?xml version="1.0" encoding="utf-8"?>
+<file path=ppt/slides/slide15.xml><?xml version="1.0" encoding="utf-8"?>
 <p:sld xmlns:a="http://schemas.openxmlformats.org/drawingml/2006/main" xmlns:r="http://schemas.openxmlformats.org/officeDocument/2006/relationships" xmlns:p="http://schemas.openxmlformats.org/presentationml/2006/main">
   <p:cSld>
     <p:spTree>
@@ -26629,7 +20106,7 @@
 </p:sld>
 </file>
 
-<file path=ppt/slides/slide22.xml><?xml version="1.0" encoding="utf-8"?>
+<file path=ppt/slides/slide16.xml><?xml version="1.0" encoding="utf-8"?>
 <p:sld xmlns:a="http://schemas.openxmlformats.org/drawingml/2006/main" xmlns:r="http://schemas.openxmlformats.org/officeDocument/2006/relationships" xmlns:p="http://schemas.openxmlformats.org/presentationml/2006/main">
   <p:cSld>
     <p:spTree>
@@ -31233,7 +24710,7 @@
 </p:sld>
 </file>
 
-<file path=ppt/slides/slide23.xml><?xml version="1.0" encoding="utf-8"?>
+<file path=ppt/slides/slide17.xml><?xml version="1.0" encoding="utf-8"?>
 <p:sld xmlns:a="http://schemas.openxmlformats.org/drawingml/2006/main" xmlns:r="http://schemas.openxmlformats.org/officeDocument/2006/relationships" xmlns:p="http://schemas.openxmlformats.org/presentationml/2006/main">
   <p:cSld>
     <p:spTree>
@@ -35376,7 +28853,7 @@
 </p:sld>
 </file>
 
-<file path=ppt/slides/slide24.xml><?xml version="1.0" encoding="utf-8"?>
+<file path=ppt/slides/slide18.xml><?xml version="1.0" encoding="utf-8"?>
 <p:sld xmlns:a="http://schemas.openxmlformats.org/drawingml/2006/main" xmlns:r="http://schemas.openxmlformats.org/officeDocument/2006/relationships" xmlns:p="http://schemas.openxmlformats.org/presentationml/2006/main">
   <p:cSld>
     <p:spTree>
@@ -38546,7 +32023,7 @@
 </p:sld>
 </file>
 
-<file path=ppt/slides/slide25.xml><?xml version="1.0" encoding="utf-8"?>
+<file path=ppt/slides/slide19.xml><?xml version="1.0" encoding="utf-8"?>
 <p:sld xmlns:a="http://schemas.openxmlformats.org/drawingml/2006/main" xmlns:r="http://schemas.openxmlformats.org/officeDocument/2006/relationships" xmlns:p="http://schemas.openxmlformats.org/presentationml/2006/main">
   <p:cSld>
     <p:spTree>
@@ -42545,7 +36022,190 @@
 </p:sld>
 </file>
 
-<file path=ppt/slides/slide26.xml><?xml version="1.0" encoding="utf-8"?>
+<file path=ppt/slides/slide2.xml><?xml version="1.0" encoding="utf-8"?>
+<p:sld xmlns:a="http://schemas.openxmlformats.org/drawingml/2006/main" xmlns:r="http://schemas.openxmlformats.org/officeDocument/2006/relationships" xmlns:p="http://schemas.openxmlformats.org/presentationml/2006/main">
+  <p:cSld>
+    <p:spTree>
+      <p:nvGrpSpPr>
+        <p:cNvPr id="1" name=""/>
+        <p:cNvGrpSpPr/>
+        <p:nvPr/>
+      </p:nvGrpSpPr>
+      <p:grpSpPr>
+        <a:xfrm>
+          <a:off x="0" y="0"/>
+          <a:ext cx="0" cy="0"/>
+          <a:chOff x="0" y="0"/>
+          <a:chExt cx="0" cy="0"/>
+        </a:xfrm>
+      </p:grpSpPr>
+      <p:sp>
+        <p:nvSpPr>
+          <p:cNvPr id="2" name="タイトル 1">
+            <a:extLst>
+              <a:ext uri="{FF2B5EF4-FFF2-40B4-BE49-F238E27FC236}">
+                <a16:creationId xmlns:a16="http://schemas.microsoft.com/office/drawing/2014/main" id="{D803ADBE-F4FD-5583-F2A5-AB1D154A0992}"/>
+              </a:ext>
+            </a:extLst>
+          </p:cNvPr>
+          <p:cNvSpPr>
+            <a:spLocks noGrp="1"/>
+          </p:cNvSpPr>
+          <p:nvPr>
+            <p:ph type="title"/>
+          </p:nvPr>
+        </p:nvSpPr>
+        <p:spPr/>
+        <p:txBody>
+          <a:bodyPr>
+            <a:normAutofit/>
+          </a:bodyPr>
+          <a:lstStyle/>
+          <a:p>
+            <a:r>
+              <a:rPr lang="en-US" altLang="ja-JP" sz="5400" cap="none" dirty="0"/>
+              <a:t>Git</a:t>
+            </a:r>
+            <a:r>
+              <a:rPr kumimoji="1" lang="ja-JP" altLang="en-US" sz="5400" cap="none" dirty="0"/>
+              <a:t>について</a:t>
+            </a:r>
+            <a:endParaRPr kumimoji="1" lang="ja-JP" altLang="en-US" dirty="0"/>
+          </a:p>
+        </p:txBody>
+      </p:sp>
+      <p:sp>
+        <p:nvSpPr>
+          <p:cNvPr id="3" name="コンテンツ プレースホルダー 2">
+            <a:extLst>
+              <a:ext uri="{FF2B5EF4-FFF2-40B4-BE49-F238E27FC236}">
+                <a16:creationId xmlns:a16="http://schemas.microsoft.com/office/drawing/2014/main" id="{3B626606-7E1C-3B91-9108-FC4566BF88D4}"/>
+              </a:ext>
+            </a:extLst>
+          </p:cNvPr>
+          <p:cNvSpPr>
+            <a:spLocks noGrp="1"/>
+          </p:cNvSpPr>
+          <p:nvPr>
+            <p:ph idx="1"/>
+          </p:nvPr>
+        </p:nvSpPr>
+        <p:spPr>
+          <a:xfrm>
+            <a:off x="1251678" y="2286001"/>
+            <a:ext cx="10178322" cy="4189614"/>
+          </a:xfrm>
+        </p:spPr>
+        <p:txBody>
+          <a:bodyPr>
+            <a:normAutofit/>
+          </a:bodyPr>
+          <a:lstStyle/>
+          <a:p>
+            <a:pPr marL="0" indent="0">
+              <a:buNone/>
+            </a:pPr>
+            <a:r>
+              <a:rPr lang="en-US" altLang="ja-JP" dirty="0"/>
+              <a:t>Git</a:t>
+            </a:r>
+            <a:r>
+              <a:rPr lang="ja-JP" altLang="en-US" dirty="0"/>
+              <a:t>とは、コンピューターで作ったファイルの変更履歴を記録したり、管理したりするためのツールです。</a:t>
+            </a:r>
+          </a:p>
+          <a:p>
+            <a:pPr marL="0" indent="0">
+              <a:buNone/>
+            </a:pPr>
+            <a:r>
+              <a:rPr lang="ja-JP" altLang="en-US" dirty="0"/>
+              <a:t>例えば、あなたが絵を描いているとします。</a:t>
+            </a:r>
+          </a:p>
+          <a:p>
+            <a:pPr marL="0" indent="0">
+              <a:buNone/>
+            </a:pPr>
+            <a:r>
+              <a:rPr lang="ja-JP" altLang="en-US" dirty="0"/>
+              <a:t>最初は空白の紙に線を引いて、次に色を塗って、最後に文字を書くとしましょう。</a:t>
+            </a:r>
+          </a:p>
+          <a:p>
+            <a:pPr marL="0" indent="0">
+              <a:buNone/>
+            </a:pPr>
+            <a:r>
+              <a:rPr lang="ja-JP" altLang="en-US" dirty="0"/>
+              <a:t>このとき、紙に描いた絵はどんどん変わっていきますよね。</a:t>
+            </a:r>
+          </a:p>
+          <a:p>
+            <a:pPr marL="0" indent="0">
+              <a:buNone/>
+            </a:pPr>
+            <a:r>
+              <a:rPr lang="ja-JP" altLang="en-US" dirty="0"/>
+              <a:t>でも、もしも間違えて消しゴムで消してしまったら、元に戻すことはできません。</a:t>
+            </a:r>
+          </a:p>
+          <a:p>
+            <a:pPr marL="0" indent="0">
+              <a:buNone/>
+            </a:pPr>
+            <a:r>
+              <a:rPr lang="ja-JP" altLang="en-US" dirty="0"/>
+              <a:t>そこで、</a:t>
+            </a:r>
+            <a:r>
+              <a:rPr lang="en-US" altLang="ja-JP" dirty="0"/>
+              <a:t>Git</a:t>
+            </a:r>
+            <a:r>
+              <a:rPr lang="ja-JP" altLang="en-US" dirty="0"/>
+              <a:t>を使うと便利なんです。</a:t>
+            </a:r>
+            <a:r>
+              <a:rPr lang="en-US" altLang="ja-JP" dirty="0"/>
+              <a:t>Git</a:t>
+            </a:r>
+            <a:r>
+              <a:rPr lang="ja-JP" altLang="en-US" dirty="0"/>
+              <a:t>は、あなたが絵を描くたびに紙のコピーを作ってくれます。</a:t>
+            </a:r>
+          </a:p>
+          <a:p>
+            <a:pPr marL="0" indent="0">
+              <a:buNone/>
+            </a:pPr>
+            <a:r>
+              <a:rPr lang="ja-JP" altLang="en-US" dirty="0"/>
+              <a:t>そして、そのコピーには何を描いたか、いつ描いたか、誰が描いたかなどの情報も一緒に保存してくれます。これを「バージョン管理」と呼びます。</a:t>
+            </a:r>
+          </a:p>
+          <a:p>
+            <a:pPr marL="0" indent="0">
+              <a:buNone/>
+            </a:pPr>
+            <a:endParaRPr lang="en-US" altLang="ja-JP" dirty="0"/>
+          </a:p>
+        </p:txBody>
+      </p:sp>
+    </p:spTree>
+    <p:extLst>
+      <p:ext uri="{BB962C8B-B14F-4D97-AF65-F5344CB8AC3E}">
+        <p14:creationId xmlns:p14="http://schemas.microsoft.com/office/powerpoint/2010/main" val="2756313680"/>
+      </p:ext>
+    </p:extLst>
+  </p:cSld>
+  <p:clrMapOvr>
+    <a:masterClrMapping/>
+  </p:clrMapOvr>
+</p:sld>
+</file>
+
+<file path=ppt/slides/slide20.xml><?xml version="1.0" encoding="utf-8"?>
 <p:sld xmlns:a="http://schemas.openxmlformats.org/drawingml/2006/main" xmlns:r="http://schemas.openxmlformats.org/officeDocument/2006/relationships" xmlns:p="http://schemas.openxmlformats.org/presentationml/2006/main">
   <p:cSld>
     <p:spTree>
